--- a/projects/BASWorkshops/Excel_I/Excel_I_Slides.pptx
+++ b/projects/BASWorkshops/Excel_I/Excel_I_Slides.pptx
@@ -7,26 +7,31 @@
   </p:sldMasterIdLst>
   <p:sldIdLst>
     <p:sldId id="256" r:id="rId3"/>
-    <p:sldId id="257" r:id="rId4"/>
-    <p:sldId id="258" r:id="rId5"/>
-    <p:sldId id="259" r:id="rId6"/>
-    <p:sldId id="260" r:id="rId7"/>
-    <p:sldId id="269" r:id="rId8"/>
-    <p:sldId id="270" r:id="rId9"/>
-    <p:sldId id="272" r:id="rId10"/>
-    <p:sldId id="271" r:id="rId11"/>
-    <p:sldId id="265" r:id="rId12"/>
-    <p:sldId id="261" r:id="rId13"/>
-    <p:sldId id="273" r:id="rId14"/>
-    <p:sldId id="274" r:id="rId15"/>
-    <p:sldId id="264" r:id="rId16"/>
-    <p:sldId id="275" r:id="rId17"/>
-    <p:sldId id="276" r:id="rId18"/>
-    <p:sldId id="263" r:id="rId19"/>
-    <p:sldId id="277" r:id="rId20"/>
-    <p:sldId id="266" r:id="rId21"/>
-    <p:sldId id="267" r:id="rId22"/>
-    <p:sldId id="268" r:id="rId23"/>
+    <p:sldId id="260" r:id="rId4"/>
+    <p:sldId id="269" r:id="rId5"/>
+    <p:sldId id="270" r:id="rId6"/>
+    <p:sldId id="272" r:id="rId7"/>
+    <p:sldId id="271" r:id="rId8"/>
+    <p:sldId id="265" r:id="rId9"/>
+    <p:sldId id="261" r:id="rId10"/>
+    <p:sldId id="273" r:id="rId11"/>
+    <p:sldId id="274" r:id="rId12"/>
+    <p:sldId id="264" r:id="rId13"/>
+    <p:sldId id="275" r:id="rId14"/>
+    <p:sldId id="276" r:id="rId15"/>
+    <p:sldId id="263" r:id="rId16"/>
+    <p:sldId id="277" r:id="rId17"/>
+    <p:sldId id="266" r:id="rId18"/>
+    <p:sldId id="267" r:id="rId19"/>
+    <p:sldId id="268" r:id="rId20"/>
+    <p:sldId id="282" r:id="rId21"/>
+    <p:sldId id="257" r:id="rId22"/>
+    <p:sldId id="258" r:id="rId23"/>
+    <p:sldId id="259" r:id="rId24"/>
+    <p:sldId id="278" r:id="rId25"/>
+    <p:sldId id="279" r:id="rId26"/>
+    <p:sldId id="280" r:id="rId27"/>
+    <p:sldId id="281" r:id="rId28"/>
   </p:sldIdLst>
   <p:sldSz cx="12192000" cy="6858000"/>
   <p:notesSz cx="6858000" cy="9144000"/>
@@ -324,7 +329,7 @@
           <a:p>
             <a:fld id="{7B63E7F9-86F6-4BA2-8445-E67828B7FF1E}" type="datetimeFigureOut">
               <a:rPr lang="en-US" smtClean="0"/>
-              <a:t>9/23/2018</a:t>
+              <a:t>11/1/2018</a:t>
             </a:fld>
             <a:endParaRPr lang="en-US"/>
           </a:p>
@@ -796,7 +801,7 @@
           <a:p>
             <a:fld id="{7B63E7F9-86F6-4BA2-8445-E67828B7FF1E}" type="datetimeFigureOut">
               <a:rPr lang="en-US" smtClean="0"/>
-              <a:t>9/23/2018</a:t>
+              <a:t>11/1/2018</a:t>
             </a:fld>
             <a:endParaRPr lang="en-US"/>
           </a:p>
@@ -1046,7 +1051,7 @@
           <a:p>
             <a:fld id="{7B63E7F9-86F6-4BA2-8445-E67828B7FF1E}" type="datetimeFigureOut">
               <a:rPr lang="en-US" smtClean="0"/>
-              <a:t>9/23/2018</a:t>
+              <a:t>11/1/2018</a:t>
             </a:fld>
             <a:endParaRPr lang="en-US"/>
           </a:p>
@@ -1354,7 +1359,7 @@
           <a:p>
             <a:fld id="{7B63E7F9-86F6-4BA2-8445-E67828B7FF1E}" type="datetimeFigureOut">
               <a:rPr lang="en-US" smtClean="0"/>
-              <a:t>9/23/2018</a:t>
+              <a:t>11/1/2018</a:t>
             </a:fld>
             <a:endParaRPr lang="en-US"/>
           </a:p>
@@ -1672,7 +1677,7 @@
           <a:p>
             <a:fld id="{7B63E7F9-86F6-4BA2-8445-E67828B7FF1E}" type="datetimeFigureOut">
               <a:rPr lang="en-US" smtClean="0"/>
-              <a:t>9/23/2018</a:t>
+              <a:t>11/1/2018</a:t>
             </a:fld>
             <a:endParaRPr lang="en-US"/>
           </a:p>
@@ -1974,7 +1979,7 @@
           <a:p>
             <a:fld id="{7B63E7F9-86F6-4BA2-8445-E67828B7FF1E}" type="datetimeFigureOut">
               <a:rPr lang="en-US" smtClean="0"/>
-              <a:t>9/23/2018</a:t>
+              <a:t>11/1/2018</a:t>
             </a:fld>
             <a:endParaRPr lang="en-US"/>
           </a:p>
@@ -2341,7 +2346,7 @@
           <a:p>
             <a:fld id="{7B63E7F9-86F6-4BA2-8445-E67828B7FF1E}" type="datetimeFigureOut">
               <a:rPr lang="en-US" smtClean="0"/>
-              <a:t>9/23/2018</a:t>
+              <a:t>11/1/2018</a:t>
             </a:fld>
             <a:endParaRPr lang="en-US"/>
           </a:p>
@@ -2515,7 +2520,7 @@
           <a:p>
             <a:fld id="{7B63E7F9-86F6-4BA2-8445-E67828B7FF1E}" type="datetimeFigureOut">
               <a:rPr lang="en-US" smtClean="0"/>
-              <a:t>9/23/2018</a:t>
+              <a:t>11/1/2018</a:t>
             </a:fld>
             <a:endParaRPr lang="en-US"/>
           </a:p>
@@ -2695,7 +2700,7 @@
           <a:p>
             <a:fld id="{7B63E7F9-86F6-4BA2-8445-E67828B7FF1E}" type="datetimeFigureOut">
               <a:rPr lang="en-US" smtClean="0"/>
-              <a:t>9/23/2018</a:t>
+              <a:t>11/1/2018</a:t>
             </a:fld>
             <a:endParaRPr lang="en-US"/>
           </a:p>
@@ -3001,7 +3006,7 @@
           <a:p>
             <a:fld id="{D1668C57-9725-4841-969D-4EB8A4494CAD}" type="datetimeFigureOut">
               <a:rPr lang="en-US" smtClean="0"/>
-              <a:t>9/23/2018</a:t>
+              <a:t>11/1/2018</a:t>
             </a:fld>
             <a:endParaRPr lang="en-US"/>
           </a:p>
@@ -3252,7 +3257,7 @@
           <a:p>
             <a:fld id="{D1668C57-9725-4841-969D-4EB8A4494CAD}" type="datetimeFigureOut">
               <a:rPr lang="en-US" smtClean="0"/>
-              <a:t>9/23/2018</a:t>
+              <a:t>11/1/2018</a:t>
             </a:fld>
             <a:endParaRPr lang="en-US"/>
           </a:p>
@@ -3427,7 +3432,7 @@
           <a:p>
             <a:fld id="{7B63E7F9-86F6-4BA2-8445-E67828B7FF1E}" type="datetimeFigureOut">
               <a:rPr lang="en-US" smtClean="0"/>
-              <a:t>9/23/2018</a:t>
+              <a:t>11/1/2018</a:t>
             </a:fld>
             <a:endParaRPr lang="en-US"/>
           </a:p>
@@ -3729,7 +3734,7 @@
           <a:p>
             <a:fld id="{D1668C57-9725-4841-969D-4EB8A4494CAD}" type="datetimeFigureOut">
               <a:rPr lang="en-US" smtClean="0"/>
-              <a:t>9/23/2018</a:t>
+              <a:t>11/1/2018</a:t>
             </a:fld>
             <a:endParaRPr lang="en-US"/>
           </a:p>
@@ -4031,7 +4036,7 @@
           <a:p>
             <a:fld id="{D1668C57-9725-4841-969D-4EB8A4494CAD}" type="datetimeFigureOut">
               <a:rPr lang="en-US" smtClean="0"/>
-              <a:t>9/23/2018</a:t>
+              <a:t>11/1/2018</a:t>
             </a:fld>
             <a:endParaRPr lang="en-US"/>
           </a:p>
@@ -4453,7 +4458,7 @@
           <a:p>
             <a:fld id="{D1668C57-9725-4841-969D-4EB8A4494CAD}" type="datetimeFigureOut">
               <a:rPr lang="en-US" smtClean="0"/>
-              <a:t>9/23/2018</a:t>
+              <a:t>11/1/2018</a:t>
             </a:fld>
             <a:endParaRPr lang="en-US"/>
           </a:p>
@@ -4548,7 +4553,7 @@
           <a:p>
             <a:fld id="{D1668C57-9725-4841-969D-4EB8A4494CAD}" type="datetimeFigureOut">
               <a:rPr lang="en-US" smtClean="0"/>
-              <a:t>9/23/2018</a:t>
+              <a:t>11/1/2018</a:t>
             </a:fld>
             <a:endParaRPr lang="en-US"/>
           </a:p>
@@ -4710,7 +4715,7 @@
           <a:p>
             <a:fld id="{D1668C57-9725-4841-969D-4EB8A4494CAD}" type="datetimeFigureOut">
               <a:rPr lang="en-US" smtClean="0"/>
-              <a:t>9/23/2018</a:t>
+              <a:t>11/1/2018</a:t>
             </a:fld>
             <a:endParaRPr lang="en-US"/>
           </a:p>
@@ -5088,7 +5093,7 @@
           <a:p>
             <a:fld id="{D1668C57-9725-4841-969D-4EB8A4494CAD}" type="datetimeFigureOut">
               <a:rPr lang="en-US" smtClean="0"/>
-              <a:t>9/23/2018</a:t>
+              <a:t>11/1/2018</a:t>
             </a:fld>
             <a:endParaRPr lang="en-US"/>
           </a:p>
@@ -5377,7 +5382,7 @@
           <a:p>
             <a:fld id="{D1668C57-9725-4841-969D-4EB8A4494CAD}" type="datetimeFigureOut">
               <a:rPr lang="en-US" smtClean="0"/>
-              <a:t>9/23/2018</a:t>
+              <a:t>11/1/2018</a:t>
             </a:fld>
             <a:endParaRPr lang="en-US"/>
           </a:p>
@@ -5607,7 +5612,7 @@
           <a:p>
             <a:fld id="{D1668C57-9725-4841-969D-4EB8A4494CAD}" type="datetimeFigureOut">
               <a:rPr lang="en-US" smtClean="0"/>
-              <a:t>9/23/2018</a:t>
+              <a:t>11/1/2018</a:t>
             </a:fld>
             <a:endParaRPr lang="en-US"/>
           </a:p>
@@ -5842,7 +5847,7 @@
           <a:p>
             <a:fld id="{D1668C57-9725-4841-969D-4EB8A4494CAD}" type="datetimeFigureOut">
               <a:rPr lang="en-US" smtClean="0"/>
-              <a:t>9/23/2018</a:t>
+              <a:t>11/1/2018</a:t>
             </a:fld>
             <a:endParaRPr lang="en-US"/>
           </a:p>
@@ -6113,7 +6118,7 @@
           <a:p>
             <a:fld id="{7B63E7F9-86F6-4BA2-8445-E67828B7FF1E}" type="datetimeFigureOut">
               <a:rPr lang="en-US" smtClean="0"/>
-              <a:t>9/23/2018</a:t>
+              <a:t>11/1/2018</a:t>
             </a:fld>
             <a:endParaRPr lang="en-US"/>
           </a:p>
@@ -6349,7 +6354,7 @@
           <a:p>
             <a:fld id="{7B63E7F9-86F6-4BA2-8445-E67828B7FF1E}" type="datetimeFigureOut">
               <a:rPr lang="en-US" smtClean="0"/>
-              <a:t>9/23/2018</a:t>
+              <a:t>11/1/2018</a:t>
             </a:fld>
             <a:endParaRPr lang="en-US"/>
           </a:p>
@@ -6731,7 +6736,7 @@
           <a:p>
             <a:fld id="{7B63E7F9-86F6-4BA2-8445-E67828B7FF1E}" type="datetimeFigureOut">
               <a:rPr lang="en-US" smtClean="0"/>
-              <a:t>9/23/2018</a:t>
+              <a:t>11/1/2018</a:t>
             </a:fld>
             <a:endParaRPr lang="en-US"/>
           </a:p>
@@ -6849,7 +6854,7 @@
           <a:p>
             <a:fld id="{7B63E7F9-86F6-4BA2-8445-E67828B7FF1E}" type="datetimeFigureOut">
               <a:rPr lang="en-US" smtClean="0"/>
-              <a:t>9/23/2018</a:t>
+              <a:t>11/1/2018</a:t>
             </a:fld>
             <a:endParaRPr lang="en-US"/>
           </a:p>
@@ -6944,7 +6949,7 @@
           <a:p>
             <a:fld id="{7B63E7F9-86F6-4BA2-8445-E67828B7FF1E}" type="datetimeFigureOut">
               <a:rPr lang="en-US" smtClean="0"/>
-              <a:t>9/23/2018</a:t>
+              <a:t>11/1/2018</a:t>
             </a:fld>
             <a:endParaRPr lang="en-US"/>
           </a:p>
@@ -7199,7 +7204,7 @@
           <a:p>
             <a:fld id="{7B63E7F9-86F6-4BA2-8445-E67828B7FF1E}" type="datetimeFigureOut">
               <a:rPr lang="en-US" smtClean="0"/>
-              <a:t>9/23/2018</a:t>
+              <a:t>11/1/2018</a:t>
             </a:fld>
             <a:endParaRPr lang="en-US"/>
           </a:p>
@@ -7482,7 +7487,7 @@
           <a:p>
             <a:fld id="{7B63E7F9-86F6-4BA2-8445-E67828B7FF1E}" type="datetimeFigureOut">
               <a:rPr lang="en-US" smtClean="0"/>
-              <a:t>9/23/2018</a:t>
+              <a:t>11/1/2018</a:t>
             </a:fld>
             <a:endParaRPr lang="en-US"/>
           </a:p>
@@ -7888,7 +7893,7 @@
           <a:p>
             <a:fld id="{7B63E7F9-86F6-4BA2-8445-E67828B7FF1E}" type="datetimeFigureOut">
               <a:rPr lang="en-US" smtClean="0"/>
-              <a:t>9/23/2018</a:t>
+              <a:t>11/1/2018</a:t>
             </a:fld>
             <a:endParaRPr lang="en-US"/>
           </a:p>
@@ -8596,7 +8601,7 @@
             <a:fld id="{D1668C57-9725-4841-969D-4EB8A4494CAD}" type="datetimeFigureOut">
               <a:rPr lang="en-US" smtClean="0"/>
               <a:pPr/>
-              <a:t>9/23/2018</a:t>
+              <a:t>11/1/2018</a:t>
             </a:fld>
             <a:endParaRPr lang="en-US" dirty="0"/>
           </a:p>
@@ -9337,440 +9342,6 @@
           <p:cNvPr id="2" name="Title 1">
             <a:extLst>
               <a:ext uri="{FF2B5EF4-FFF2-40B4-BE49-F238E27FC236}">
-                <a16:creationId xmlns:a16="http://schemas.microsoft.com/office/drawing/2014/main" id="{295CC7CC-D629-43BB-9648-23A27CA67927}"/>
-              </a:ext>
-            </a:extLst>
-          </p:cNvPr>
-          <p:cNvSpPr>
-            <a:spLocks noGrp="1"/>
-          </p:cNvSpPr>
-          <p:nvPr>
-            <p:ph type="title"/>
-          </p:nvPr>
-        </p:nvSpPr>
-        <p:spPr/>
-        <p:txBody>
-          <a:bodyPr>
-            <a:normAutofit fontScale="90000"/>
-          </a:bodyPr>
-          <a:lstStyle/>
-          <a:p>
-            <a:r>
-              <a:rPr lang="en-US" dirty="0"/>
-              <a:t>SUM(number1, [number2], …)</a:t>
-            </a:r>
-            <a:br>
-              <a:rPr lang="en-US" dirty="0"/>
-            </a:br>
-            <a:r>
-              <a:rPr lang="en-US" dirty="0"/>
-              <a:t>PRODUCT(number1, [number2], …)</a:t>
-            </a:r>
-          </a:p>
-        </p:txBody>
-      </p:sp>
-      <p:pic>
-        <p:nvPicPr>
-          <p:cNvPr id="9" name="Content Placeholder 8">
-            <a:extLst>
-              <a:ext uri="{FF2B5EF4-FFF2-40B4-BE49-F238E27FC236}">
-                <a16:creationId xmlns:a16="http://schemas.microsoft.com/office/drawing/2014/main" id="{889C851A-E085-4D80-B866-175675303805}"/>
-              </a:ext>
-            </a:extLst>
-          </p:cNvPr>
-          <p:cNvPicPr>
-            <a:picLocks noGrp="1" noChangeAspect="1"/>
-          </p:cNvPicPr>
-          <p:nvPr>
-            <p:ph sz="half" idx="1"/>
-          </p:nvPr>
-        </p:nvPicPr>
-        <p:blipFill>
-          <a:blip r:embed="rId2"/>
-          <a:stretch>
-            <a:fillRect/>
-          </a:stretch>
-        </p:blipFill>
-        <p:spPr>
-          <a:xfrm>
-            <a:off x="581025" y="2912007"/>
-            <a:ext cx="5422900" cy="2264298"/>
-          </a:xfrm>
-          <a:prstGeom prst="rect">
-            <a:avLst/>
-          </a:prstGeom>
-        </p:spPr>
-      </p:pic>
-      <p:sp>
-        <p:nvSpPr>
-          <p:cNvPr id="5" name="Content Placeholder 4">
-            <a:extLst>
-              <a:ext uri="{FF2B5EF4-FFF2-40B4-BE49-F238E27FC236}">
-                <a16:creationId xmlns:a16="http://schemas.microsoft.com/office/drawing/2014/main" id="{2E6B0D21-88F3-4FB7-B053-715B364F51B2}"/>
-              </a:ext>
-            </a:extLst>
-          </p:cNvPr>
-          <p:cNvSpPr>
-            <a:spLocks noGrp="1"/>
-          </p:cNvSpPr>
-          <p:nvPr>
-            <p:ph sz="half" idx="2"/>
-          </p:nvPr>
-        </p:nvSpPr>
-        <p:spPr/>
-        <p:txBody>
-          <a:bodyPr/>
-          <a:lstStyle/>
-          <a:p>
-            <a:r>
-              <a:rPr lang="en-US" dirty="0"/>
-              <a:t>Each of the </a:t>
-            </a:r>
-            <a:r>
-              <a:rPr lang="en-US" b="1" dirty="0"/>
-              <a:t>number</a:t>
-            </a:r>
-            <a:r>
-              <a:rPr lang="en-US" dirty="0"/>
-              <a:t>s can be either a reference to a single cell or to a range</a:t>
-            </a:r>
-          </a:p>
-        </p:txBody>
-      </p:sp>
-    </p:spTree>
-    <p:extLst>
-      <p:ext uri="{BB962C8B-B14F-4D97-AF65-F5344CB8AC3E}">
-        <p14:creationId xmlns:p14="http://schemas.microsoft.com/office/powerpoint/2010/main" val="642418792"/>
-      </p:ext>
-    </p:extLst>
-  </p:cSld>
-  <p:clrMapOvr>
-    <a:masterClrMapping/>
-  </p:clrMapOvr>
-</p:sld>
-</file>
-
-<file path=ppt/slides/slide11.xml><?xml version="1.0" encoding="utf-8"?>
-<p:sld xmlns:a="http://schemas.openxmlformats.org/drawingml/2006/main" xmlns:r="http://schemas.openxmlformats.org/officeDocument/2006/relationships" xmlns:p="http://schemas.openxmlformats.org/presentationml/2006/main">
-  <p:cSld>
-    <p:spTree>
-      <p:nvGrpSpPr>
-        <p:cNvPr id="1" name=""/>
-        <p:cNvGrpSpPr/>
-        <p:nvPr/>
-      </p:nvGrpSpPr>
-      <p:grpSpPr>
-        <a:xfrm>
-          <a:off x="0" y="0"/>
-          <a:ext cx="0" cy="0"/>
-          <a:chOff x="0" y="0"/>
-          <a:chExt cx="0" cy="0"/>
-        </a:xfrm>
-      </p:grpSpPr>
-      <p:sp>
-        <p:nvSpPr>
-          <p:cNvPr id="2" name="Title 1">
-            <a:extLst>
-              <a:ext uri="{FF2B5EF4-FFF2-40B4-BE49-F238E27FC236}">
-                <a16:creationId xmlns:a16="http://schemas.microsoft.com/office/drawing/2014/main" id="{436F8FE5-4FF3-42C3-926F-8DC2533C00C2}"/>
-              </a:ext>
-            </a:extLst>
-          </p:cNvPr>
-          <p:cNvSpPr>
-            <a:spLocks noGrp="1"/>
-          </p:cNvSpPr>
-          <p:nvPr>
-            <p:ph type="title"/>
-          </p:nvPr>
-        </p:nvSpPr>
-        <p:spPr/>
-        <p:txBody>
-          <a:bodyPr>
-            <a:normAutofit fontScale="90000"/>
-          </a:bodyPr>
-          <a:lstStyle/>
-          <a:p>
-            <a:r>
-              <a:rPr lang="en-US" dirty="0"/>
-              <a:t>VLOOKUP(</a:t>
-            </a:r>
-            <a:r>
-              <a:rPr lang="en-US" dirty="0" err="1"/>
-              <a:t>lookup_value</a:t>
-            </a:r>
-            <a:r>
-              <a:rPr lang="en-US" dirty="0"/>
-              <a:t>, </a:t>
-            </a:r>
-            <a:r>
-              <a:rPr lang="en-US" dirty="0" err="1"/>
-              <a:t>table_array</a:t>
-            </a:r>
-            <a:r>
-              <a:rPr lang="en-US" dirty="0"/>
-              <a:t>, </a:t>
-            </a:r>
-            <a:r>
-              <a:rPr lang="en-US" dirty="0" err="1"/>
-              <a:t>col_index_num</a:t>
-            </a:r>
-            <a:r>
-              <a:rPr lang="en-US" dirty="0"/>
-              <a:t>, [</a:t>
-            </a:r>
-            <a:r>
-              <a:rPr lang="en-US" dirty="0" err="1"/>
-              <a:t>range_lookup</a:t>
-            </a:r>
-            <a:r>
-              <a:rPr lang="en-US" dirty="0"/>
-              <a:t>])</a:t>
-            </a:r>
-          </a:p>
-        </p:txBody>
-      </p:sp>
-      <p:sp>
-        <p:nvSpPr>
-          <p:cNvPr id="5" name="Content Placeholder 4">
-            <a:extLst>
-              <a:ext uri="{FF2B5EF4-FFF2-40B4-BE49-F238E27FC236}">
-                <a16:creationId xmlns:a16="http://schemas.microsoft.com/office/drawing/2014/main" id="{243C17C3-7666-4E03-BBA5-963BF35FDB79}"/>
-              </a:ext>
-            </a:extLst>
-          </p:cNvPr>
-          <p:cNvSpPr>
-            <a:spLocks noGrp="1"/>
-          </p:cNvSpPr>
-          <p:nvPr>
-            <p:ph idx="1"/>
-          </p:nvPr>
-        </p:nvSpPr>
-        <p:spPr/>
-        <p:txBody>
-          <a:bodyPr>
-            <a:normAutofit/>
-          </a:bodyPr>
-          <a:lstStyle/>
-          <a:p>
-            <a:r>
-              <a:rPr lang="en-US" dirty="0"/>
-              <a:t>Looks for </a:t>
-            </a:r>
-            <a:r>
-              <a:rPr lang="en-US" b="1" dirty="0" err="1"/>
-              <a:t>lookup_value</a:t>
-            </a:r>
-            <a:r>
-              <a:rPr lang="en-US" b="1" dirty="0"/>
-              <a:t> </a:t>
-            </a:r>
-            <a:r>
-              <a:rPr lang="en-US" dirty="0"/>
-              <a:t>in the first column of </a:t>
-            </a:r>
-            <a:r>
-              <a:rPr lang="en-US" b="1" dirty="0" err="1"/>
-              <a:t>table_array</a:t>
-            </a:r>
-            <a:endParaRPr lang="en-US" b="1" dirty="0"/>
-          </a:p>
-          <a:p>
-            <a:r>
-              <a:rPr lang="en-US" dirty="0"/>
-              <a:t>Returns the value in the column number indicated by </a:t>
-            </a:r>
-            <a:r>
-              <a:rPr lang="en-US" b="1" dirty="0" err="1"/>
-              <a:t>col_index_num</a:t>
-            </a:r>
-            <a:endParaRPr lang="en-US" b="1" dirty="0"/>
-          </a:p>
-          <a:p>
-            <a:r>
-              <a:rPr lang="en-US" b="1" dirty="0"/>
-              <a:t>[</a:t>
-            </a:r>
-            <a:r>
-              <a:rPr lang="en-US" b="1" dirty="0" err="1"/>
-              <a:t>range_lookup</a:t>
-            </a:r>
-            <a:r>
-              <a:rPr lang="en-US" b="1" dirty="0"/>
-              <a:t>]</a:t>
-            </a:r>
-            <a:r>
-              <a:rPr lang="en-US" dirty="0"/>
-              <a:t>: Default is TRUE (approximate match). FALSE means you want an exact match.</a:t>
-            </a:r>
-          </a:p>
-          <a:p>
-            <a:pPr lvl="1"/>
-            <a:r>
-              <a:rPr lang="en-US" dirty="0"/>
-              <a:t>For approximate match, data must be sorted in ascending order.</a:t>
-            </a:r>
-          </a:p>
-        </p:txBody>
-      </p:sp>
-    </p:spTree>
-    <p:extLst>
-      <p:ext uri="{BB962C8B-B14F-4D97-AF65-F5344CB8AC3E}">
-        <p14:creationId xmlns:p14="http://schemas.microsoft.com/office/powerpoint/2010/main" val="2121257376"/>
-      </p:ext>
-    </p:extLst>
-  </p:cSld>
-  <p:clrMapOvr>
-    <a:masterClrMapping/>
-  </p:clrMapOvr>
-</p:sld>
-</file>
-
-<file path=ppt/slides/slide12.xml><?xml version="1.0" encoding="utf-8"?>
-<p:sld xmlns:a="http://schemas.openxmlformats.org/drawingml/2006/main" xmlns:r="http://schemas.openxmlformats.org/officeDocument/2006/relationships" xmlns:p="http://schemas.openxmlformats.org/presentationml/2006/main">
-  <p:cSld>
-    <p:spTree>
-      <p:nvGrpSpPr>
-        <p:cNvPr id="1" name=""/>
-        <p:cNvGrpSpPr/>
-        <p:nvPr/>
-      </p:nvGrpSpPr>
-      <p:grpSpPr>
-        <a:xfrm>
-          <a:off x="0" y="0"/>
-          <a:ext cx="0" cy="0"/>
-          <a:chOff x="0" y="0"/>
-          <a:chExt cx="0" cy="0"/>
-        </a:xfrm>
-      </p:grpSpPr>
-      <p:sp>
-        <p:nvSpPr>
-          <p:cNvPr id="2" name="Title 1">
-            <a:extLst>
-              <a:ext uri="{FF2B5EF4-FFF2-40B4-BE49-F238E27FC236}">
-                <a16:creationId xmlns:a16="http://schemas.microsoft.com/office/drawing/2014/main" id="{436F8FE5-4FF3-42C3-926F-8DC2533C00C2}"/>
-              </a:ext>
-            </a:extLst>
-          </p:cNvPr>
-          <p:cNvSpPr>
-            <a:spLocks noGrp="1"/>
-          </p:cNvSpPr>
-          <p:nvPr>
-            <p:ph type="title"/>
-          </p:nvPr>
-        </p:nvSpPr>
-        <p:spPr/>
-        <p:txBody>
-          <a:bodyPr>
-            <a:normAutofit fontScale="90000"/>
-          </a:bodyPr>
-          <a:lstStyle/>
-          <a:p>
-            <a:r>
-              <a:rPr lang="en-US" dirty="0"/>
-              <a:t>VLOOKUP(</a:t>
-            </a:r>
-            <a:r>
-              <a:rPr lang="en-US" dirty="0" err="1"/>
-              <a:t>lookup_value</a:t>
-            </a:r>
-            <a:r>
-              <a:rPr lang="en-US" dirty="0"/>
-              <a:t>, </a:t>
-            </a:r>
-            <a:r>
-              <a:rPr lang="en-US" dirty="0" err="1"/>
-              <a:t>table_array</a:t>
-            </a:r>
-            <a:r>
-              <a:rPr lang="en-US" dirty="0"/>
-              <a:t>, </a:t>
-            </a:r>
-            <a:r>
-              <a:rPr lang="en-US" dirty="0" err="1"/>
-              <a:t>col_index_num</a:t>
-            </a:r>
-            <a:r>
-              <a:rPr lang="en-US" dirty="0"/>
-              <a:t>, [</a:t>
-            </a:r>
-            <a:r>
-              <a:rPr lang="en-US" dirty="0" err="1"/>
-              <a:t>range_lookup</a:t>
-            </a:r>
-            <a:r>
-              <a:rPr lang="en-US" dirty="0"/>
-              <a:t>])</a:t>
-            </a:r>
-          </a:p>
-        </p:txBody>
-      </p:sp>
-      <p:pic>
-        <p:nvPicPr>
-          <p:cNvPr id="11" name="Content Placeholder 10">
-            <a:extLst>
-              <a:ext uri="{FF2B5EF4-FFF2-40B4-BE49-F238E27FC236}">
-                <a16:creationId xmlns:a16="http://schemas.microsoft.com/office/drawing/2014/main" id="{667351E3-6BF1-4D76-B0B1-CEC291A12573}"/>
-              </a:ext>
-            </a:extLst>
-          </p:cNvPr>
-          <p:cNvPicPr>
-            <a:picLocks noGrp="1" noChangeAspect="1"/>
-          </p:cNvPicPr>
-          <p:nvPr>
-            <p:ph idx="1"/>
-          </p:nvPr>
-        </p:nvPicPr>
-        <p:blipFill>
-          <a:blip r:embed="rId2"/>
-          <a:stretch>
-            <a:fillRect/>
-          </a:stretch>
-        </p:blipFill>
-        <p:spPr>
-          <a:xfrm>
-            <a:off x="1404937" y="3101181"/>
-            <a:ext cx="9382125" cy="1838325"/>
-          </a:xfrm>
-          <a:prstGeom prst="rect">
-            <a:avLst/>
-          </a:prstGeom>
-        </p:spPr>
-      </p:pic>
-    </p:spTree>
-    <p:extLst>
-      <p:ext uri="{BB962C8B-B14F-4D97-AF65-F5344CB8AC3E}">
-        <p14:creationId xmlns:p14="http://schemas.microsoft.com/office/powerpoint/2010/main" val="526551944"/>
-      </p:ext>
-    </p:extLst>
-  </p:cSld>
-  <p:clrMapOvr>
-    <a:masterClrMapping/>
-  </p:clrMapOvr>
-</p:sld>
-</file>
-
-<file path=ppt/slides/slide13.xml><?xml version="1.0" encoding="utf-8"?>
-<p:sld xmlns:a="http://schemas.openxmlformats.org/drawingml/2006/main" xmlns:r="http://schemas.openxmlformats.org/officeDocument/2006/relationships" xmlns:p="http://schemas.openxmlformats.org/presentationml/2006/main">
-  <p:cSld>
-    <p:spTree>
-      <p:nvGrpSpPr>
-        <p:cNvPr id="1" name=""/>
-        <p:cNvGrpSpPr/>
-        <p:nvPr/>
-      </p:nvGrpSpPr>
-      <p:grpSpPr>
-        <a:xfrm>
-          <a:off x="0" y="0"/>
-          <a:ext cx="0" cy="0"/>
-          <a:chOff x="0" y="0"/>
-          <a:chExt cx="0" cy="0"/>
-        </a:xfrm>
-      </p:grpSpPr>
-      <p:sp>
-        <p:nvSpPr>
-          <p:cNvPr id="2" name="Title 1">
-            <a:extLst>
-              <a:ext uri="{FF2B5EF4-FFF2-40B4-BE49-F238E27FC236}">
                 <a16:creationId xmlns:a16="http://schemas.microsoft.com/office/drawing/2014/main" id="{436F8FE5-4FF3-42C3-926F-8DC2533C00C2}"/>
               </a:ext>
             </a:extLst>
@@ -9873,7 +9444,7 @@
 </p:sld>
 </file>
 
-<file path=ppt/slides/slide14.xml><?xml version="1.0" encoding="utf-8"?>
+<file path=ppt/slides/slide11.xml><?xml version="1.0" encoding="utf-8"?>
 <p:sld xmlns:a="http://schemas.openxmlformats.org/drawingml/2006/main" xmlns:r="http://schemas.openxmlformats.org/officeDocument/2006/relationships" xmlns:p="http://schemas.openxmlformats.org/presentationml/2006/main">
   <p:cSld>
     <p:spTree>
@@ -10085,7 +9656,7 @@
 </p:sld>
 </file>
 
-<file path=ppt/slides/slide15.xml><?xml version="1.0" encoding="utf-8"?>
+<file path=ppt/slides/slide12.xml><?xml version="1.0" encoding="utf-8"?>
 <p:sld xmlns:a="http://schemas.openxmlformats.org/drawingml/2006/main" xmlns:r="http://schemas.openxmlformats.org/officeDocument/2006/relationships" xmlns:p="http://schemas.openxmlformats.org/presentationml/2006/main">
   <p:cSld>
     <p:spTree>
@@ -10192,7 +9763,7 @@
 </p:sld>
 </file>
 
-<file path=ppt/slides/slide16.xml><?xml version="1.0" encoding="utf-8"?>
+<file path=ppt/slides/slide13.xml><?xml version="1.0" encoding="utf-8"?>
 <p:sld xmlns:a="http://schemas.openxmlformats.org/drawingml/2006/main" xmlns:r="http://schemas.openxmlformats.org/officeDocument/2006/relationships" xmlns:p="http://schemas.openxmlformats.org/presentationml/2006/main">
   <p:cSld>
     <p:spTree>
@@ -10299,7 +9870,7 @@
 </p:sld>
 </file>
 
-<file path=ppt/slides/slide17.xml><?xml version="1.0" encoding="utf-8"?>
+<file path=ppt/slides/slide14.xml><?xml version="1.0" encoding="utf-8"?>
 <p:sld xmlns:a="http://schemas.openxmlformats.org/drawingml/2006/main" xmlns:r="http://schemas.openxmlformats.org/officeDocument/2006/relationships" xmlns:p="http://schemas.openxmlformats.org/presentationml/2006/main">
   <p:cSld>
     <p:spTree>
@@ -10416,7 +9987,7 @@
 </p:sld>
 </file>
 
-<file path=ppt/slides/slide18.xml><?xml version="1.0" encoding="utf-8"?>
+<file path=ppt/slides/slide15.xml><?xml version="1.0" encoding="utf-8"?>
 <p:sld xmlns:a="http://schemas.openxmlformats.org/drawingml/2006/main" xmlns:r="http://schemas.openxmlformats.org/officeDocument/2006/relationships" xmlns:p="http://schemas.openxmlformats.org/presentationml/2006/main">
   <p:cSld>
     <p:spTree>
@@ -10523,7 +10094,7 @@
 </p:sld>
 </file>
 
-<file path=ppt/slides/slide19.xml><?xml version="1.0" encoding="utf-8"?>
+<file path=ppt/slides/slide16.xml><?xml version="1.0" encoding="utf-8"?>
 <p:sld xmlns:a="http://schemas.openxmlformats.org/drawingml/2006/main" xmlns:r="http://schemas.openxmlformats.org/officeDocument/2006/relationships" xmlns:p="http://schemas.openxmlformats.org/presentationml/2006/main">
   <p:cSld>
     <p:spTree>
@@ -10689,107 +10260,7 @@
 </p:sld>
 </file>
 
-<file path=ppt/slides/slide2.xml><?xml version="1.0" encoding="utf-8"?>
-<p:sld xmlns:a="http://schemas.openxmlformats.org/drawingml/2006/main" xmlns:r="http://schemas.openxmlformats.org/officeDocument/2006/relationships" xmlns:p="http://schemas.openxmlformats.org/presentationml/2006/main">
-  <p:cSld>
-    <p:spTree>
-      <p:nvGrpSpPr>
-        <p:cNvPr id="1" name=""/>
-        <p:cNvGrpSpPr/>
-        <p:nvPr/>
-      </p:nvGrpSpPr>
-      <p:grpSpPr>
-        <a:xfrm>
-          <a:off x="0" y="0"/>
-          <a:ext cx="0" cy="0"/>
-          <a:chOff x="0" y="0"/>
-          <a:chExt cx="0" cy="0"/>
-        </a:xfrm>
-      </p:grpSpPr>
-      <p:sp>
-        <p:nvSpPr>
-          <p:cNvPr id="2" name="Title 1">
-            <a:extLst>
-              <a:ext uri="{FF2B5EF4-FFF2-40B4-BE49-F238E27FC236}">
-                <a16:creationId xmlns:a16="http://schemas.microsoft.com/office/drawing/2014/main" id="{6EC00940-47C3-48D3-8D1C-7F94B1383235}"/>
-              </a:ext>
-            </a:extLst>
-          </p:cNvPr>
-          <p:cNvSpPr>
-            <a:spLocks noGrp="1"/>
-          </p:cNvSpPr>
-          <p:nvPr>
-            <p:ph type="title"/>
-          </p:nvPr>
-        </p:nvSpPr>
-        <p:spPr/>
-        <p:txBody>
-          <a:bodyPr/>
-          <a:lstStyle/>
-          <a:p>
-            <a:r>
-              <a:rPr lang="en-US" dirty="0"/>
-              <a:t>Background</a:t>
-            </a:r>
-          </a:p>
-        </p:txBody>
-      </p:sp>
-      <p:sp>
-        <p:nvSpPr>
-          <p:cNvPr id="3" name="Content Placeholder 2">
-            <a:extLst>
-              <a:ext uri="{FF2B5EF4-FFF2-40B4-BE49-F238E27FC236}">
-                <a16:creationId xmlns:a16="http://schemas.microsoft.com/office/drawing/2014/main" id="{A6408B2F-DD41-45EC-9146-F31C84DA624E}"/>
-              </a:ext>
-            </a:extLst>
-          </p:cNvPr>
-          <p:cNvSpPr>
-            <a:spLocks noGrp="1"/>
-          </p:cNvSpPr>
-          <p:nvPr>
-            <p:ph idx="1"/>
-          </p:nvPr>
-        </p:nvSpPr>
-        <p:spPr/>
-        <p:txBody>
-          <a:bodyPr>
-            <a:normAutofit/>
-          </a:bodyPr>
-          <a:lstStyle/>
-          <a:p>
-            <a:r>
-              <a:rPr lang="en-US" dirty="0"/>
-              <a:t>You are a pricing actuary for Bruin Auto Liability Insurance, LLC, a Los Angeles based company insuring personal automobile casualty losses in Southern California.</a:t>
-            </a:r>
-          </a:p>
-          <a:p>
-            <a:r>
-              <a:rPr lang="en-US" dirty="0"/>
-              <a:t>Due to limited data collected, BAL Insurance only uses two variables in their pricing algorithm: driving frequency and county.</a:t>
-            </a:r>
-          </a:p>
-          <a:p>
-            <a:r>
-              <a:rPr lang="en-US" dirty="0"/>
-              <a:t>You have been tasked with analyzing the premiums charged and claims filed to determine if the rates are adequate.</a:t>
-            </a:r>
-          </a:p>
-        </p:txBody>
-      </p:sp>
-    </p:spTree>
-    <p:extLst>
-      <p:ext uri="{BB962C8B-B14F-4D97-AF65-F5344CB8AC3E}">
-        <p14:creationId xmlns:p14="http://schemas.microsoft.com/office/powerpoint/2010/main" val="4248768406"/>
-      </p:ext>
-    </p:extLst>
-  </p:cSld>
-  <p:clrMapOvr>
-    <a:masterClrMapping/>
-  </p:clrMapOvr>
-</p:sld>
-</file>
-
-<file path=ppt/slides/slide20.xml><?xml version="1.0" encoding="utf-8"?>
+<file path=ppt/slides/slide17.xml><?xml version="1.0" encoding="utf-8"?>
 <p:sld xmlns:a="http://schemas.openxmlformats.org/drawingml/2006/main" xmlns:r="http://schemas.openxmlformats.org/officeDocument/2006/relationships" xmlns:p="http://schemas.openxmlformats.org/presentationml/2006/main">
   <p:cSld>
     <p:spTree>
@@ -10949,7 +10420,7 @@
 </p:sld>
 </file>
 
-<file path=ppt/slides/slide21.xml><?xml version="1.0" encoding="utf-8"?>
+<file path=ppt/slides/slide18.xml><?xml version="1.0" encoding="utf-8"?>
 <p:sld xmlns:a="http://schemas.openxmlformats.org/drawingml/2006/main" xmlns:r="http://schemas.openxmlformats.org/officeDocument/2006/relationships" xmlns:p="http://schemas.openxmlformats.org/presentationml/2006/main">
   <p:cSld>
     <p:spTree>
@@ -11107,6 +10578,4025 @@
 </p:sld>
 </file>
 
+<file path=ppt/slides/slide19.xml><?xml version="1.0" encoding="utf-8"?>
+<p:sld xmlns:a="http://schemas.openxmlformats.org/drawingml/2006/main" xmlns:r="http://schemas.openxmlformats.org/officeDocument/2006/relationships" xmlns:p="http://schemas.openxmlformats.org/presentationml/2006/main">
+  <p:cSld>
+    <p:spTree>
+      <p:nvGrpSpPr>
+        <p:cNvPr id="1" name=""/>
+        <p:cNvGrpSpPr/>
+        <p:nvPr/>
+      </p:nvGrpSpPr>
+      <p:grpSpPr>
+        <a:xfrm>
+          <a:off x="0" y="0"/>
+          <a:ext cx="0" cy="0"/>
+          <a:chOff x="0" y="0"/>
+          <a:chExt cx="0" cy="0"/>
+        </a:xfrm>
+      </p:grpSpPr>
+      <p:sp>
+        <p:nvSpPr>
+          <p:cNvPr id="7" name="Title 6">
+            <a:extLst>
+              <a:ext uri="{FF2B5EF4-FFF2-40B4-BE49-F238E27FC236}">
+                <a16:creationId xmlns:a16="http://schemas.microsoft.com/office/drawing/2014/main" id="{F187F09A-0FA7-4681-8AF4-F41CE9245396}"/>
+              </a:ext>
+            </a:extLst>
+          </p:cNvPr>
+          <p:cNvSpPr>
+            <a:spLocks noGrp="1"/>
+          </p:cNvSpPr>
+          <p:nvPr>
+            <p:ph type="title"/>
+          </p:nvPr>
+        </p:nvSpPr>
+        <p:spPr/>
+        <p:txBody>
+          <a:bodyPr/>
+          <a:lstStyle/>
+          <a:p>
+            <a:r>
+              <a:rPr lang="en-US" dirty="0"/>
+              <a:t>Appendix</a:t>
+            </a:r>
+          </a:p>
+        </p:txBody>
+      </p:sp>
+      <p:sp>
+        <p:nvSpPr>
+          <p:cNvPr id="8" name="Text Placeholder 7">
+            <a:extLst>
+              <a:ext uri="{FF2B5EF4-FFF2-40B4-BE49-F238E27FC236}">
+                <a16:creationId xmlns:a16="http://schemas.microsoft.com/office/drawing/2014/main" id="{875E9619-7D5E-4F94-A592-C9D0295E71FC}"/>
+              </a:ext>
+            </a:extLst>
+          </p:cNvPr>
+          <p:cNvSpPr>
+            <a:spLocks noGrp="1"/>
+          </p:cNvSpPr>
+          <p:nvPr>
+            <p:ph type="body" idx="1"/>
+          </p:nvPr>
+        </p:nvSpPr>
+        <p:spPr/>
+        <p:txBody>
+          <a:bodyPr/>
+          <a:lstStyle/>
+          <a:p>
+            <a:r>
+              <a:rPr lang="en-US" dirty="0"/>
+              <a:t>Background on the problem and mathematical justification</a:t>
+            </a:r>
+          </a:p>
+        </p:txBody>
+      </p:sp>
+    </p:spTree>
+    <p:extLst>
+      <p:ext uri="{BB962C8B-B14F-4D97-AF65-F5344CB8AC3E}">
+        <p14:creationId xmlns:p14="http://schemas.microsoft.com/office/powerpoint/2010/main" val="1744923940"/>
+      </p:ext>
+    </p:extLst>
+  </p:cSld>
+  <p:clrMapOvr>
+    <a:masterClrMapping/>
+  </p:clrMapOvr>
+</p:sld>
+</file>
+
+<file path=ppt/slides/slide2.xml><?xml version="1.0" encoding="utf-8"?>
+<p:sld xmlns:a="http://schemas.openxmlformats.org/drawingml/2006/main" xmlns:r="http://schemas.openxmlformats.org/officeDocument/2006/relationships" xmlns:p="http://schemas.openxmlformats.org/presentationml/2006/main">
+  <p:cSld>
+    <p:spTree>
+      <p:nvGrpSpPr>
+        <p:cNvPr id="1" name=""/>
+        <p:cNvGrpSpPr/>
+        <p:nvPr/>
+      </p:nvGrpSpPr>
+      <p:grpSpPr>
+        <a:xfrm>
+          <a:off x="0" y="0"/>
+          <a:ext cx="0" cy="0"/>
+          <a:chOff x="0" y="0"/>
+          <a:chExt cx="0" cy="0"/>
+        </a:xfrm>
+      </p:grpSpPr>
+      <p:sp>
+        <p:nvSpPr>
+          <p:cNvPr id="2" name="Title 1">
+            <a:extLst>
+              <a:ext uri="{FF2B5EF4-FFF2-40B4-BE49-F238E27FC236}">
+                <a16:creationId xmlns:a16="http://schemas.microsoft.com/office/drawing/2014/main" id="{FCD1466A-BF20-4380-A083-3D22E73ACEFE}"/>
+              </a:ext>
+            </a:extLst>
+          </p:cNvPr>
+          <p:cNvSpPr>
+            <a:spLocks noGrp="1"/>
+          </p:cNvSpPr>
+          <p:nvPr>
+            <p:ph type="title"/>
+          </p:nvPr>
+        </p:nvSpPr>
+        <p:spPr/>
+        <p:txBody>
+          <a:bodyPr/>
+          <a:lstStyle/>
+          <a:p>
+            <a:r>
+              <a:rPr lang="en-US" dirty="0"/>
+              <a:t>IF(</a:t>
+            </a:r>
+            <a:r>
+              <a:rPr lang="en-US" dirty="0" err="1"/>
+              <a:t>logical_test</a:t>
+            </a:r>
+            <a:r>
+              <a:rPr lang="en-US" dirty="0"/>
+              <a:t>, [</a:t>
+            </a:r>
+            <a:r>
+              <a:rPr lang="en-US" dirty="0" err="1"/>
+              <a:t>value_if_true</a:t>
+            </a:r>
+            <a:r>
+              <a:rPr lang="en-US" dirty="0"/>
+              <a:t>], [</a:t>
+            </a:r>
+            <a:r>
+              <a:rPr lang="en-US" dirty="0" err="1"/>
+              <a:t>value_if_false</a:t>
+            </a:r>
+            <a:r>
+              <a:rPr lang="en-US" dirty="0"/>
+              <a:t>])</a:t>
+            </a:r>
+          </a:p>
+        </p:txBody>
+      </p:sp>
+      <p:pic>
+        <p:nvPicPr>
+          <p:cNvPr id="4" name="Content Placeholder 3">
+            <a:extLst>
+              <a:ext uri="{FF2B5EF4-FFF2-40B4-BE49-F238E27FC236}">
+                <a16:creationId xmlns:a16="http://schemas.microsoft.com/office/drawing/2014/main" id="{089A6205-1C95-42F2-85C0-19D361952AE2}"/>
+              </a:ext>
+            </a:extLst>
+          </p:cNvPr>
+          <p:cNvPicPr>
+            <a:picLocks noGrp="1" noChangeAspect="1"/>
+          </p:cNvPicPr>
+          <p:nvPr>
+            <p:ph sz="half" idx="1"/>
+          </p:nvPr>
+        </p:nvPicPr>
+        <p:blipFill>
+          <a:blip r:embed="rId2"/>
+          <a:stretch>
+            <a:fillRect/>
+          </a:stretch>
+        </p:blipFill>
+        <p:spPr>
+          <a:xfrm>
+            <a:off x="892175" y="2639219"/>
+            <a:ext cx="4800600" cy="2809875"/>
+          </a:xfrm>
+          <a:prstGeom prst="rect">
+            <a:avLst/>
+          </a:prstGeom>
+        </p:spPr>
+      </p:pic>
+      <p:sp>
+        <p:nvSpPr>
+          <p:cNvPr id="5" name="Content Placeholder 4">
+            <a:extLst>
+              <a:ext uri="{FF2B5EF4-FFF2-40B4-BE49-F238E27FC236}">
+                <a16:creationId xmlns:a16="http://schemas.microsoft.com/office/drawing/2014/main" id="{C7986401-9D21-49D0-ABE0-FCB49BC7CDB2}"/>
+              </a:ext>
+            </a:extLst>
+          </p:cNvPr>
+          <p:cNvSpPr>
+            <a:spLocks noGrp="1"/>
+          </p:cNvSpPr>
+          <p:nvPr>
+            <p:ph sz="half" idx="2"/>
+          </p:nvPr>
+        </p:nvSpPr>
+        <p:spPr/>
+        <p:txBody>
+          <a:bodyPr>
+            <a:normAutofit/>
+          </a:bodyPr>
+          <a:lstStyle/>
+          <a:p>
+            <a:r>
+              <a:rPr lang="en-US" dirty="0"/>
+              <a:t>If </a:t>
+            </a:r>
+            <a:r>
+              <a:rPr lang="en-US" b="1" dirty="0"/>
+              <a:t>[</a:t>
+            </a:r>
+            <a:r>
+              <a:rPr lang="en-US" b="1" dirty="0" err="1"/>
+              <a:t>value_if_true</a:t>
+            </a:r>
+            <a:r>
+              <a:rPr lang="en-US" b="1" dirty="0"/>
+              <a:t>]</a:t>
+            </a:r>
+            <a:r>
+              <a:rPr lang="en-US" dirty="0"/>
+              <a:t> or </a:t>
+            </a:r>
+            <a:r>
+              <a:rPr lang="en-US" b="1" dirty="0"/>
+              <a:t>[</a:t>
+            </a:r>
+            <a:r>
+              <a:rPr lang="en-US" b="1" dirty="0" err="1"/>
+              <a:t>value_if_false</a:t>
+            </a:r>
+            <a:r>
+              <a:rPr lang="en-US" b="1" dirty="0"/>
+              <a:t>] </a:t>
+            </a:r>
+            <a:r>
+              <a:rPr lang="en-US" dirty="0"/>
+              <a:t>are not given, they default to TRUE and FALSE</a:t>
+            </a:r>
+          </a:p>
+          <a:p>
+            <a:r>
+              <a:rPr lang="en-US" dirty="0"/>
+              <a:t>If </a:t>
+            </a:r>
+            <a:r>
+              <a:rPr lang="en-US" b="1" dirty="0" err="1"/>
+              <a:t>logical_test</a:t>
+            </a:r>
+            <a:r>
+              <a:rPr lang="en-US" b="1" dirty="0"/>
+              <a:t> </a:t>
+            </a:r>
+            <a:r>
+              <a:rPr lang="en-US" dirty="0"/>
+              <a:t>is true, output is </a:t>
+            </a:r>
+            <a:r>
+              <a:rPr lang="en-US" b="1" dirty="0"/>
+              <a:t>[</a:t>
+            </a:r>
+            <a:r>
+              <a:rPr lang="en-US" b="1" dirty="0" err="1"/>
+              <a:t>value_if_true</a:t>
+            </a:r>
+            <a:r>
+              <a:rPr lang="en-US" b="1" dirty="0"/>
+              <a:t>]</a:t>
+            </a:r>
+          </a:p>
+          <a:p>
+            <a:r>
+              <a:rPr lang="en-US" dirty="0"/>
+              <a:t>If </a:t>
+            </a:r>
+            <a:r>
+              <a:rPr lang="en-US" b="1" dirty="0" err="1"/>
+              <a:t>logical_test</a:t>
+            </a:r>
+            <a:r>
+              <a:rPr lang="en-US" b="1" dirty="0"/>
+              <a:t> </a:t>
+            </a:r>
+            <a:r>
+              <a:rPr lang="en-US" dirty="0"/>
+              <a:t>is false, output is </a:t>
+            </a:r>
+            <a:r>
+              <a:rPr lang="en-US" b="1" dirty="0"/>
+              <a:t>[</a:t>
+            </a:r>
+            <a:r>
+              <a:rPr lang="en-US" b="1" dirty="0" err="1"/>
+              <a:t>value_if_false</a:t>
+            </a:r>
+            <a:r>
+              <a:rPr lang="en-US" b="1" dirty="0"/>
+              <a:t>]</a:t>
+            </a:r>
+          </a:p>
+          <a:p>
+            <a:r>
+              <a:rPr lang="en-US" dirty="0"/>
+              <a:t>IF statements can be nested</a:t>
+            </a:r>
+          </a:p>
+        </p:txBody>
+      </p:sp>
+    </p:spTree>
+    <p:extLst>
+      <p:ext uri="{BB962C8B-B14F-4D97-AF65-F5344CB8AC3E}">
+        <p14:creationId xmlns:p14="http://schemas.microsoft.com/office/powerpoint/2010/main" val="3669012229"/>
+      </p:ext>
+    </p:extLst>
+  </p:cSld>
+  <p:clrMapOvr>
+    <a:masterClrMapping/>
+  </p:clrMapOvr>
+</p:sld>
+</file>
+
+<file path=ppt/slides/slide20.xml><?xml version="1.0" encoding="utf-8"?>
+<p:sld xmlns:a="http://schemas.openxmlformats.org/drawingml/2006/main" xmlns:r="http://schemas.openxmlformats.org/officeDocument/2006/relationships" xmlns:p="http://schemas.openxmlformats.org/presentationml/2006/main">
+  <p:cSld>
+    <p:spTree>
+      <p:nvGrpSpPr>
+        <p:cNvPr id="1" name=""/>
+        <p:cNvGrpSpPr/>
+        <p:nvPr/>
+      </p:nvGrpSpPr>
+      <p:grpSpPr>
+        <a:xfrm>
+          <a:off x="0" y="0"/>
+          <a:ext cx="0" cy="0"/>
+          <a:chOff x="0" y="0"/>
+          <a:chExt cx="0" cy="0"/>
+        </a:xfrm>
+      </p:grpSpPr>
+      <p:sp>
+        <p:nvSpPr>
+          <p:cNvPr id="2" name="Title 1">
+            <a:extLst>
+              <a:ext uri="{FF2B5EF4-FFF2-40B4-BE49-F238E27FC236}">
+                <a16:creationId xmlns:a16="http://schemas.microsoft.com/office/drawing/2014/main" id="{6EC00940-47C3-48D3-8D1C-7F94B1383235}"/>
+              </a:ext>
+            </a:extLst>
+          </p:cNvPr>
+          <p:cNvSpPr>
+            <a:spLocks noGrp="1"/>
+          </p:cNvSpPr>
+          <p:nvPr>
+            <p:ph type="title"/>
+          </p:nvPr>
+        </p:nvSpPr>
+        <p:spPr/>
+        <p:txBody>
+          <a:bodyPr/>
+          <a:lstStyle/>
+          <a:p>
+            <a:r>
+              <a:rPr lang="en-US" dirty="0"/>
+              <a:t>Background</a:t>
+            </a:r>
+          </a:p>
+        </p:txBody>
+      </p:sp>
+      <p:sp>
+        <p:nvSpPr>
+          <p:cNvPr id="3" name="Content Placeholder 2">
+            <a:extLst>
+              <a:ext uri="{FF2B5EF4-FFF2-40B4-BE49-F238E27FC236}">
+                <a16:creationId xmlns:a16="http://schemas.microsoft.com/office/drawing/2014/main" id="{A6408B2F-DD41-45EC-9146-F31C84DA624E}"/>
+              </a:ext>
+            </a:extLst>
+          </p:cNvPr>
+          <p:cNvSpPr>
+            <a:spLocks noGrp="1"/>
+          </p:cNvSpPr>
+          <p:nvPr>
+            <p:ph idx="1"/>
+          </p:nvPr>
+        </p:nvSpPr>
+        <p:spPr/>
+        <p:txBody>
+          <a:bodyPr>
+            <a:normAutofit/>
+          </a:bodyPr>
+          <a:lstStyle/>
+          <a:p>
+            <a:r>
+              <a:rPr lang="en-US" dirty="0"/>
+              <a:t>You are a pricing actuary for Bruin Auto Liability Insurance, LLC, a Los Angeles based company insuring personal automobile casualty losses in Southern California.</a:t>
+            </a:r>
+          </a:p>
+          <a:p>
+            <a:r>
+              <a:rPr lang="en-US" dirty="0"/>
+              <a:t>Due to limited data collected, BAL Insurance only uses two variables in their pricing algorithm: driving frequency and county. </a:t>
+            </a:r>
+            <a:r>
+              <a:rPr lang="en-US"/>
+              <a:t>Assume these two variables are independent.</a:t>
+            </a:r>
+            <a:endParaRPr lang="en-US" dirty="0"/>
+          </a:p>
+          <a:p>
+            <a:r>
+              <a:rPr lang="en-US" dirty="0"/>
+              <a:t>You have been tasked with analyzing the premiums charged and claims filed to determine if the rates are adequate.</a:t>
+            </a:r>
+          </a:p>
+        </p:txBody>
+      </p:sp>
+    </p:spTree>
+    <p:extLst>
+      <p:ext uri="{BB962C8B-B14F-4D97-AF65-F5344CB8AC3E}">
+        <p14:creationId xmlns:p14="http://schemas.microsoft.com/office/powerpoint/2010/main" val="4248768406"/>
+      </p:ext>
+    </p:extLst>
+  </p:cSld>
+  <p:clrMapOvr>
+    <a:masterClrMapping/>
+  </p:clrMapOvr>
+</p:sld>
+</file>
+
+<file path=ppt/slides/slide21.xml><?xml version="1.0" encoding="utf-8"?>
+<p:sld xmlns:a="http://schemas.openxmlformats.org/drawingml/2006/main" xmlns:r="http://schemas.openxmlformats.org/officeDocument/2006/relationships" xmlns:p="http://schemas.openxmlformats.org/presentationml/2006/main">
+  <p:cSld>
+    <p:spTree>
+      <p:nvGrpSpPr>
+        <p:cNvPr id="1" name=""/>
+        <p:cNvGrpSpPr/>
+        <p:nvPr/>
+      </p:nvGrpSpPr>
+      <p:grpSpPr>
+        <a:xfrm>
+          <a:off x="0" y="0"/>
+          <a:ext cx="0" cy="0"/>
+          <a:chOff x="0" y="0"/>
+          <a:chExt cx="0" cy="0"/>
+        </a:xfrm>
+      </p:grpSpPr>
+      <p:sp>
+        <p:nvSpPr>
+          <p:cNvPr id="2" name="Title 1">
+            <a:extLst>
+              <a:ext uri="{FF2B5EF4-FFF2-40B4-BE49-F238E27FC236}">
+                <a16:creationId xmlns:a16="http://schemas.microsoft.com/office/drawing/2014/main" id="{6EC00940-47C3-48D3-8D1C-7F94B1383235}"/>
+              </a:ext>
+            </a:extLst>
+          </p:cNvPr>
+          <p:cNvSpPr>
+            <a:spLocks noGrp="1"/>
+          </p:cNvSpPr>
+          <p:nvPr>
+            <p:ph type="title"/>
+          </p:nvPr>
+        </p:nvSpPr>
+        <p:spPr/>
+        <p:txBody>
+          <a:bodyPr/>
+          <a:lstStyle/>
+          <a:p>
+            <a:r>
+              <a:rPr lang="en-US" dirty="0"/>
+              <a:t>Background</a:t>
+            </a:r>
+          </a:p>
+        </p:txBody>
+      </p:sp>
+      <p:sp>
+        <p:nvSpPr>
+          <p:cNvPr id="3" name="Content Placeholder 2">
+            <a:extLst>
+              <a:ext uri="{FF2B5EF4-FFF2-40B4-BE49-F238E27FC236}">
+                <a16:creationId xmlns:a16="http://schemas.microsoft.com/office/drawing/2014/main" id="{A6408B2F-DD41-45EC-9146-F31C84DA624E}"/>
+              </a:ext>
+            </a:extLst>
+          </p:cNvPr>
+          <p:cNvSpPr>
+            <a:spLocks noGrp="1"/>
+          </p:cNvSpPr>
+          <p:nvPr>
+            <p:ph idx="1"/>
+          </p:nvPr>
+        </p:nvSpPr>
+        <p:spPr/>
+        <p:txBody>
+          <a:bodyPr>
+            <a:normAutofit/>
+          </a:bodyPr>
+          <a:lstStyle/>
+          <a:p>
+            <a:r>
+              <a:rPr lang="en-US" dirty="0"/>
+              <a:t>It is January 1st, 2019. Through your discussions, you discover that sufficiently many claims for a given calendar year will be reported in 3 years.</a:t>
+            </a:r>
+          </a:p>
+          <a:p>
+            <a:r>
+              <a:rPr lang="en-US" dirty="0"/>
+              <a:t>Therefore, you have enough reliable data to analyze 2014 and 2015. However, volume of claims and policy in 2014 are fairly low.</a:t>
+            </a:r>
+          </a:p>
+          <a:p>
+            <a:r>
+              <a:rPr lang="en-US" dirty="0"/>
+              <a:t>Thus, you are to conduct an analysis of premiums and claims for policy year 2015.</a:t>
+            </a:r>
+          </a:p>
+          <a:p>
+            <a:r>
+              <a:rPr lang="en-US" dirty="0"/>
+              <a:t>For your convenience, the relevant policy data and claims data have been extracted from the full data tables.</a:t>
+            </a:r>
+          </a:p>
+        </p:txBody>
+      </p:sp>
+    </p:spTree>
+    <p:extLst>
+      <p:ext uri="{BB962C8B-B14F-4D97-AF65-F5344CB8AC3E}">
+        <p14:creationId xmlns:p14="http://schemas.microsoft.com/office/powerpoint/2010/main" val="2978352188"/>
+      </p:ext>
+    </p:extLst>
+  </p:cSld>
+  <p:clrMapOvr>
+    <a:masterClrMapping/>
+  </p:clrMapOvr>
+</p:sld>
+</file>
+
+<file path=ppt/slides/slide22.xml><?xml version="1.0" encoding="utf-8"?>
+<p:sld xmlns:a="http://schemas.openxmlformats.org/drawingml/2006/main" xmlns:r="http://schemas.openxmlformats.org/officeDocument/2006/relationships" xmlns:p="http://schemas.openxmlformats.org/presentationml/2006/main">
+  <p:cSld>
+    <p:spTree>
+      <p:nvGrpSpPr>
+        <p:cNvPr id="1" name=""/>
+        <p:cNvGrpSpPr/>
+        <p:nvPr/>
+      </p:nvGrpSpPr>
+      <p:grpSpPr>
+        <a:xfrm>
+          <a:off x="0" y="0"/>
+          <a:ext cx="0" cy="0"/>
+          <a:chOff x="0" y="0"/>
+          <a:chExt cx="0" cy="0"/>
+        </a:xfrm>
+      </p:grpSpPr>
+      <p:sp>
+        <p:nvSpPr>
+          <p:cNvPr id="2" name="Title 1">
+            <a:extLst>
+              <a:ext uri="{FF2B5EF4-FFF2-40B4-BE49-F238E27FC236}">
+                <a16:creationId xmlns:a16="http://schemas.microsoft.com/office/drawing/2014/main" id="{6EC00940-47C3-48D3-8D1C-7F94B1383235}"/>
+              </a:ext>
+            </a:extLst>
+          </p:cNvPr>
+          <p:cNvSpPr>
+            <a:spLocks noGrp="1"/>
+          </p:cNvSpPr>
+          <p:nvPr>
+            <p:ph type="title"/>
+          </p:nvPr>
+        </p:nvSpPr>
+        <p:spPr/>
+        <p:txBody>
+          <a:bodyPr/>
+          <a:lstStyle/>
+          <a:p>
+            <a:r>
+              <a:rPr lang="en-US" dirty="0"/>
+              <a:t>Background</a:t>
+            </a:r>
+          </a:p>
+        </p:txBody>
+      </p:sp>
+      <p:sp>
+        <p:nvSpPr>
+          <p:cNvPr id="3" name="Content Placeholder 2">
+            <a:extLst>
+              <a:ext uri="{FF2B5EF4-FFF2-40B4-BE49-F238E27FC236}">
+                <a16:creationId xmlns:a16="http://schemas.microsoft.com/office/drawing/2014/main" id="{A6408B2F-DD41-45EC-9146-F31C84DA624E}"/>
+              </a:ext>
+            </a:extLst>
+          </p:cNvPr>
+          <p:cNvSpPr>
+            <a:spLocks noGrp="1"/>
+          </p:cNvSpPr>
+          <p:nvPr>
+            <p:ph idx="1"/>
+          </p:nvPr>
+        </p:nvSpPr>
+        <p:spPr/>
+        <p:txBody>
+          <a:bodyPr>
+            <a:normAutofit/>
+          </a:bodyPr>
+          <a:lstStyle/>
+          <a:p>
+            <a:r>
+              <a:rPr lang="en-US" dirty="0"/>
+              <a:t>Management's target loss ratio is 85%.</a:t>
+            </a:r>
+          </a:p>
+          <a:p>
+            <a:r>
+              <a:rPr lang="en-US" dirty="0"/>
+              <a:t>Conduct an analysis of 2015 data and, based on your results, recommend an alternative rating algorithm to use in the future, if claims in 2016-2018 are similar to those in 2015.</a:t>
+            </a:r>
+          </a:p>
+          <a:p>
+            <a:r>
+              <a:rPr lang="en-US" dirty="0" err="1"/>
+              <a:t>Backtest</a:t>
+            </a:r>
+            <a:r>
+              <a:rPr lang="en-US" dirty="0"/>
+              <a:t> your new rating algorithm on data from 2014.</a:t>
+            </a:r>
+          </a:p>
+          <a:p>
+            <a:r>
+              <a:rPr lang="en-US" dirty="0"/>
+              <a:t>Determine whether the rates you have set are feasible on the data from policy year 2014, and state the overall loss ratio on that sheet.</a:t>
+            </a:r>
+          </a:p>
+        </p:txBody>
+      </p:sp>
+    </p:spTree>
+    <p:extLst>
+      <p:ext uri="{BB962C8B-B14F-4D97-AF65-F5344CB8AC3E}">
+        <p14:creationId xmlns:p14="http://schemas.microsoft.com/office/powerpoint/2010/main" val="3939379380"/>
+      </p:ext>
+    </p:extLst>
+  </p:cSld>
+  <p:clrMapOvr>
+    <a:masterClrMapping/>
+  </p:clrMapOvr>
+</p:sld>
+</file>
+
+<file path=ppt/slides/slide23.xml><?xml version="1.0" encoding="utf-8"?>
+<p:sld xmlns:a="http://schemas.openxmlformats.org/drawingml/2006/main" xmlns:r="http://schemas.openxmlformats.org/officeDocument/2006/relationships" xmlns:p="http://schemas.openxmlformats.org/presentationml/2006/main">
+  <p:cSld>
+    <p:spTree>
+      <p:nvGrpSpPr>
+        <p:cNvPr id="1" name=""/>
+        <p:cNvGrpSpPr/>
+        <p:nvPr/>
+      </p:nvGrpSpPr>
+      <p:grpSpPr>
+        <a:xfrm>
+          <a:off x="0" y="0"/>
+          <a:ext cx="0" cy="0"/>
+          <a:chOff x="0" y="0"/>
+          <a:chExt cx="0" cy="0"/>
+        </a:xfrm>
+      </p:grpSpPr>
+      <p:sp>
+        <p:nvSpPr>
+          <p:cNvPr id="5" name="Title 4">
+            <a:extLst>
+              <a:ext uri="{FF2B5EF4-FFF2-40B4-BE49-F238E27FC236}">
+                <a16:creationId xmlns:a16="http://schemas.microsoft.com/office/drawing/2014/main" id="{1CE9D5BD-5FA8-49ED-B6DF-AD8A82FB02A7}"/>
+              </a:ext>
+            </a:extLst>
+          </p:cNvPr>
+          <p:cNvSpPr>
+            <a:spLocks noGrp="1"/>
+          </p:cNvSpPr>
+          <p:nvPr>
+            <p:ph type="title"/>
+          </p:nvPr>
+        </p:nvSpPr>
+        <p:spPr/>
+        <p:txBody>
+          <a:bodyPr/>
+          <a:lstStyle/>
+          <a:p>
+            <a:r>
+              <a:rPr lang="en-US" dirty="0"/>
+              <a:t>Adjusting the loss ratios</a:t>
+            </a:r>
+          </a:p>
+        </p:txBody>
+      </p:sp>
+      <mc:AlternateContent xmlns:mc="http://schemas.openxmlformats.org/markup-compatibility/2006" xmlns:a14="http://schemas.microsoft.com/office/drawing/2010/main">
+        <mc:Choice Requires="a14">
+          <p:sp>
+            <p:nvSpPr>
+              <p:cNvPr id="6" name="Content Placeholder 5">
+                <a:extLst>
+                  <a:ext uri="{FF2B5EF4-FFF2-40B4-BE49-F238E27FC236}">
+                    <a16:creationId xmlns:a16="http://schemas.microsoft.com/office/drawing/2014/main" id="{0BE337FF-7B6F-4FE1-AB3D-07BF761B3AEF}"/>
+                  </a:ext>
+                </a:extLst>
+              </p:cNvPr>
+              <p:cNvSpPr>
+                <a:spLocks noGrp="1"/>
+              </p:cNvSpPr>
+              <p:nvPr>
+                <p:ph idx="1"/>
+              </p:nvPr>
+            </p:nvSpPr>
+            <p:spPr/>
+            <p:txBody>
+              <a:bodyPr/>
+              <a:lstStyle/>
+              <a:p>
+                <a:r>
+                  <a:rPr lang="en-US" dirty="0"/>
+                  <a:t>For simplicity, let’s only look at the relativities for </a:t>
+                </a:r>
+                <a:r>
+                  <a:rPr lang="en-US" b="1" dirty="0"/>
+                  <a:t>county</a:t>
+                </a:r>
+                <a:r>
+                  <a:rPr lang="en-US" dirty="0"/>
+                  <a:t>, though the process for driving frequency is the same.</a:t>
+                </a:r>
+              </a:p>
+              <a:p>
+                <a:r>
+                  <a:rPr lang="en-US" dirty="0"/>
+                  <a:t>Specifically, let’s look at Los Angeles. We decompose the premium collected from all LA policyholders into the base rate and the factor:</a:t>
+                </a:r>
+              </a:p>
+              <a:p>
+                <a:pPr marL="0" indent="0" algn="ctr">
+                  <a:buNone/>
+                </a:pPr>
+                <a14:m>
+                  <m:oMathPara xmlns:m="http://schemas.openxmlformats.org/officeDocument/2006/math">
+                    <m:oMathParaPr>
+                      <m:jc m:val="centerGroup"/>
+                    </m:oMathParaPr>
+                    <m:oMath xmlns:m="http://schemas.openxmlformats.org/officeDocument/2006/math">
+                      <m:sSub>
+                        <m:sSubPr>
+                          <m:ctrlPr>
+                            <a:rPr lang="en-US" b="0" i="1" smtClean="0">
+                              <a:solidFill>
+                                <a:schemeClr val="tx1"/>
+                              </a:solidFill>
+                              <a:latin typeface="Cambria Math" panose="02040503050406030204" pitchFamily="18" charset="0"/>
+                            </a:rPr>
+                          </m:ctrlPr>
+                        </m:sSubPr>
+                        <m:e>
+                          <m:r>
+                            <m:rPr>
+                              <m:sty m:val="p"/>
+                            </m:rPr>
+                            <a:rPr lang="en-US" b="0" i="0" smtClean="0">
+                              <a:solidFill>
+                                <a:schemeClr val="tx1"/>
+                              </a:solidFill>
+                              <a:latin typeface="Cambria Math" panose="02040503050406030204" pitchFamily="18" charset="0"/>
+                            </a:rPr>
+                            <m:t>LR</m:t>
+                          </m:r>
+                        </m:e>
+                        <m:sub>
+                          <m:r>
+                            <m:rPr>
+                              <m:sty m:val="p"/>
+                            </m:rPr>
+                            <a:rPr lang="en-US" b="0" i="0" smtClean="0">
+                              <a:solidFill>
+                                <a:schemeClr val="tx1"/>
+                              </a:solidFill>
+                              <a:latin typeface="Cambria Math" panose="02040503050406030204" pitchFamily="18" charset="0"/>
+                            </a:rPr>
+                            <m:t>LA</m:t>
+                          </m:r>
+                        </m:sub>
+                      </m:sSub>
+                      <m:r>
+                        <a:rPr lang="en-US" b="0" i="0" smtClean="0">
+                          <a:solidFill>
+                            <a:schemeClr val="tx1"/>
+                          </a:solidFill>
+                          <a:latin typeface="Cambria Math" panose="02040503050406030204" pitchFamily="18" charset="0"/>
+                        </a:rPr>
+                        <m:t>=</m:t>
+                      </m:r>
+                      <m:f>
+                        <m:fPr>
+                          <m:ctrlPr>
+                            <a:rPr lang="en-US" b="0" i="1" smtClean="0">
+                              <a:solidFill>
+                                <a:schemeClr val="tx1"/>
+                              </a:solidFill>
+                              <a:latin typeface="Cambria Math" panose="02040503050406030204" pitchFamily="18" charset="0"/>
+                            </a:rPr>
+                          </m:ctrlPr>
+                        </m:fPr>
+                        <m:num>
+                          <m:sSub>
+                            <m:sSubPr>
+                              <m:ctrlPr>
+                                <a:rPr lang="en-US" b="0" i="1" smtClean="0">
+                                  <a:solidFill>
+                                    <a:schemeClr val="tx1"/>
+                                  </a:solidFill>
+                                  <a:latin typeface="Cambria Math" panose="02040503050406030204" pitchFamily="18" charset="0"/>
+                                </a:rPr>
+                              </m:ctrlPr>
+                            </m:sSubPr>
+                            <m:e>
+                              <m:r>
+                                <a:rPr lang="en-US" b="0" i="1" smtClean="0">
+                                  <a:solidFill>
+                                    <a:schemeClr val="tx1"/>
+                                  </a:solidFill>
+                                  <a:latin typeface="Cambria Math" panose="02040503050406030204" pitchFamily="18" charset="0"/>
+                                </a:rPr>
+                                <m:t>∑</m:t>
+                              </m:r>
+                              <m:r>
+                                <m:rPr>
+                                  <m:sty m:val="p"/>
+                                </m:rPr>
+                                <a:rPr lang="en-US" b="0" i="0" smtClean="0">
+                                  <a:solidFill>
+                                    <a:schemeClr val="tx1"/>
+                                  </a:solidFill>
+                                  <a:latin typeface="Cambria Math" panose="02040503050406030204" pitchFamily="18" charset="0"/>
+                                </a:rPr>
+                                <m:t>Claims</m:t>
+                              </m:r>
+                            </m:e>
+                            <m:sub>
+                              <m:r>
+                                <m:rPr>
+                                  <m:sty m:val="p"/>
+                                </m:rPr>
+                                <a:rPr lang="en-US" b="0" i="0" smtClean="0">
+                                  <a:solidFill>
+                                    <a:schemeClr val="tx1"/>
+                                  </a:solidFill>
+                                  <a:latin typeface="Cambria Math" panose="02040503050406030204" pitchFamily="18" charset="0"/>
+                                </a:rPr>
+                                <m:t>LA</m:t>
+                              </m:r>
+                            </m:sub>
+                          </m:sSub>
+                        </m:num>
+                        <m:den>
+                          <m:r>
+                            <a:rPr lang="en-US" i="1">
+                              <a:solidFill>
+                                <a:schemeClr val="tx1"/>
+                              </a:solidFill>
+                              <a:latin typeface="Cambria Math" panose="02040503050406030204" pitchFamily="18" charset="0"/>
+                            </a:rPr>
+                            <m:t>∑</m:t>
+                          </m:r>
+                          <m:sSub>
+                            <m:sSubPr>
+                              <m:ctrlPr>
+                                <a:rPr lang="en-US" b="0" i="1" smtClean="0">
+                                  <a:solidFill>
+                                    <a:schemeClr val="tx1"/>
+                                  </a:solidFill>
+                                  <a:latin typeface="Cambria Math" panose="02040503050406030204" pitchFamily="18" charset="0"/>
+                                </a:rPr>
+                              </m:ctrlPr>
+                            </m:sSubPr>
+                            <m:e>
+                              <m:r>
+                                <m:rPr>
+                                  <m:sty m:val="p"/>
+                                </m:rPr>
+                                <a:rPr lang="en-US" b="0" i="0" smtClean="0">
+                                  <a:solidFill>
+                                    <a:schemeClr val="tx1"/>
+                                  </a:solidFill>
+                                  <a:latin typeface="Cambria Math" panose="02040503050406030204" pitchFamily="18" charset="0"/>
+                                </a:rPr>
+                                <m:t>Premium</m:t>
+                              </m:r>
+                            </m:e>
+                            <m:sub>
+                              <m:r>
+                                <m:rPr>
+                                  <m:sty m:val="p"/>
+                                </m:rPr>
+                                <a:rPr lang="en-US" b="0" i="0" smtClean="0">
+                                  <a:solidFill>
+                                    <a:schemeClr val="tx1"/>
+                                  </a:solidFill>
+                                  <a:latin typeface="Cambria Math" panose="02040503050406030204" pitchFamily="18" charset="0"/>
+                                </a:rPr>
+                                <m:t>LA</m:t>
+                              </m:r>
+                            </m:sub>
+                          </m:sSub>
+                        </m:den>
+                      </m:f>
+                      <m:r>
+                        <a:rPr lang="en-US" b="0" i="1" smtClean="0">
+                          <a:solidFill>
+                            <a:schemeClr val="tx1"/>
+                          </a:solidFill>
+                          <a:latin typeface="Cambria Math" panose="02040503050406030204" pitchFamily="18" charset="0"/>
+                        </a:rPr>
+                        <m:t>=</m:t>
+                      </m:r>
+                      <m:f>
+                        <m:fPr>
+                          <m:ctrlPr>
+                            <a:rPr lang="en-US" i="1">
+                              <a:solidFill>
+                                <a:schemeClr val="tx1"/>
+                              </a:solidFill>
+                              <a:latin typeface="Cambria Math" panose="02040503050406030204" pitchFamily="18" charset="0"/>
+                            </a:rPr>
+                          </m:ctrlPr>
+                        </m:fPr>
+                        <m:num>
+                          <m:sSub>
+                            <m:sSubPr>
+                              <m:ctrlPr>
+                                <a:rPr lang="en-US" i="1">
+                                  <a:solidFill>
+                                    <a:schemeClr val="tx1"/>
+                                  </a:solidFill>
+                                  <a:latin typeface="Cambria Math" panose="02040503050406030204" pitchFamily="18" charset="0"/>
+                                </a:rPr>
+                              </m:ctrlPr>
+                            </m:sSubPr>
+                            <m:e>
+                              <m:r>
+                                <a:rPr lang="en-US" i="1">
+                                  <a:solidFill>
+                                    <a:schemeClr val="tx1"/>
+                                  </a:solidFill>
+                                  <a:latin typeface="Cambria Math" panose="02040503050406030204" pitchFamily="18" charset="0"/>
+                                </a:rPr>
+                                <m:t>∑</m:t>
+                              </m:r>
+                              <m:r>
+                                <m:rPr>
+                                  <m:sty m:val="p"/>
+                                </m:rPr>
+                                <a:rPr lang="en-US">
+                                  <a:solidFill>
+                                    <a:schemeClr val="tx1"/>
+                                  </a:solidFill>
+                                  <a:latin typeface="Cambria Math" panose="02040503050406030204" pitchFamily="18" charset="0"/>
+                                </a:rPr>
+                                <m:t>Claims</m:t>
+                              </m:r>
+                            </m:e>
+                            <m:sub>
+                              <m:r>
+                                <m:rPr>
+                                  <m:sty m:val="p"/>
+                                </m:rPr>
+                                <a:rPr lang="en-US">
+                                  <a:solidFill>
+                                    <a:schemeClr val="tx1"/>
+                                  </a:solidFill>
+                                  <a:latin typeface="Cambria Math" panose="02040503050406030204" pitchFamily="18" charset="0"/>
+                                </a:rPr>
+                                <m:t>LA</m:t>
+                              </m:r>
+                            </m:sub>
+                          </m:sSub>
+                        </m:num>
+                        <m:den>
+                          <m:r>
+                            <m:rPr>
+                              <m:sty m:val="p"/>
+                            </m:rPr>
+                            <a:rPr lang="en-US" b="0" i="0" smtClean="0">
+                              <a:solidFill>
+                                <a:schemeClr val="tx1"/>
+                              </a:solidFill>
+                              <a:latin typeface="Cambria Math" panose="02040503050406030204" pitchFamily="18" charset="0"/>
+                            </a:rPr>
+                            <m:t>BaseRate</m:t>
+                          </m:r>
+                          <m:r>
+                            <a:rPr lang="en-US" b="0" i="1" smtClean="0">
+                              <a:solidFill>
+                                <a:schemeClr val="tx1"/>
+                              </a:solidFill>
+                              <a:latin typeface="Cambria Math" panose="02040503050406030204" pitchFamily="18" charset="0"/>
+                            </a:rPr>
+                            <m:t>⋅</m:t>
+                          </m:r>
+                          <m:r>
+                            <a:rPr lang="en-US" i="1">
+                              <a:solidFill>
+                                <a:schemeClr val="tx1"/>
+                              </a:solidFill>
+                              <a:latin typeface="Cambria Math" panose="02040503050406030204" pitchFamily="18" charset="0"/>
+                            </a:rPr>
+                            <m:t>∑</m:t>
+                          </m:r>
+                          <m:sSub>
+                            <m:sSubPr>
+                              <m:ctrlPr>
+                                <a:rPr lang="en-US" i="1">
+                                  <a:solidFill>
+                                    <a:schemeClr val="tx1"/>
+                                  </a:solidFill>
+                                  <a:latin typeface="Cambria Math" panose="02040503050406030204" pitchFamily="18" charset="0"/>
+                                </a:rPr>
+                              </m:ctrlPr>
+                            </m:sSubPr>
+                            <m:e>
+                              <m:r>
+                                <m:rPr>
+                                  <m:sty m:val="p"/>
+                                </m:rPr>
+                                <a:rPr lang="en-US" b="0" i="0" smtClean="0">
+                                  <a:solidFill>
+                                    <a:schemeClr val="tx1"/>
+                                  </a:solidFill>
+                                  <a:latin typeface="Cambria Math" panose="02040503050406030204" pitchFamily="18" charset="0"/>
+                                </a:rPr>
+                                <m:t>Factor</m:t>
+                              </m:r>
+                            </m:e>
+                            <m:sub>
+                              <m:r>
+                                <m:rPr>
+                                  <m:sty m:val="p"/>
+                                </m:rPr>
+                                <a:rPr lang="en-US">
+                                  <a:solidFill>
+                                    <a:schemeClr val="tx1"/>
+                                  </a:solidFill>
+                                  <a:latin typeface="Cambria Math" panose="02040503050406030204" pitchFamily="18" charset="0"/>
+                                </a:rPr>
+                                <m:t>LA</m:t>
+                              </m:r>
+                            </m:sub>
+                          </m:sSub>
+                        </m:den>
+                      </m:f>
+                    </m:oMath>
+                  </m:oMathPara>
+                </a14:m>
+                <a:endParaRPr lang="en-US" dirty="0">
+                  <a:solidFill>
+                    <a:schemeClr val="tx1"/>
+                  </a:solidFill>
+                </a:endParaRPr>
+              </a:p>
+              <a:p>
+                <a:r>
+                  <a:rPr lang="en-US" dirty="0"/>
+                  <a:t>Note that we cannot simply replace </a:t>
+                </a:r>
+                <a14:m>
+                  <m:oMath xmlns:m="http://schemas.openxmlformats.org/officeDocument/2006/math">
+                    <m:sSub>
+                      <m:sSubPr>
+                        <m:ctrlPr>
+                          <a:rPr lang="en-US" i="1" smtClean="0">
+                            <a:solidFill>
+                              <a:schemeClr val="tx1"/>
+                            </a:solidFill>
+                            <a:latin typeface="Cambria Math" panose="02040503050406030204" pitchFamily="18" charset="0"/>
+                          </a:rPr>
+                        </m:ctrlPr>
+                      </m:sSubPr>
+                      <m:e>
+                        <m:r>
+                          <m:rPr>
+                            <m:sty m:val="p"/>
+                          </m:rPr>
+                          <a:rPr lang="en-US">
+                            <a:solidFill>
+                              <a:schemeClr val="tx1"/>
+                            </a:solidFill>
+                            <a:latin typeface="Cambria Math" panose="02040503050406030204" pitchFamily="18" charset="0"/>
+                          </a:rPr>
+                          <m:t>Factor</m:t>
+                        </m:r>
+                      </m:e>
+                      <m:sub>
+                        <m:r>
+                          <m:rPr>
+                            <m:sty m:val="p"/>
+                          </m:rPr>
+                          <a:rPr lang="en-US">
+                            <a:solidFill>
+                              <a:schemeClr val="tx1"/>
+                            </a:solidFill>
+                            <a:latin typeface="Cambria Math" panose="02040503050406030204" pitchFamily="18" charset="0"/>
+                          </a:rPr>
+                          <m:t>LA</m:t>
+                        </m:r>
+                      </m:sub>
+                    </m:sSub>
+                  </m:oMath>
+                </a14:m>
+                <a:r>
+                  <a:rPr lang="en-US" dirty="0">
+                    <a:solidFill>
+                      <a:schemeClr val="tx1"/>
+                    </a:solidFill>
+                  </a:rPr>
+                  <a:t> </a:t>
+                </a:r>
+                <a:r>
+                  <a:rPr lang="en-US" dirty="0"/>
+                  <a:t>with 1.20, since </a:t>
+                </a:r>
+                <a14:m>
+                  <m:oMath xmlns:m="http://schemas.openxmlformats.org/officeDocument/2006/math">
+                    <m:r>
+                      <m:rPr>
+                        <m:sty m:val="p"/>
+                      </m:rPr>
+                      <a:rPr lang="en-US" b="0" i="0" smtClean="0">
+                        <a:solidFill>
+                          <a:schemeClr val="tx1"/>
+                        </a:solidFill>
+                        <a:latin typeface="Cambria Math" panose="02040503050406030204" pitchFamily="18" charset="0"/>
+                      </a:rPr>
+                      <m:t>Factor</m:t>
+                    </m:r>
+                  </m:oMath>
+                </a14:m>
+                <a:r>
+                  <a:rPr lang="en-US" dirty="0"/>
+                  <a:t> refers to the product of county and driving frequency relativities.</a:t>
+                </a:r>
+              </a:p>
+            </p:txBody>
+          </p:sp>
+        </mc:Choice>
+        <mc:Fallback xmlns="">
+          <p:sp>
+            <p:nvSpPr>
+              <p:cNvPr id="6" name="Content Placeholder 5">
+                <a:extLst>
+                  <a:ext uri="{FF2B5EF4-FFF2-40B4-BE49-F238E27FC236}">
+                    <a16:creationId xmlns:a16="http://schemas.microsoft.com/office/drawing/2014/main" id="{0BE337FF-7B6F-4FE1-AB3D-07BF761B3AEF}"/>
+                  </a:ext>
+                </a:extLst>
+              </p:cNvPr>
+              <p:cNvSpPr>
+                <a:spLocks noGrp="1" noRot="1" noChangeAspect="1" noMove="1" noResize="1" noEditPoints="1" noAdjustHandles="1" noChangeArrowheads="1" noChangeShapeType="1" noTextEdit="1"/>
+              </p:cNvSpPr>
+              <p:nvPr>
+                <p:ph idx="1"/>
+              </p:nvPr>
+            </p:nvSpPr>
+            <p:spPr>
+              <a:blipFill>
+                <a:blip r:embed="rId2"/>
+                <a:stretch>
+                  <a:fillRect l="-552" t="-1327"/>
+                </a:stretch>
+              </a:blipFill>
+            </p:spPr>
+            <p:txBody>
+              <a:bodyPr/>
+              <a:lstStyle/>
+              <a:p>
+                <a:r>
+                  <a:rPr lang="en-US">
+                    <a:noFill/>
+                  </a:rPr>
+                  <a:t> </a:t>
+                </a:r>
+              </a:p>
+            </p:txBody>
+          </p:sp>
+        </mc:Fallback>
+      </mc:AlternateContent>
+    </p:spTree>
+    <p:extLst>
+      <p:ext uri="{BB962C8B-B14F-4D97-AF65-F5344CB8AC3E}">
+        <p14:creationId xmlns:p14="http://schemas.microsoft.com/office/powerpoint/2010/main" val="3652661854"/>
+      </p:ext>
+    </p:extLst>
+  </p:cSld>
+  <p:clrMapOvr>
+    <a:masterClrMapping/>
+  </p:clrMapOvr>
+</p:sld>
+</file>
+
+<file path=ppt/slides/slide24.xml><?xml version="1.0" encoding="utf-8"?>
+<p:sld xmlns:a="http://schemas.openxmlformats.org/drawingml/2006/main" xmlns:r="http://schemas.openxmlformats.org/officeDocument/2006/relationships" xmlns:p="http://schemas.openxmlformats.org/presentationml/2006/main">
+  <p:cSld>
+    <p:spTree>
+      <p:nvGrpSpPr>
+        <p:cNvPr id="1" name=""/>
+        <p:cNvGrpSpPr/>
+        <p:nvPr/>
+      </p:nvGrpSpPr>
+      <p:grpSpPr>
+        <a:xfrm>
+          <a:off x="0" y="0"/>
+          <a:ext cx="0" cy="0"/>
+          <a:chOff x="0" y="0"/>
+          <a:chExt cx="0" cy="0"/>
+        </a:xfrm>
+      </p:grpSpPr>
+      <p:sp>
+        <p:nvSpPr>
+          <p:cNvPr id="5" name="Title 4">
+            <a:extLst>
+              <a:ext uri="{FF2B5EF4-FFF2-40B4-BE49-F238E27FC236}">
+                <a16:creationId xmlns:a16="http://schemas.microsoft.com/office/drawing/2014/main" id="{1CE9D5BD-5FA8-49ED-B6DF-AD8A82FB02A7}"/>
+              </a:ext>
+            </a:extLst>
+          </p:cNvPr>
+          <p:cNvSpPr>
+            <a:spLocks noGrp="1"/>
+          </p:cNvSpPr>
+          <p:nvPr>
+            <p:ph type="title"/>
+          </p:nvPr>
+        </p:nvSpPr>
+        <p:spPr/>
+        <p:txBody>
+          <a:bodyPr/>
+          <a:lstStyle/>
+          <a:p>
+            <a:r>
+              <a:rPr lang="en-US" dirty="0"/>
+              <a:t>Adjusting the loss ratios</a:t>
+            </a:r>
+          </a:p>
+        </p:txBody>
+      </p:sp>
+      <mc:AlternateContent xmlns:mc="http://schemas.openxmlformats.org/markup-compatibility/2006" xmlns:a14="http://schemas.microsoft.com/office/drawing/2010/main">
+        <mc:Choice Requires="a14">
+          <p:sp>
+            <p:nvSpPr>
+              <p:cNvPr id="6" name="Content Placeholder 5">
+                <a:extLst>
+                  <a:ext uri="{FF2B5EF4-FFF2-40B4-BE49-F238E27FC236}">
+                    <a16:creationId xmlns:a16="http://schemas.microsoft.com/office/drawing/2014/main" id="{0BE337FF-7B6F-4FE1-AB3D-07BF761B3AEF}"/>
+                  </a:ext>
+                </a:extLst>
+              </p:cNvPr>
+              <p:cNvSpPr>
+                <a:spLocks noGrp="1"/>
+              </p:cNvSpPr>
+              <p:nvPr>
+                <p:ph idx="1"/>
+              </p:nvPr>
+            </p:nvSpPr>
+            <p:spPr/>
+            <p:txBody>
+              <a:bodyPr>
+                <a:normAutofit/>
+              </a:bodyPr>
+              <a:lstStyle/>
+              <a:p>
+                <a:r>
+                  <a:rPr lang="en-US" b="0" i="0" dirty="0">
+                    <a:latin typeface="Cambria Math" panose="02040503050406030204" pitchFamily="18" charset="0"/>
+                  </a:rPr>
+                  <a:t>Let </a:t>
+                </a:r>
+                <a14:m>
+                  <m:oMath xmlns:m="http://schemas.openxmlformats.org/officeDocument/2006/math">
+                    <m:sSub>
+                      <m:sSubPr>
+                        <m:ctrlPr>
+                          <a:rPr lang="en-US" b="0" i="1" smtClean="0">
+                            <a:solidFill>
+                              <a:schemeClr val="tx1"/>
+                            </a:solidFill>
+                            <a:latin typeface="Cambria Math" panose="02040503050406030204" pitchFamily="18" charset="0"/>
+                          </a:rPr>
+                        </m:ctrlPr>
+                      </m:sSubPr>
+                      <m:e>
+                        <m:r>
+                          <m:rPr>
+                            <m:sty m:val="p"/>
+                          </m:rPr>
+                          <a:rPr lang="en-US" b="0" i="0" smtClean="0">
+                            <a:solidFill>
+                              <a:schemeClr val="tx1"/>
+                            </a:solidFill>
+                            <a:latin typeface="Cambria Math" panose="02040503050406030204" pitchFamily="18" charset="0"/>
+                          </a:rPr>
+                          <m:t>LR</m:t>
+                        </m:r>
+                      </m:e>
+                      <m:sub>
+                        <m:r>
+                          <m:rPr>
+                            <m:sty m:val="p"/>
+                          </m:rPr>
+                          <a:rPr lang="en-US" b="0" i="0" smtClean="0">
+                            <a:solidFill>
+                              <a:schemeClr val="tx1"/>
+                            </a:solidFill>
+                            <a:latin typeface="Cambria Math" panose="02040503050406030204" pitchFamily="18" charset="0"/>
+                          </a:rPr>
+                          <m:t>T</m:t>
+                        </m:r>
+                      </m:sub>
+                    </m:sSub>
+                  </m:oMath>
+                </a14:m>
+                <a:r>
+                  <a:rPr lang="en-US" b="0" dirty="0">
+                    <a:latin typeface="Cambria Math" panose="02040503050406030204" pitchFamily="18" charset="0"/>
+                  </a:rPr>
+                  <a:t> be the target loss ratio. Then, multiplying our previous equation by </a:t>
+                </a:r>
+                <a14:m>
+                  <m:oMath xmlns:m="http://schemas.openxmlformats.org/officeDocument/2006/math">
+                    <m:f>
+                      <m:fPr>
+                        <m:ctrlPr>
+                          <a:rPr lang="en-US" b="0" i="1" smtClean="0">
+                            <a:solidFill>
+                              <a:schemeClr val="tx1"/>
+                            </a:solidFill>
+                            <a:latin typeface="Cambria Math" panose="02040503050406030204" pitchFamily="18" charset="0"/>
+                          </a:rPr>
+                        </m:ctrlPr>
+                      </m:fPr>
+                      <m:num>
+                        <m:sSub>
+                          <m:sSubPr>
+                            <m:ctrlPr>
+                              <a:rPr lang="en-US" b="0" i="1" smtClean="0">
+                                <a:solidFill>
+                                  <a:schemeClr val="tx1"/>
+                                </a:solidFill>
+                                <a:latin typeface="Cambria Math" panose="02040503050406030204" pitchFamily="18" charset="0"/>
+                              </a:rPr>
+                            </m:ctrlPr>
+                          </m:sSubPr>
+                          <m:e>
+                            <m:r>
+                              <m:rPr>
+                                <m:sty m:val="p"/>
+                              </m:rPr>
+                              <a:rPr lang="en-US" b="0" i="0" smtClean="0">
+                                <a:solidFill>
+                                  <a:schemeClr val="tx1"/>
+                                </a:solidFill>
+                                <a:latin typeface="Cambria Math" panose="02040503050406030204" pitchFamily="18" charset="0"/>
+                              </a:rPr>
+                              <m:t>LR</m:t>
+                            </m:r>
+                          </m:e>
+                          <m:sub>
+                            <m:r>
+                              <m:rPr>
+                                <m:sty m:val="p"/>
+                              </m:rPr>
+                              <a:rPr lang="en-US" b="0" i="0" smtClean="0">
+                                <a:solidFill>
+                                  <a:schemeClr val="tx1"/>
+                                </a:solidFill>
+                                <a:latin typeface="Cambria Math" panose="02040503050406030204" pitchFamily="18" charset="0"/>
+                              </a:rPr>
+                              <m:t>T</m:t>
+                            </m:r>
+                          </m:sub>
+                        </m:sSub>
+                      </m:num>
+                      <m:den>
+                        <m:r>
+                          <m:rPr>
+                            <m:sty m:val="p"/>
+                          </m:rPr>
+                          <a:rPr lang="en-US" b="0" i="0" smtClean="0">
+                            <a:solidFill>
+                              <a:schemeClr val="tx1"/>
+                            </a:solidFill>
+                            <a:latin typeface="Cambria Math" panose="02040503050406030204" pitchFamily="18" charset="0"/>
+                          </a:rPr>
+                          <m:t>L</m:t>
+                        </m:r>
+                        <m:sSub>
+                          <m:sSubPr>
+                            <m:ctrlPr>
+                              <a:rPr lang="en-US" b="0" i="1" smtClean="0">
+                                <a:solidFill>
+                                  <a:schemeClr val="tx1"/>
+                                </a:solidFill>
+                                <a:latin typeface="Cambria Math" panose="02040503050406030204" pitchFamily="18" charset="0"/>
+                              </a:rPr>
+                            </m:ctrlPr>
+                          </m:sSubPr>
+                          <m:e>
+                            <m:r>
+                              <m:rPr>
+                                <m:sty m:val="p"/>
+                              </m:rPr>
+                              <a:rPr lang="en-US" b="0" i="0" smtClean="0">
+                                <a:solidFill>
+                                  <a:schemeClr val="tx1"/>
+                                </a:solidFill>
+                                <a:latin typeface="Cambria Math" panose="02040503050406030204" pitchFamily="18" charset="0"/>
+                              </a:rPr>
+                              <m:t>R</m:t>
+                            </m:r>
+                          </m:e>
+                          <m:sub>
+                            <m:r>
+                              <m:rPr>
+                                <m:sty m:val="p"/>
+                              </m:rPr>
+                              <a:rPr lang="en-US" b="0" i="0" smtClean="0">
+                                <a:solidFill>
+                                  <a:schemeClr val="tx1"/>
+                                </a:solidFill>
+                                <a:latin typeface="Cambria Math" panose="02040503050406030204" pitchFamily="18" charset="0"/>
+                              </a:rPr>
+                              <m:t>LA</m:t>
+                            </m:r>
+                          </m:sub>
+                        </m:sSub>
+                      </m:den>
+                    </m:f>
+                    <m:r>
+                      <a:rPr lang="en-US" b="0" i="1" smtClean="0">
+                        <a:latin typeface="Cambria Math" panose="02040503050406030204" pitchFamily="18" charset="0"/>
+                      </a:rPr>
+                      <m:t>,</m:t>
+                    </m:r>
+                  </m:oMath>
+                </a14:m>
+                <a:endParaRPr lang="en-US" b="0" dirty="0">
+                  <a:latin typeface="Cambria Math" panose="02040503050406030204" pitchFamily="18" charset="0"/>
+                </a:endParaRPr>
+              </a:p>
+              <a:p>
+                <a:pPr marL="0" indent="0" algn="ctr">
+                  <a:buNone/>
+                </a:pPr>
+                <a14:m>
+                  <m:oMathPara xmlns:m="http://schemas.openxmlformats.org/officeDocument/2006/math">
+                    <m:oMathParaPr>
+                      <m:jc m:val="centerGroup"/>
+                    </m:oMathParaPr>
+                    <m:oMath xmlns:m="http://schemas.openxmlformats.org/officeDocument/2006/math">
+                      <m:sSub>
+                        <m:sSubPr>
+                          <m:ctrlPr>
+                            <a:rPr lang="en-US" b="0" i="1" smtClean="0">
+                              <a:solidFill>
+                                <a:schemeClr val="tx1"/>
+                              </a:solidFill>
+                              <a:latin typeface="Cambria Math" panose="02040503050406030204" pitchFamily="18" charset="0"/>
+                            </a:rPr>
+                          </m:ctrlPr>
+                        </m:sSubPr>
+                        <m:e>
+                          <m:r>
+                            <m:rPr>
+                              <m:sty m:val="p"/>
+                            </m:rPr>
+                            <a:rPr lang="en-US" b="0" i="0" smtClean="0">
+                              <a:solidFill>
+                                <a:schemeClr val="tx1"/>
+                              </a:solidFill>
+                              <a:latin typeface="Cambria Math" panose="02040503050406030204" pitchFamily="18" charset="0"/>
+                            </a:rPr>
+                            <m:t>LR</m:t>
+                          </m:r>
+                        </m:e>
+                        <m:sub>
+                          <m:r>
+                            <m:rPr>
+                              <m:sty m:val="p"/>
+                            </m:rPr>
+                            <a:rPr lang="en-US" b="0" i="0" smtClean="0">
+                              <a:solidFill>
+                                <a:schemeClr val="tx1"/>
+                              </a:solidFill>
+                              <a:latin typeface="Cambria Math" panose="02040503050406030204" pitchFamily="18" charset="0"/>
+                            </a:rPr>
+                            <m:t>LA</m:t>
+                          </m:r>
+                        </m:sub>
+                      </m:sSub>
+                      <m:r>
+                        <a:rPr lang="en-US" b="0" i="1" smtClean="0">
+                          <a:solidFill>
+                            <a:schemeClr val="tx1"/>
+                          </a:solidFill>
+                          <a:latin typeface="Cambria Math" panose="02040503050406030204" pitchFamily="18" charset="0"/>
+                        </a:rPr>
+                        <m:t>⋅</m:t>
+                      </m:r>
+                      <m:f>
+                        <m:fPr>
+                          <m:ctrlPr>
+                            <a:rPr lang="en-US" i="1">
+                              <a:solidFill>
+                                <a:schemeClr val="tx1"/>
+                              </a:solidFill>
+                              <a:latin typeface="Cambria Math" panose="02040503050406030204" pitchFamily="18" charset="0"/>
+                            </a:rPr>
+                          </m:ctrlPr>
+                        </m:fPr>
+                        <m:num>
+                          <m:sSub>
+                            <m:sSubPr>
+                              <m:ctrlPr>
+                                <a:rPr lang="en-US" b="0" i="1" smtClean="0">
+                                  <a:solidFill>
+                                    <a:schemeClr val="tx1"/>
+                                  </a:solidFill>
+                                  <a:latin typeface="Cambria Math" panose="02040503050406030204" pitchFamily="18" charset="0"/>
+                                </a:rPr>
+                              </m:ctrlPr>
+                            </m:sSubPr>
+                            <m:e>
+                              <m:r>
+                                <m:rPr>
+                                  <m:sty m:val="p"/>
+                                </m:rPr>
+                                <a:rPr lang="en-US">
+                                  <a:solidFill>
+                                    <a:schemeClr val="tx1"/>
+                                  </a:solidFill>
+                                  <a:latin typeface="Cambria Math" panose="02040503050406030204" pitchFamily="18" charset="0"/>
+                                </a:rPr>
+                                <m:t>LR</m:t>
+                              </m:r>
+                            </m:e>
+                            <m:sub>
+                              <m:r>
+                                <m:rPr>
+                                  <m:sty m:val="p"/>
+                                </m:rPr>
+                                <a:rPr lang="en-US" b="0" i="0" smtClean="0">
+                                  <a:solidFill>
+                                    <a:schemeClr val="tx1"/>
+                                  </a:solidFill>
+                                  <a:latin typeface="Cambria Math" panose="02040503050406030204" pitchFamily="18" charset="0"/>
+                                </a:rPr>
+                                <m:t>T</m:t>
+                              </m:r>
+                            </m:sub>
+                          </m:sSub>
+                        </m:num>
+                        <m:den>
+                          <m:r>
+                            <m:rPr>
+                              <m:sty m:val="p"/>
+                            </m:rPr>
+                            <a:rPr lang="en-US">
+                              <a:solidFill>
+                                <a:schemeClr val="tx1"/>
+                              </a:solidFill>
+                              <a:latin typeface="Cambria Math" panose="02040503050406030204" pitchFamily="18" charset="0"/>
+                            </a:rPr>
+                            <m:t>L</m:t>
+                          </m:r>
+                          <m:sSub>
+                            <m:sSubPr>
+                              <m:ctrlPr>
+                                <a:rPr lang="en-US" i="1">
+                                  <a:solidFill>
+                                    <a:schemeClr val="tx1"/>
+                                  </a:solidFill>
+                                  <a:latin typeface="Cambria Math" panose="02040503050406030204" pitchFamily="18" charset="0"/>
+                                </a:rPr>
+                              </m:ctrlPr>
+                            </m:sSubPr>
+                            <m:e>
+                              <m:r>
+                                <m:rPr>
+                                  <m:sty m:val="p"/>
+                                </m:rPr>
+                                <a:rPr lang="en-US">
+                                  <a:solidFill>
+                                    <a:schemeClr val="tx1"/>
+                                  </a:solidFill>
+                                  <a:latin typeface="Cambria Math" panose="02040503050406030204" pitchFamily="18" charset="0"/>
+                                </a:rPr>
+                                <m:t>R</m:t>
+                              </m:r>
+                            </m:e>
+                            <m:sub>
+                              <m:r>
+                                <m:rPr>
+                                  <m:sty m:val="p"/>
+                                </m:rPr>
+                                <a:rPr lang="en-US">
+                                  <a:solidFill>
+                                    <a:schemeClr val="tx1"/>
+                                  </a:solidFill>
+                                  <a:latin typeface="Cambria Math" panose="02040503050406030204" pitchFamily="18" charset="0"/>
+                                </a:rPr>
+                                <m:t>LA</m:t>
+                              </m:r>
+                            </m:sub>
+                          </m:sSub>
+                        </m:den>
+                      </m:f>
+                      <m:r>
+                        <a:rPr lang="en-US" b="0" i="0" smtClean="0">
+                          <a:solidFill>
+                            <a:schemeClr val="tx1"/>
+                          </a:solidFill>
+                          <a:latin typeface="Cambria Math" panose="02040503050406030204" pitchFamily="18" charset="0"/>
+                        </a:rPr>
+                        <m:t>=</m:t>
+                      </m:r>
+                      <m:f>
+                        <m:fPr>
+                          <m:ctrlPr>
+                            <a:rPr lang="en-US" i="1">
+                              <a:solidFill>
+                                <a:schemeClr val="tx1"/>
+                              </a:solidFill>
+                              <a:latin typeface="Cambria Math" panose="02040503050406030204" pitchFamily="18" charset="0"/>
+                            </a:rPr>
+                          </m:ctrlPr>
+                        </m:fPr>
+                        <m:num>
+                          <m:sSub>
+                            <m:sSubPr>
+                              <m:ctrlPr>
+                                <a:rPr lang="en-US" i="1">
+                                  <a:solidFill>
+                                    <a:schemeClr val="tx1"/>
+                                  </a:solidFill>
+                                  <a:latin typeface="Cambria Math" panose="02040503050406030204" pitchFamily="18" charset="0"/>
+                                </a:rPr>
+                              </m:ctrlPr>
+                            </m:sSubPr>
+                            <m:e>
+                              <m:r>
+                                <a:rPr lang="en-US" i="1">
+                                  <a:solidFill>
+                                    <a:schemeClr val="tx1"/>
+                                  </a:solidFill>
+                                  <a:latin typeface="Cambria Math" panose="02040503050406030204" pitchFamily="18" charset="0"/>
+                                </a:rPr>
+                                <m:t>∑</m:t>
+                              </m:r>
+                              <m:r>
+                                <m:rPr>
+                                  <m:sty m:val="p"/>
+                                </m:rPr>
+                                <a:rPr lang="en-US">
+                                  <a:solidFill>
+                                    <a:schemeClr val="tx1"/>
+                                  </a:solidFill>
+                                  <a:latin typeface="Cambria Math" panose="02040503050406030204" pitchFamily="18" charset="0"/>
+                                </a:rPr>
+                                <m:t>Claims</m:t>
+                              </m:r>
+                            </m:e>
+                            <m:sub>
+                              <m:r>
+                                <m:rPr>
+                                  <m:sty m:val="p"/>
+                                </m:rPr>
+                                <a:rPr lang="en-US">
+                                  <a:solidFill>
+                                    <a:schemeClr val="tx1"/>
+                                  </a:solidFill>
+                                  <a:latin typeface="Cambria Math" panose="02040503050406030204" pitchFamily="18" charset="0"/>
+                                </a:rPr>
+                                <m:t>LA</m:t>
+                              </m:r>
+                            </m:sub>
+                          </m:sSub>
+                        </m:num>
+                        <m:den>
+                          <m:r>
+                            <m:rPr>
+                              <m:sty m:val="p"/>
+                            </m:rPr>
+                            <a:rPr lang="en-US">
+                              <a:solidFill>
+                                <a:schemeClr val="tx1"/>
+                              </a:solidFill>
+                              <a:latin typeface="Cambria Math" panose="02040503050406030204" pitchFamily="18" charset="0"/>
+                            </a:rPr>
+                            <m:t>BaseRate</m:t>
+                          </m:r>
+                          <m:r>
+                            <a:rPr lang="en-US" i="1">
+                              <a:solidFill>
+                                <a:schemeClr val="tx1"/>
+                              </a:solidFill>
+                              <a:latin typeface="Cambria Math" panose="02040503050406030204" pitchFamily="18" charset="0"/>
+                            </a:rPr>
+                            <m:t>⋅∑</m:t>
+                          </m:r>
+                          <m:sSub>
+                            <m:sSubPr>
+                              <m:ctrlPr>
+                                <a:rPr lang="en-US" i="1">
+                                  <a:solidFill>
+                                    <a:schemeClr val="tx1"/>
+                                  </a:solidFill>
+                                  <a:latin typeface="Cambria Math" panose="02040503050406030204" pitchFamily="18" charset="0"/>
+                                </a:rPr>
+                              </m:ctrlPr>
+                            </m:sSubPr>
+                            <m:e>
+                              <m:r>
+                                <m:rPr>
+                                  <m:sty m:val="p"/>
+                                </m:rPr>
+                                <a:rPr lang="en-US">
+                                  <a:solidFill>
+                                    <a:schemeClr val="tx1"/>
+                                  </a:solidFill>
+                                  <a:latin typeface="Cambria Math" panose="02040503050406030204" pitchFamily="18" charset="0"/>
+                                </a:rPr>
+                                <m:t>Factor</m:t>
+                              </m:r>
+                            </m:e>
+                            <m:sub>
+                              <m:r>
+                                <m:rPr>
+                                  <m:sty m:val="p"/>
+                                </m:rPr>
+                                <a:rPr lang="en-US">
+                                  <a:solidFill>
+                                    <a:schemeClr val="tx1"/>
+                                  </a:solidFill>
+                                  <a:latin typeface="Cambria Math" panose="02040503050406030204" pitchFamily="18" charset="0"/>
+                                </a:rPr>
+                                <m:t>LA</m:t>
+                              </m:r>
+                            </m:sub>
+                          </m:sSub>
+                        </m:den>
+                      </m:f>
+                      <m:r>
+                        <a:rPr lang="en-US" b="0" i="1" smtClean="0">
+                          <a:solidFill>
+                            <a:schemeClr val="tx1"/>
+                          </a:solidFill>
+                          <a:latin typeface="Cambria Math" panose="02040503050406030204" pitchFamily="18" charset="0"/>
+                        </a:rPr>
+                        <m:t>⋅</m:t>
+                      </m:r>
+                      <m:f>
+                        <m:fPr>
+                          <m:ctrlPr>
+                            <a:rPr lang="en-US" i="1">
+                              <a:solidFill>
+                                <a:schemeClr val="tx1"/>
+                              </a:solidFill>
+                              <a:latin typeface="Cambria Math" panose="02040503050406030204" pitchFamily="18" charset="0"/>
+                            </a:rPr>
+                          </m:ctrlPr>
+                        </m:fPr>
+                        <m:num>
+                          <m:sSub>
+                            <m:sSubPr>
+                              <m:ctrlPr>
+                                <a:rPr lang="en-US" b="0" i="1" smtClean="0">
+                                  <a:solidFill>
+                                    <a:schemeClr val="tx1"/>
+                                  </a:solidFill>
+                                  <a:latin typeface="Cambria Math" panose="02040503050406030204" pitchFamily="18" charset="0"/>
+                                </a:rPr>
+                              </m:ctrlPr>
+                            </m:sSubPr>
+                            <m:e>
+                              <m:r>
+                                <m:rPr>
+                                  <m:sty m:val="p"/>
+                                </m:rPr>
+                                <a:rPr lang="en-US" i="0">
+                                  <a:solidFill>
+                                    <a:schemeClr val="tx1"/>
+                                  </a:solidFill>
+                                  <a:latin typeface="Cambria Math" panose="02040503050406030204" pitchFamily="18" charset="0"/>
+                                </a:rPr>
+                                <m:t>LR</m:t>
+                              </m:r>
+                            </m:e>
+                            <m:sub>
+                              <m:r>
+                                <m:rPr>
+                                  <m:sty m:val="p"/>
+                                </m:rPr>
+                                <a:rPr lang="en-US" b="0" i="0" smtClean="0">
+                                  <a:solidFill>
+                                    <a:schemeClr val="tx1"/>
+                                  </a:solidFill>
+                                  <a:latin typeface="Cambria Math" panose="02040503050406030204" pitchFamily="18" charset="0"/>
+                                </a:rPr>
+                                <m:t>T</m:t>
+                              </m:r>
+                            </m:sub>
+                          </m:sSub>
+                        </m:num>
+                        <m:den>
+                          <m:r>
+                            <m:rPr>
+                              <m:sty m:val="p"/>
+                            </m:rPr>
+                            <a:rPr lang="en-US">
+                              <a:solidFill>
+                                <a:schemeClr val="tx1"/>
+                              </a:solidFill>
+                              <a:latin typeface="Cambria Math" panose="02040503050406030204" pitchFamily="18" charset="0"/>
+                            </a:rPr>
+                            <m:t>L</m:t>
+                          </m:r>
+                          <m:sSub>
+                            <m:sSubPr>
+                              <m:ctrlPr>
+                                <a:rPr lang="en-US" i="1">
+                                  <a:solidFill>
+                                    <a:schemeClr val="tx1"/>
+                                  </a:solidFill>
+                                  <a:latin typeface="Cambria Math" panose="02040503050406030204" pitchFamily="18" charset="0"/>
+                                </a:rPr>
+                              </m:ctrlPr>
+                            </m:sSubPr>
+                            <m:e>
+                              <m:r>
+                                <m:rPr>
+                                  <m:sty m:val="p"/>
+                                </m:rPr>
+                                <a:rPr lang="en-US">
+                                  <a:solidFill>
+                                    <a:schemeClr val="tx1"/>
+                                  </a:solidFill>
+                                  <a:latin typeface="Cambria Math" panose="02040503050406030204" pitchFamily="18" charset="0"/>
+                                </a:rPr>
+                                <m:t>R</m:t>
+                              </m:r>
+                            </m:e>
+                            <m:sub>
+                              <m:r>
+                                <m:rPr>
+                                  <m:sty m:val="p"/>
+                                </m:rPr>
+                                <a:rPr lang="en-US">
+                                  <a:solidFill>
+                                    <a:schemeClr val="tx1"/>
+                                  </a:solidFill>
+                                  <a:latin typeface="Cambria Math" panose="02040503050406030204" pitchFamily="18" charset="0"/>
+                                </a:rPr>
+                                <m:t>LA</m:t>
+                              </m:r>
+                            </m:sub>
+                          </m:sSub>
+                        </m:den>
+                      </m:f>
+                    </m:oMath>
+                  </m:oMathPara>
+                </a14:m>
+                <a:endParaRPr lang="en-US" dirty="0"/>
+              </a:p>
+              <a:p>
+                <a:r>
+                  <a:rPr lang="en-US" dirty="0"/>
+                  <a:t>Or, reordering:</a:t>
+                </a:r>
+              </a:p>
+              <a:p>
+                <a:pPr marL="0" indent="0">
+                  <a:buNone/>
+                </a:pPr>
+                <a14:m>
+                  <m:oMathPara xmlns:m="http://schemas.openxmlformats.org/officeDocument/2006/math">
+                    <m:oMathParaPr>
+                      <m:jc m:val="centerGroup"/>
+                    </m:oMathParaPr>
+                    <m:oMath xmlns:m="http://schemas.openxmlformats.org/officeDocument/2006/math">
+                      <m:sSub>
+                        <m:sSubPr>
+                          <m:ctrlPr>
+                            <a:rPr lang="en-US" b="0" i="1" smtClean="0">
+                              <a:solidFill>
+                                <a:schemeClr val="tx1"/>
+                              </a:solidFill>
+                              <a:latin typeface="Cambria Math" panose="02040503050406030204" pitchFamily="18" charset="0"/>
+                            </a:rPr>
+                          </m:ctrlPr>
+                        </m:sSubPr>
+                        <m:e>
+                          <m:r>
+                            <m:rPr>
+                              <m:sty m:val="p"/>
+                            </m:rPr>
+                            <a:rPr lang="en-US" b="0" i="0" smtClean="0">
+                              <a:solidFill>
+                                <a:schemeClr val="tx1"/>
+                              </a:solidFill>
+                              <a:latin typeface="Cambria Math" panose="02040503050406030204" pitchFamily="18" charset="0"/>
+                            </a:rPr>
+                            <m:t>LR</m:t>
+                          </m:r>
+                        </m:e>
+                        <m:sub>
+                          <m:r>
+                            <m:rPr>
+                              <m:sty m:val="p"/>
+                            </m:rPr>
+                            <a:rPr lang="en-US" b="0" i="0" smtClean="0">
+                              <a:solidFill>
+                                <a:schemeClr val="tx1"/>
+                              </a:solidFill>
+                              <a:latin typeface="Cambria Math" panose="02040503050406030204" pitchFamily="18" charset="0"/>
+                            </a:rPr>
+                            <m:t>T</m:t>
+                          </m:r>
+                        </m:sub>
+                      </m:sSub>
+                      <m:r>
+                        <a:rPr lang="en-US">
+                          <a:solidFill>
+                            <a:schemeClr val="tx1"/>
+                          </a:solidFill>
+                          <a:latin typeface="Cambria Math" panose="02040503050406030204" pitchFamily="18" charset="0"/>
+                        </a:rPr>
+                        <m:t>=</m:t>
+                      </m:r>
+                      <m:f>
+                        <m:fPr>
+                          <m:ctrlPr>
+                            <a:rPr lang="en-US" i="1">
+                              <a:solidFill>
+                                <a:schemeClr val="tx1"/>
+                              </a:solidFill>
+                              <a:latin typeface="Cambria Math" panose="02040503050406030204" pitchFamily="18" charset="0"/>
+                            </a:rPr>
+                          </m:ctrlPr>
+                        </m:fPr>
+                        <m:num>
+                          <m:sSub>
+                            <m:sSubPr>
+                              <m:ctrlPr>
+                                <a:rPr lang="en-US" i="1">
+                                  <a:solidFill>
+                                    <a:schemeClr val="tx1"/>
+                                  </a:solidFill>
+                                  <a:latin typeface="Cambria Math" panose="02040503050406030204" pitchFamily="18" charset="0"/>
+                                </a:rPr>
+                              </m:ctrlPr>
+                            </m:sSubPr>
+                            <m:e>
+                              <m:r>
+                                <a:rPr lang="en-US" i="1">
+                                  <a:solidFill>
+                                    <a:schemeClr val="tx1"/>
+                                  </a:solidFill>
+                                  <a:latin typeface="Cambria Math" panose="02040503050406030204" pitchFamily="18" charset="0"/>
+                                </a:rPr>
+                                <m:t>∑</m:t>
+                              </m:r>
+                              <m:r>
+                                <m:rPr>
+                                  <m:sty m:val="p"/>
+                                </m:rPr>
+                                <a:rPr lang="en-US">
+                                  <a:solidFill>
+                                    <a:schemeClr val="tx1"/>
+                                  </a:solidFill>
+                                  <a:latin typeface="Cambria Math" panose="02040503050406030204" pitchFamily="18" charset="0"/>
+                                </a:rPr>
+                                <m:t>Claims</m:t>
+                              </m:r>
+                            </m:e>
+                            <m:sub>
+                              <m:r>
+                                <m:rPr>
+                                  <m:sty m:val="p"/>
+                                </m:rPr>
+                                <a:rPr lang="en-US">
+                                  <a:solidFill>
+                                    <a:schemeClr val="tx1"/>
+                                  </a:solidFill>
+                                  <a:latin typeface="Cambria Math" panose="02040503050406030204" pitchFamily="18" charset="0"/>
+                                </a:rPr>
+                                <m:t>LA</m:t>
+                              </m:r>
+                            </m:sub>
+                          </m:sSub>
+                        </m:num>
+                        <m:den>
+                          <m:r>
+                            <m:rPr>
+                              <m:sty m:val="p"/>
+                            </m:rPr>
+                            <a:rPr lang="en-US">
+                              <a:solidFill>
+                                <a:schemeClr val="tx1"/>
+                              </a:solidFill>
+                              <a:latin typeface="Cambria Math" panose="02040503050406030204" pitchFamily="18" charset="0"/>
+                            </a:rPr>
+                            <m:t>BaseRate</m:t>
+                          </m:r>
+                          <m:r>
+                            <a:rPr lang="en-US" i="1">
+                              <a:solidFill>
+                                <a:schemeClr val="tx1"/>
+                              </a:solidFill>
+                              <a:latin typeface="Cambria Math" panose="02040503050406030204" pitchFamily="18" charset="0"/>
+                            </a:rPr>
+                            <m:t>⋅</m:t>
+                          </m:r>
+                          <m:f>
+                            <m:fPr>
+                              <m:ctrlPr>
+                                <a:rPr lang="en-US" b="0" i="1" smtClean="0">
+                                  <a:solidFill>
+                                    <a:schemeClr val="tx1"/>
+                                  </a:solidFill>
+                                  <a:latin typeface="Cambria Math" panose="02040503050406030204" pitchFamily="18" charset="0"/>
+                                </a:rPr>
+                              </m:ctrlPr>
+                            </m:fPr>
+                            <m:num>
+                              <m:sSub>
+                                <m:sSubPr>
+                                  <m:ctrlPr>
+                                    <a:rPr lang="en-US" b="0" i="1" smtClean="0">
+                                      <a:solidFill>
+                                        <a:schemeClr val="tx1"/>
+                                      </a:solidFill>
+                                      <a:latin typeface="Cambria Math" panose="02040503050406030204" pitchFamily="18" charset="0"/>
+                                    </a:rPr>
+                                  </m:ctrlPr>
+                                </m:sSubPr>
+                                <m:e>
+                                  <m:r>
+                                    <m:rPr>
+                                      <m:sty m:val="p"/>
+                                    </m:rPr>
+                                    <a:rPr lang="en-US" b="0" i="0" smtClean="0">
+                                      <a:solidFill>
+                                        <a:schemeClr val="tx1"/>
+                                      </a:solidFill>
+                                      <a:latin typeface="Cambria Math" panose="02040503050406030204" pitchFamily="18" charset="0"/>
+                                    </a:rPr>
+                                    <m:t>LR</m:t>
+                                  </m:r>
+                                </m:e>
+                                <m:sub>
+                                  <m:r>
+                                    <m:rPr>
+                                      <m:sty m:val="p"/>
+                                    </m:rPr>
+                                    <a:rPr lang="en-US" b="0" i="0" smtClean="0">
+                                      <a:solidFill>
+                                        <a:schemeClr val="tx1"/>
+                                      </a:solidFill>
+                                      <a:latin typeface="Cambria Math" panose="02040503050406030204" pitchFamily="18" charset="0"/>
+                                    </a:rPr>
+                                    <m:t>LA</m:t>
+                                  </m:r>
+                                </m:sub>
+                              </m:sSub>
+                            </m:num>
+                            <m:den>
+                              <m:sSub>
+                                <m:sSubPr>
+                                  <m:ctrlPr>
+                                    <a:rPr lang="en-US" b="0" i="1" smtClean="0">
+                                      <a:solidFill>
+                                        <a:schemeClr val="tx1"/>
+                                      </a:solidFill>
+                                      <a:latin typeface="Cambria Math" panose="02040503050406030204" pitchFamily="18" charset="0"/>
+                                    </a:rPr>
+                                  </m:ctrlPr>
+                                </m:sSubPr>
+                                <m:e>
+                                  <m:r>
+                                    <m:rPr>
+                                      <m:sty m:val="p"/>
+                                    </m:rPr>
+                                    <a:rPr lang="en-US" b="0" i="0" smtClean="0">
+                                      <a:solidFill>
+                                        <a:schemeClr val="tx1"/>
+                                      </a:solidFill>
+                                      <a:latin typeface="Cambria Math" panose="02040503050406030204" pitchFamily="18" charset="0"/>
+                                    </a:rPr>
+                                    <m:t>LR</m:t>
+                                  </m:r>
+                                </m:e>
+                                <m:sub>
+                                  <m:r>
+                                    <m:rPr>
+                                      <m:sty m:val="p"/>
+                                    </m:rPr>
+                                    <a:rPr lang="en-US" b="0" i="0" smtClean="0">
+                                      <a:solidFill>
+                                        <a:schemeClr val="tx1"/>
+                                      </a:solidFill>
+                                      <a:latin typeface="Cambria Math" panose="02040503050406030204" pitchFamily="18" charset="0"/>
+                                    </a:rPr>
+                                    <m:t>T</m:t>
+                                  </m:r>
+                                </m:sub>
+                              </m:sSub>
+                            </m:den>
+                          </m:f>
+                          <m:r>
+                            <a:rPr lang="en-US" b="0" i="1" smtClean="0">
+                              <a:solidFill>
+                                <a:schemeClr val="tx1"/>
+                              </a:solidFill>
+                              <a:latin typeface="Cambria Math" panose="02040503050406030204" pitchFamily="18" charset="0"/>
+                            </a:rPr>
+                            <m:t>⋅</m:t>
+                          </m:r>
+                          <m:r>
+                            <a:rPr lang="en-US" i="1">
+                              <a:solidFill>
+                                <a:schemeClr val="tx1"/>
+                              </a:solidFill>
+                              <a:latin typeface="Cambria Math" panose="02040503050406030204" pitchFamily="18" charset="0"/>
+                            </a:rPr>
+                            <m:t>∑</m:t>
+                          </m:r>
+                          <m:sSub>
+                            <m:sSubPr>
+                              <m:ctrlPr>
+                                <a:rPr lang="en-US" i="1">
+                                  <a:solidFill>
+                                    <a:schemeClr val="tx1"/>
+                                  </a:solidFill>
+                                  <a:latin typeface="Cambria Math" panose="02040503050406030204" pitchFamily="18" charset="0"/>
+                                </a:rPr>
+                              </m:ctrlPr>
+                            </m:sSubPr>
+                            <m:e>
+                              <m:r>
+                                <m:rPr>
+                                  <m:sty m:val="p"/>
+                                </m:rPr>
+                                <a:rPr lang="en-US">
+                                  <a:solidFill>
+                                    <a:schemeClr val="tx1"/>
+                                  </a:solidFill>
+                                  <a:latin typeface="Cambria Math" panose="02040503050406030204" pitchFamily="18" charset="0"/>
+                                </a:rPr>
+                                <m:t>Factor</m:t>
+                              </m:r>
+                            </m:e>
+                            <m:sub>
+                              <m:r>
+                                <m:rPr>
+                                  <m:sty m:val="p"/>
+                                </m:rPr>
+                                <a:rPr lang="en-US">
+                                  <a:solidFill>
+                                    <a:schemeClr val="tx1"/>
+                                  </a:solidFill>
+                                  <a:latin typeface="Cambria Math" panose="02040503050406030204" pitchFamily="18" charset="0"/>
+                                </a:rPr>
+                                <m:t>LA</m:t>
+                              </m:r>
+                            </m:sub>
+                          </m:sSub>
+                        </m:den>
+                      </m:f>
+                    </m:oMath>
+                  </m:oMathPara>
+                </a14:m>
+                <a:endParaRPr lang="en-US" dirty="0">
+                  <a:solidFill>
+                    <a:schemeClr val="tx1"/>
+                  </a:solidFill>
+                </a:endParaRPr>
+              </a:p>
+            </p:txBody>
+          </p:sp>
+        </mc:Choice>
+        <mc:Fallback xmlns="">
+          <p:sp>
+            <p:nvSpPr>
+              <p:cNvPr id="6" name="Content Placeholder 5">
+                <a:extLst>
+                  <a:ext uri="{FF2B5EF4-FFF2-40B4-BE49-F238E27FC236}">
+                    <a16:creationId xmlns:a16="http://schemas.microsoft.com/office/drawing/2014/main" id="{0BE337FF-7B6F-4FE1-AB3D-07BF761B3AEF}"/>
+                  </a:ext>
+                </a:extLst>
+              </p:cNvPr>
+              <p:cNvSpPr>
+                <a:spLocks noGrp="1" noRot="1" noChangeAspect="1" noMove="1" noResize="1" noEditPoints="1" noAdjustHandles="1" noChangeArrowheads="1" noChangeShapeType="1" noTextEdit="1"/>
+              </p:cNvSpPr>
+              <p:nvPr>
+                <p:ph idx="1"/>
+              </p:nvPr>
+            </p:nvSpPr>
+            <p:spPr>
+              <a:blipFill>
+                <a:blip r:embed="rId2"/>
+                <a:stretch>
+                  <a:fillRect l="-552"/>
+                </a:stretch>
+              </a:blipFill>
+            </p:spPr>
+            <p:txBody>
+              <a:bodyPr/>
+              <a:lstStyle/>
+              <a:p>
+                <a:r>
+                  <a:rPr lang="en-US">
+                    <a:noFill/>
+                  </a:rPr>
+                  <a:t> </a:t>
+                </a:r>
+              </a:p>
+            </p:txBody>
+          </p:sp>
+        </mc:Fallback>
+      </mc:AlternateContent>
+    </p:spTree>
+    <p:extLst>
+      <p:ext uri="{BB962C8B-B14F-4D97-AF65-F5344CB8AC3E}">
+        <p14:creationId xmlns:p14="http://schemas.microsoft.com/office/powerpoint/2010/main" val="3236233424"/>
+      </p:ext>
+    </p:extLst>
+  </p:cSld>
+  <p:clrMapOvr>
+    <a:masterClrMapping/>
+  </p:clrMapOvr>
+</p:sld>
+</file>
+
+<file path=ppt/slides/slide25.xml><?xml version="1.0" encoding="utf-8"?>
+<p:sld xmlns:a="http://schemas.openxmlformats.org/drawingml/2006/main" xmlns:r="http://schemas.openxmlformats.org/officeDocument/2006/relationships" xmlns:p="http://schemas.openxmlformats.org/presentationml/2006/main">
+  <p:cSld>
+    <p:spTree>
+      <p:nvGrpSpPr>
+        <p:cNvPr id="1" name=""/>
+        <p:cNvGrpSpPr/>
+        <p:nvPr/>
+      </p:nvGrpSpPr>
+      <p:grpSpPr>
+        <a:xfrm>
+          <a:off x="0" y="0"/>
+          <a:ext cx="0" cy="0"/>
+          <a:chOff x="0" y="0"/>
+          <a:chExt cx="0" cy="0"/>
+        </a:xfrm>
+      </p:grpSpPr>
+      <p:sp>
+        <p:nvSpPr>
+          <p:cNvPr id="5" name="Title 4">
+            <a:extLst>
+              <a:ext uri="{FF2B5EF4-FFF2-40B4-BE49-F238E27FC236}">
+                <a16:creationId xmlns:a16="http://schemas.microsoft.com/office/drawing/2014/main" id="{1CE9D5BD-5FA8-49ED-B6DF-AD8A82FB02A7}"/>
+              </a:ext>
+            </a:extLst>
+          </p:cNvPr>
+          <p:cNvSpPr>
+            <a:spLocks noGrp="1"/>
+          </p:cNvSpPr>
+          <p:nvPr>
+            <p:ph type="title"/>
+          </p:nvPr>
+        </p:nvSpPr>
+        <p:spPr/>
+        <p:txBody>
+          <a:bodyPr/>
+          <a:lstStyle/>
+          <a:p>
+            <a:r>
+              <a:rPr lang="en-US" dirty="0"/>
+              <a:t>Adjusting the loss ratios</a:t>
+            </a:r>
+          </a:p>
+        </p:txBody>
+      </p:sp>
+      <mc:AlternateContent xmlns:mc="http://schemas.openxmlformats.org/markup-compatibility/2006" xmlns:a14="http://schemas.microsoft.com/office/drawing/2010/main">
+        <mc:Choice Requires="a14">
+          <p:sp>
+            <p:nvSpPr>
+              <p:cNvPr id="6" name="Content Placeholder 5">
+                <a:extLst>
+                  <a:ext uri="{FF2B5EF4-FFF2-40B4-BE49-F238E27FC236}">
+                    <a16:creationId xmlns:a16="http://schemas.microsoft.com/office/drawing/2014/main" id="{0BE337FF-7B6F-4FE1-AB3D-07BF761B3AEF}"/>
+                  </a:ext>
+                </a:extLst>
+              </p:cNvPr>
+              <p:cNvSpPr>
+                <a:spLocks noGrp="1"/>
+              </p:cNvSpPr>
+              <p:nvPr>
+                <p:ph idx="1"/>
+              </p:nvPr>
+            </p:nvSpPr>
+            <p:spPr/>
+            <p:txBody>
+              <a:bodyPr>
+                <a:normAutofit lnSpcReduction="10000"/>
+              </a:bodyPr>
+              <a:lstStyle/>
+              <a:p>
+                <a:r>
+                  <a:rPr lang="en-US" dirty="0"/>
+                  <a:t>The key difference between this equation is the additional component of </a:t>
+                </a:r>
+                <a14:m>
+                  <m:oMath xmlns:m="http://schemas.openxmlformats.org/officeDocument/2006/math">
+                    <m:f>
+                      <m:fPr>
+                        <m:ctrlPr>
+                          <a:rPr lang="en-US" i="1">
+                            <a:solidFill>
+                              <a:schemeClr val="tx1"/>
+                            </a:solidFill>
+                            <a:latin typeface="Cambria Math" panose="02040503050406030204" pitchFamily="18" charset="0"/>
+                          </a:rPr>
+                        </m:ctrlPr>
+                      </m:fPr>
+                      <m:num>
+                        <m:sSub>
+                          <m:sSubPr>
+                            <m:ctrlPr>
+                              <a:rPr lang="en-US" i="1">
+                                <a:solidFill>
+                                  <a:schemeClr val="tx1"/>
+                                </a:solidFill>
+                                <a:latin typeface="Cambria Math" panose="02040503050406030204" pitchFamily="18" charset="0"/>
+                              </a:rPr>
+                            </m:ctrlPr>
+                          </m:sSubPr>
+                          <m:e>
+                            <m:r>
+                              <m:rPr>
+                                <m:sty m:val="p"/>
+                              </m:rPr>
+                              <a:rPr lang="en-US">
+                                <a:solidFill>
+                                  <a:schemeClr val="tx1"/>
+                                </a:solidFill>
+                                <a:latin typeface="Cambria Math" panose="02040503050406030204" pitchFamily="18" charset="0"/>
+                              </a:rPr>
+                              <m:t>LR</m:t>
+                            </m:r>
+                          </m:e>
+                          <m:sub>
+                            <m:r>
+                              <m:rPr>
+                                <m:sty m:val="p"/>
+                              </m:rPr>
+                              <a:rPr lang="en-US">
+                                <a:solidFill>
+                                  <a:schemeClr val="tx1"/>
+                                </a:solidFill>
+                                <a:latin typeface="Cambria Math" panose="02040503050406030204" pitchFamily="18" charset="0"/>
+                              </a:rPr>
+                              <m:t>LA</m:t>
+                            </m:r>
+                          </m:sub>
+                        </m:sSub>
+                      </m:num>
+                      <m:den>
+                        <m:sSub>
+                          <m:sSubPr>
+                            <m:ctrlPr>
+                              <a:rPr lang="en-US" b="0" i="1" smtClean="0">
+                                <a:solidFill>
+                                  <a:schemeClr val="tx1"/>
+                                </a:solidFill>
+                                <a:latin typeface="Cambria Math" panose="02040503050406030204" pitchFamily="18" charset="0"/>
+                              </a:rPr>
+                            </m:ctrlPr>
+                          </m:sSubPr>
+                          <m:e>
+                            <m:r>
+                              <m:rPr>
+                                <m:sty m:val="p"/>
+                              </m:rPr>
+                              <a:rPr lang="en-US" i="0">
+                                <a:solidFill>
+                                  <a:schemeClr val="tx1"/>
+                                </a:solidFill>
+                                <a:latin typeface="Cambria Math" panose="02040503050406030204" pitchFamily="18" charset="0"/>
+                              </a:rPr>
+                              <m:t>LR</m:t>
+                            </m:r>
+                          </m:e>
+                          <m:sub>
+                            <m:r>
+                              <m:rPr>
+                                <m:sty m:val="p"/>
+                              </m:rPr>
+                              <a:rPr lang="en-US" b="0" i="0" smtClean="0">
+                                <a:solidFill>
+                                  <a:schemeClr val="tx1"/>
+                                </a:solidFill>
+                                <a:latin typeface="Cambria Math" panose="02040503050406030204" pitchFamily="18" charset="0"/>
+                              </a:rPr>
+                              <m:t>T</m:t>
+                            </m:r>
+                          </m:sub>
+                        </m:sSub>
+                      </m:den>
+                    </m:f>
+                  </m:oMath>
+                </a14:m>
+                <a:r>
+                  <a:rPr lang="en-US" dirty="0"/>
+                  <a:t>.</a:t>
+                </a:r>
+                <a:endParaRPr lang="en-US" i="1" dirty="0">
+                  <a:solidFill>
+                    <a:schemeClr val="tx1"/>
+                  </a:solidFill>
+                  <a:latin typeface="Cambria Math" panose="02040503050406030204" pitchFamily="18" charset="0"/>
+                </a:endParaRPr>
+              </a:p>
+              <a:p>
+                <a:pPr marL="0" indent="0" algn="ctr">
+                  <a:buNone/>
+                </a:pPr>
+                <a14:m>
+                  <m:oMathPara xmlns:m="http://schemas.openxmlformats.org/officeDocument/2006/math">
+                    <m:oMathParaPr>
+                      <m:jc m:val="centerGroup"/>
+                    </m:oMathParaPr>
+                    <m:oMath xmlns:m="http://schemas.openxmlformats.org/officeDocument/2006/math">
+                      <m:sSub>
+                        <m:sSubPr>
+                          <m:ctrlPr>
+                            <a:rPr lang="en-US" i="1">
+                              <a:solidFill>
+                                <a:schemeClr val="tx1"/>
+                              </a:solidFill>
+                              <a:latin typeface="Cambria Math" panose="02040503050406030204" pitchFamily="18" charset="0"/>
+                            </a:rPr>
+                          </m:ctrlPr>
+                        </m:sSubPr>
+                        <m:e>
+                          <m:r>
+                            <m:rPr>
+                              <m:sty m:val="p"/>
+                            </m:rPr>
+                            <a:rPr lang="en-US">
+                              <a:solidFill>
+                                <a:schemeClr val="tx1"/>
+                              </a:solidFill>
+                              <a:latin typeface="Cambria Math" panose="02040503050406030204" pitchFamily="18" charset="0"/>
+                            </a:rPr>
+                            <m:t>LR</m:t>
+                          </m:r>
+                        </m:e>
+                        <m:sub>
+                          <m:r>
+                            <m:rPr>
+                              <m:sty m:val="p"/>
+                            </m:rPr>
+                            <a:rPr lang="en-US">
+                              <a:solidFill>
+                                <a:schemeClr val="tx1"/>
+                              </a:solidFill>
+                              <a:latin typeface="Cambria Math" panose="02040503050406030204" pitchFamily="18" charset="0"/>
+                            </a:rPr>
+                            <m:t>LA</m:t>
+                          </m:r>
+                        </m:sub>
+                      </m:sSub>
+                      <m:r>
+                        <a:rPr lang="en-US" smtClean="0">
+                          <a:solidFill>
+                            <a:schemeClr val="tx1"/>
+                          </a:solidFill>
+                          <a:latin typeface="Cambria Math" panose="02040503050406030204" pitchFamily="18" charset="0"/>
+                        </a:rPr>
+                        <m:t>=</m:t>
+                      </m:r>
+                      <m:f>
+                        <m:fPr>
+                          <m:ctrlPr>
+                            <a:rPr lang="en-US" i="1">
+                              <a:solidFill>
+                                <a:schemeClr val="tx1"/>
+                              </a:solidFill>
+                              <a:latin typeface="Cambria Math" panose="02040503050406030204" pitchFamily="18" charset="0"/>
+                            </a:rPr>
+                          </m:ctrlPr>
+                        </m:fPr>
+                        <m:num>
+                          <m:sSub>
+                            <m:sSubPr>
+                              <m:ctrlPr>
+                                <a:rPr lang="en-US" i="1">
+                                  <a:solidFill>
+                                    <a:schemeClr val="tx1"/>
+                                  </a:solidFill>
+                                  <a:latin typeface="Cambria Math" panose="02040503050406030204" pitchFamily="18" charset="0"/>
+                                </a:rPr>
+                              </m:ctrlPr>
+                            </m:sSubPr>
+                            <m:e>
+                              <m:r>
+                                <a:rPr lang="en-US" i="1">
+                                  <a:solidFill>
+                                    <a:schemeClr val="tx1"/>
+                                  </a:solidFill>
+                                  <a:latin typeface="Cambria Math" panose="02040503050406030204" pitchFamily="18" charset="0"/>
+                                </a:rPr>
+                                <m:t>∑</m:t>
+                              </m:r>
+                              <m:r>
+                                <m:rPr>
+                                  <m:sty m:val="p"/>
+                                </m:rPr>
+                                <a:rPr lang="en-US">
+                                  <a:solidFill>
+                                    <a:schemeClr val="tx1"/>
+                                  </a:solidFill>
+                                  <a:latin typeface="Cambria Math" panose="02040503050406030204" pitchFamily="18" charset="0"/>
+                                </a:rPr>
+                                <m:t>Claims</m:t>
+                              </m:r>
+                            </m:e>
+                            <m:sub>
+                              <m:r>
+                                <m:rPr>
+                                  <m:sty m:val="p"/>
+                                </m:rPr>
+                                <a:rPr lang="en-US">
+                                  <a:solidFill>
+                                    <a:schemeClr val="tx1"/>
+                                  </a:solidFill>
+                                  <a:latin typeface="Cambria Math" panose="02040503050406030204" pitchFamily="18" charset="0"/>
+                                </a:rPr>
+                                <m:t>LA</m:t>
+                              </m:r>
+                            </m:sub>
+                          </m:sSub>
+                        </m:num>
+                        <m:den>
+                          <m:r>
+                            <m:rPr>
+                              <m:sty m:val="p"/>
+                            </m:rPr>
+                            <a:rPr lang="en-US">
+                              <a:solidFill>
+                                <a:schemeClr val="tx1"/>
+                              </a:solidFill>
+                              <a:latin typeface="Cambria Math" panose="02040503050406030204" pitchFamily="18" charset="0"/>
+                            </a:rPr>
+                            <m:t>BaseRate</m:t>
+                          </m:r>
+                          <m:r>
+                            <a:rPr lang="en-US" i="1">
+                              <a:solidFill>
+                                <a:schemeClr val="tx1"/>
+                              </a:solidFill>
+                              <a:latin typeface="Cambria Math" panose="02040503050406030204" pitchFamily="18" charset="0"/>
+                            </a:rPr>
+                            <m:t>⋅∑</m:t>
+                          </m:r>
+                          <m:sSub>
+                            <m:sSubPr>
+                              <m:ctrlPr>
+                                <a:rPr lang="en-US" i="1">
+                                  <a:solidFill>
+                                    <a:schemeClr val="tx1"/>
+                                  </a:solidFill>
+                                  <a:latin typeface="Cambria Math" panose="02040503050406030204" pitchFamily="18" charset="0"/>
+                                </a:rPr>
+                              </m:ctrlPr>
+                            </m:sSubPr>
+                            <m:e>
+                              <m:r>
+                                <m:rPr>
+                                  <m:sty m:val="p"/>
+                                </m:rPr>
+                                <a:rPr lang="en-US">
+                                  <a:solidFill>
+                                    <a:schemeClr val="tx1"/>
+                                  </a:solidFill>
+                                  <a:latin typeface="Cambria Math" panose="02040503050406030204" pitchFamily="18" charset="0"/>
+                                </a:rPr>
+                                <m:t>Factor</m:t>
+                              </m:r>
+                            </m:e>
+                            <m:sub>
+                              <m:r>
+                                <m:rPr>
+                                  <m:sty m:val="p"/>
+                                </m:rPr>
+                                <a:rPr lang="en-US">
+                                  <a:solidFill>
+                                    <a:schemeClr val="tx1"/>
+                                  </a:solidFill>
+                                  <a:latin typeface="Cambria Math" panose="02040503050406030204" pitchFamily="18" charset="0"/>
+                                </a:rPr>
+                                <m:t>LA</m:t>
+                              </m:r>
+                            </m:sub>
+                          </m:sSub>
+                        </m:den>
+                      </m:f>
+                    </m:oMath>
+                  </m:oMathPara>
+                </a14:m>
+                <a:endParaRPr lang="en-US" dirty="0"/>
+              </a:p>
+              <a:p>
+                <a:pPr marL="0" indent="0">
+                  <a:buNone/>
+                </a:pPr>
+                <a14:m>
+                  <m:oMathPara xmlns:m="http://schemas.openxmlformats.org/officeDocument/2006/math">
+                    <m:oMathParaPr>
+                      <m:jc m:val="centerGroup"/>
+                    </m:oMathParaPr>
+                    <m:oMath xmlns:m="http://schemas.openxmlformats.org/officeDocument/2006/math">
+                      <m:sSub>
+                        <m:sSubPr>
+                          <m:ctrlPr>
+                            <a:rPr lang="en-US" b="0" i="1" smtClean="0">
+                              <a:solidFill>
+                                <a:schemeClr val="tx1"/>
+                              </a:solidFill>
+                              <a:latin typeface="Cambria Math" panose="02040503050406030204" pitchFamily="18" charset="0"/>
+                            </a:rPr>
+                          </m:ctrlPr>
+                        </m:sSubPr>
+                        <m:e>
+                          <m:r>
+                            <m:rPr>
+                              <m:sty m:val="p"/>
+                            </m:rPr>
+                            <a:rPr lang="en-US" b="0" i="0" smtClean="0">
+                              <a:solidFill>
+                                <a:schemeClr val="tx1"/>
+                              </a:solidFill>
+                              <a:latin typeface="Cambria Math" panose="02040503050406030204" pitchFamily="18" charset="0"/>
+                            </a:rPr>
+                            <m:t>LR</m:t>
+                          </m:r>
+                        </m:e>
+                        <m:sub>
+                          <m:r>
+                            <m:rPr>
+                              <m:sty m:val="p"/>
+                            </m:rPr>
+                            <a:rPr lang="en-US" b="0" i="0" smtClean="0">
+                              <a:solidFill>
+                                <a:schemeClr val="tx1"/>
+                              </a:solidFill>
+                              <a:latin typeface="Cambria Math" panose="02040503050406030204" pitchFamily="18" charset="0"/>
+                            </a:rPr>
+                            <m:t>T</m:t>
+                          </m:r>
+                        </m:sub>
+                      </m:sSub>
+                      <m:r>
+                        <a:rPr lang="en-US">
+                          <a:solidFill>
+                            <a:schemeClr val="tx1"/>
+                          </a:solidFill>
+                          <a:latin typeface="Cambria Math" panose="02040503050406030204" pitchFamily="18" charset="0"/>
+                        </a:rPr>
+                        <m:t>=</m:t>
+                      </m:r>
+                      <m:f>
+                        <m:fPr>
+                          <m:ctrlPr>
+                            <a:rPr lang="en-US" i="1">
+                              <a:solidFill>
+                                <a:schemeClr val="tx1"/>
+                              </a:solidFill>
+                              <a:latin typeface="Cambria Math" panose="02040503050406030204" pitchFamily="18" charset="0"/>
+                            </a:rPr>
+                          </m:ctrlPr>
+                        </m:fPr>
+                        <m:num>
+                          <m:sSub>
+                            <m:sSubPr>
+                              <m:ctrlPr>
+                                <a:rPr lang="en-US" i="1">
+                                  <a:solidFill>
+                                    <a:schemeClr val="tx1"/>
+                                  </a:solidFill>
+                                  <a:latin typeface="Cambria Math" panose="02040503050406030204" pitchFamily="18" charset="0"/>
+                                </a:rPr>
+                              </m:ctrlPr>
+                            </m:sSubPr>
+                            <m:e>
+                              <m:r>
+                                <a:rPr lang="en-US" i="1">
+                                  <a:solidFill>
+                                    <a:schemeClr val="tx1"/>
+                                  </a:solidFill>
+                                  <a:latin typeface="Cambria Math" panose="02040503050406030204" pitchFamily="18" charset="0"/>
+                                </a:rPr>
+                                <m:t>∑</m:t>
+                              </m:r>
+                              <m:r>
+                                <m:rPr>
+                                  <m:sty m:val="p"/>
+                                </m:rPr>
+                                <a:rPr lang="en-US">
+                                  <a:solidFill>
+                                    <a:schemeClr val="tx1"/>
+                                  </a:solidFill>
+                                  <a:latin typeface="Cambria Math" panose="02040503050406030204" pitchFamily="18" charset="0"/>
+                                </a:rPr>
+                                <m:t>Claims</m:t>
+                              </m:r>
+                            </m:e>
+                            <m:sub>
+                              <m:r>
+                                <m:rPr>
+                                  <m:sty m:val="p"/>
+                                </m:rPr>
+                                <a:rPr lang="en-US">
+                                  <a:solidFill>
+                                    <a:schemeClr val="tx1"/>
+                                  </a:solidFill>
+                                  <a:latin typeface="Cambria Math" panose="02040503050406030204" pitchFamily="18" charset="0"/>
+                                </a:rPr>
+                                <m:t>LA</m:t>
+                              </m:r>
+                            </m:sub>
+                          </m:sSub>
+                        </m:num>
+                        <m:den>
+                          <m:r>
+                            <m:rPr>
+                              <m:sty m:val="p"/>
+                            </m:rPr>
+                            <a:rPr lang="en-US">
+                              <a:solidFill>
+                                <a:schemeClr val="tx1"/>
+                              </a:solidFill>
+                              <a:latin typeface="Cambria Math" panose="02040503050406030204" pitchFamily="18" charset="0"/>
+                            </a:rPr>
+                            <m:t>BaseRate</m:t>
+                          </m:r>
+                          <m:r>
+                            <a:rPr lang="en-US" i="1">
+                              <a:solidFill>
+                                <a:schemeClr val="tx1"/>
+                              </a:solidFill>
+                              <a:latin typeface="Cambria Math" panose="02040503050406030204" pitchFamily="18" charset="0"/>
+                            </a:rPr>
+                            <m:t>⋅</m:t>
+                          </m:r>
+                          <m:f>
+                            <m:fPr>
+                              <m:ctrlPr>
+                                <a:rPr lang="en-US" b="0" i="1" smtClean="0">
+                                  <a:solidFill>
+                                    <a:srgbClr val="FF0000"/>
+                                  </a:solidFill>
+                                  <a:latin typeface="Cambria Math" panose="02040503050406030204" pitchFamily="18" charset="0"/>
+                                </a:rPr>
+                              </m:ctrlPr>
+                            </m:fPr>
+                            <m:num>
+                              <m:sSub>
+                                <m:sSubPr>
+                                  <m:ctrlPr>
+                                    <a:rPr lang="en-US" b="0" i="1" smtClean="0">
+                                      <a:solidFill>
+                                        <a:srgbClr val="FF0000"/>
+                                      </a:solidFill>
+                                      <a:latin typeface="Cambria Math" panose="02040503050406030204" pitchFamily="18" charset="0"/>
+                                    </a:rPr>
+                                  </m:ctrlPr>
+                                </m:sSubPr>
+                                <m:e>
+                                  <m:r>
+                                    <m:rPr>
+                                      <m:sty m:val="p"/>
+                                    </m:rPr>
+                                    <a:rPr lang="en-US" b="0" i="0" smtClean="0">
+                                      <a:solidFill>
+                                        <a:srgbClr val="FF0000"/>
+                                      </a:solidFill>
+                                      <a:latin typeface="Cambria Math" panose="02040503050406030204" pitchFamily="18" charset="0"/>
+                                    </a:rPr>
+                                    <m:t>LR</m:t>
+                                  </m:r>
+                                </m:e>
+                                <m:sub>
+                                  <m:r>
+                                    <m:rPr>
+                                      <m:sty m:val="p"/>
+                                    </m:rPr>
+                                    <a:rPr lang="en-US" b="0" i="0" smtClean="0">
+                                      <a:solidFill>
+                                        <a:srgbClr val="FF0000"/>
+                                      </a:solidFill>
+                                      <a:latin typeface="Cambria Math" panose="02040503050406030204" pitchFamily="18" charset="0"/>
+                                    </a:rPr>
+                                    <m:t>LA</m:t>
+                                  </m:r>
+                                </m:sub>
+                              </m:sSub>
+                            </m:num>
+                            <m:den>
+                              <m:sSub>
+                                <m:sSubPr>
+                                  <m:ctrlPr>
+                                    <a:rPr lang="en-US" b="0" i="1" smtClean="0">
+                                      <a:solidFill>
+                                        <a:srgbClr val="FF0000"/>
+                                      </a:solidFill>
+                                      <a:latin typeface="Cambria Math" panose="02040503050406030204" pitchFamily="18" charset="0"/>
+                                    </a:rPr>
+                                  </m:ctrlPr>
+                                </m:sSubPr>
+                                <m:e>
+                                  <m:r>
+                                    <m:rPr>
+                                      <m:sty m:val="p"/>
+                                    </m:rPr>
+                                    <a:rPr lang="en-US" b="0" i="0" smtClean="0">
+                                      <a:solidFill>
+                                        <a:srgbClr val="FF0000"/>
+                                      </a:solidFill>
+                                      <a:latin typeface="Cambria Math" panose="02040503050406030204" pitchFamily="18" charset="0"/>
+                                    </a:rPr>
+                                    <m:t>LR</m:t>
+                                  </m:r>
+                                </m:e>
+                                <m:sub>
+                                  <m:r>
+                                    <m:rPr>
+                                      <m:sty m:val="p"/>
+                                    </m:rPr>
+                                    <a:rPr lang="en-US" b="0" i="0" smtClean="0">
+                                      <a:solidFill>
+                                        <a:srgbClr val="FF0000"/>
+                                      </a:solidFill>
+                                      <a:latin typeface="Cambria Math" panose="02040503050406030204" pitchFamily="18" charset="0"/>
+                                    </a:rPr>
+                                    <m:t>T</m:t>
+                                  </m:r>
+                                </m:sub>
+                              </m:sSub>
+                            </m:den>
+                          </m:f>
+                          <m:r>
+                            <a:rPr lang="en-US" b="0" i="1" smtClean="0">
+                              <a:solidFill>
+                                <a:schemeClr val="tx1"/>
+                              </a:solidFill>
+                              <a:latin typeface="Cambria Math" panose="02040503050406030204" pitchFamily="18" charset="0"/>
+                            </a:rPr>
+                            <m:t>⋅</m:t>
+                          </m:r>
+                          <m:r>
+                            <a:rPr lang="en-US" i="1">
+                              <a:solidFill>
+                                <a:schemeClr val="tx1"/>
+                              </a:solidFill>
+                              <a:latin typeface="Cambria Math" panose="02040503050406030204" pitchFamily="18" charset="0"/>
+                            </a:rPr>
+                            <m:t>∑</m:t>
+                          </m:r>
+                          <m:sSub>
+                            <m:sSubPr>
+                              <m:ctrlPr>
+                                <a:rPr lang="en-US" i="1">
+                                  <a:solidFill>
+                                    <a:schemeClr val="tx1"/>
+                                  </a:solidFill>
+                                  <a:latin typeface="Cambria Math" panose="02040503050406030204" pitchFamily="18" charset="0"/>
+                                </a:rPr>
+                              </m:ctrlPr>
+                            </m:sSubPr>
+                            <m:e>
+                              <m:r>
+                                <m:rPr>
+                                  <m:sty m:val="p"/>
+                                </m:rPr>
+                                <a:rPr lang="en-US">
+                                  <a:solidFill>
+                                    <a:schemeClr val="tx1"/>
+                                  </a:solidFill>
+                                  <a:latin typeface="Cambria Math" panose="02040503050406030204" pitchFamily="18" charset="0"/>
+                                </a:rPr>
+                                <m:t>Factor</m:t>
+                              </m:r>
+                            </m:e>
+                            <m:sub>
+                              <m:r>
+                                <m:rPr>
+                                  <m:sty m:val="p"/>
+                                </m:rPr>
+                                <a:rPr lang="en-US">
+                                  <a:solidFill>
+                                    <a:schemeClr val="tx1"/>
+                                  </a:solidFill>
+                                  <a:latin typeface="Cambria Math" panose="02040503050406030204" pitchFamily="18" charset="0"/>
+                                </a:rPr>
+                                <m:t>LA</m:t>
+                              </m:r>
+                            </m:sub>
+                          </m:sSub>
+                        </m:den>
+                      </m:f>
+                      <m:r>
+                        <a:rPr lang="en-US" b="0" i="1" smtClean="0">
+                          <a:solidFill>
+                            <a:schemeClr val="tx1"/>
+                          </a:solidFill>
+                          <a:latin typeface="Cambria Math" panose="02040503050406030204" pitchFamily="18" charset="0"/>
+                        </a:rPr>
+                        <m:t>=</m:t>
+                      </m:r>
+                      <m:f>
+                        <m:fPr>
+                          <m:ctrlPr>
+                            <a:rPr lang="en-US" i="1">
+                              <a:solidFill>
+                                <a:schemeClr val="tx1"/>
+                              </a:solidFill>
+                              <a:latin typeface="Cambria Math" panose="02040503050406030204" pitchFamily="18" charset="0"/>
+                            </a:rPr>
+                          </m:ctrlPr>
+                        </m:fPr>
+                        <m:num>
+                          <m:sSub>
+                            <m:sSubPr>
+                              <m:ctrlPr>
+                                <a:rPr lang="en-US" i="1">
+                                  <a:solidFill>
+                                    <a:schemeClr val="tx1"/>
+                                  </a:solidFill>
+                                  <a:latin typeface="Cambria Math" panose="02040503050406030204" pitchFamily="18" charset="0"/>
+                                </a:rPr>
+                              </m:ctrlPr>
+                            </m:sSubPr>
+                            <m:e>
+                              <m:r>
+                                <a:rPr lang="en-US" i="1">
+                                  <a:solidFill>
+                                    <a:schemeClr val="tx1"/>
+                                  </a:solidFill>
+                                  <a:latin typeface="Cambria Math" panose="02040503050406030204" pitchFamily="18" charset="0"/>
+                                </a:rPr>
+                                <m:t>∑</m:t>
+                              </m:r>
+                              <m:r>
+                                <m:rPr>
+                                  <m:sty m:val="p"/>
+                                </m:rPr>
+                                <a:rPr lang="en-US">
+                                  <a:solidFill>
+                                    <a:schemeClr val="tx1"/>
+                                  </a:solidFill>
+                                  <a:latin typeface="Cambria Math" panose="02040503050406030204" pitchFamily="18" charset="0"/>
+                                </a:rPr>
+                                <m:t>Claims</m:t>
+                              </m:r>
+                            </m:e>
+                            <m:sub>
+                              <m:r>
+                                <m:rPr>
+                                  <m:sty m:val="p"/>
+                                </m:rPr>
+                                <a:rPr lang="en-US">
+                                  <a:solidFill>
+                                    <a:schemeClr val="tx1"/>
+                                  </a:solidFill>
+                                  <a:latin typeface="Cambria Math" panose="02040503050406030204" pitchFamily="18" charset="0"/>
+                                </a:rPr>
+                                <m:t>LA</m:t>
+                              </m:r>
+                            </m:sub>
+                          </m:sSub>
+                        </m:num>
+                        <m:den>
+                          <m:r>
+                            <m:rPr>
+                              <m:sty m:val="p"/>
+                            </m:rPr>
+                            <a:rPr lang="en-US">
+                              <a:solidFill>
+                                <a:schemeClr val="tx1"/>
+                              </a:solidFill>
+                              <a:latin typeface="Cambria Math" panose="02040503050406030204" pitchFamily="18" charset="0"/>
+                            </a:rPr>
+                            <m:t>BaseRate</m:t>
+                          </m:r>
+                          <m:r>
+                            <a:rPr lang="en-US" i="1">
+                              <a:solidFill>
+                                <a:schemeClr val="tx1"/>
+                              </a:solidFill>
+                              <a:latin typeface="Cambria Math" panose="02040503050406030204" pitchFamily="18" charset="0"/>
+                            </a:rPr>
+                            <m:t>⋅</m:t>
+                          </m:r>
+                          <m:r>
+                            <a:rPr lang="en-US" b="0" i="1" smtClean="0">
+                              <a:solidFill>
+                                <a:schemeClr val="tx1"/>
+                              </a:solidFill>
+                              <a:latin typeface="Cambria Math" panose="02040503050406030204" pitchFamily="18" charset="0"/>
+                            </a:rPr>
+                            <m:t>∑</m:t>
+                          </m:r>
+                          <m:d>
+                            <m:dPr>
+                              <m:ctrlPr>
+                                <a:rPr lang="en-US" b="0" i="1" smtClean="0">
+                                  <a:solidFill>
+                                    <a:schemeClr val="tx1"/>
+                                  </a:solidFill>
+                                  <a:latin typeface="Cambria Math" panose="02040503050406030204" pitchFamily="18" charset="0"/>
+                                </a:rPr>
+                              </m:ctrlPr>
+                            </m:dPr>
+                            <m:e>
+                              <m:f>
+                                <m:fPr>
+                                  <m:ctrlPr>
+                                    <a:rPr lang="en-US" i="1">
+                                      <a:solidFill>
+                                        <a:srgbClr val="FF0000"/>
+                                      </a:solidFill>
+                                      <a:latin typeface="Cambria Math" panose="02040503050406030204" pitchFamily="18" charset="0"/>
+                                    </a:rPr>
+                                  </m:ctrlPr>
+                                </m:fPr>
+                                <m:num>
+                                  <m:sSub>
+                                    <m:sSubPr>
+                                      <m:ctrlPr>
+                                        <a:rPr lang="en-US" i="1">
+                                          <a:solidFill>
+                                            <a:srgbClr val="FF0000"/>
+                                          </a:solidFill>
+                                          <a:latin typeface="Cambria Math" panose="02040503050406030204" pitchFamily="18" charset="0"/>
+                                        </a:rPr>
+                                      </m:ctrlPr>
+                                    </m:sSubPr>
+                                    <m:e>
+                                      <m:r>
+                                        <m:rPr>
+                                          <m:sty m:val="p"/>
+                                        </m:rPr>
+                                        <a:rPr lang="en-US">
+                                          <a:solidFill>
+                                            <a:srgbClr val="FF0000"/>
+                                          </a:solidFill>
+                                          <a:latin typeface="Cambria Math" panose="02040503050406030204" pitchFamily="18" charset="0"/>
+                                        </a:rPr>
+                                        <m:t>LR</m:t>
+                                      </m:r>
+                                    </m:e>
+                                    <m:sub>
+                                      <m:r>
+                                        <m:rPr>
+                                          <m:sty m:val="p"/>
+                                        </m:rPr>
+                                        <a:rPr lang="en-US">
+                                          <a:solidFill>
+                                            <a:srgbClr val="FF0000"/>
+                                          </a:solidFill>
+                                          <a:latin typeface="Cambria Math" panose="02040503050406030204" pitchFamily="18" charset="0"/>
+                                        </a:rPr>
+                                        <m:t>LA</m:t>
+                                      </m:r>
+                                    </m:sub>
+                                  </m:sSub>
+                                </m:num>
+                                <m:den>
+                                  <m:sSub>
+                                    <m:sSubPr>
+                                      <m:ctrlPr>
+                                        <a:rPr lang="en-US" i="1">
+                                          <a:solidFill>
+                                            <a:srgbClr val="FF0000"/>
+                                          </a:solidFill>
+                                          <a:latin typeface="Cambria Math" panose="02040503050406030204" pitchFamily="18" charset="0"/>
+                                        </a:rPr>
+                                      </m:ctrlPr>
+                                    </m:sSubPr>
+                                    <m:e>
+                                      <m:r>
+                                        <m:rPr>
+                                          <m:sty m:val="p"/>
+                                        </m:rPr>
+                                        <a:rPr lang="en-US">
+                                          <a:solidFill>
+                                            <a:srgbClr val="FF0000"/>
+                                          </a:solidFill>
+                                          <a:latin typeface="Cambria Math" panose="02040503050406030204" pitchFamily="18" charset="0"/>
+                                        </a:rPr>
+                                        <m:t>LR</m:t>
+                                      </m:r>
+                                    </m:e>
+                                    <m:sub>
+                                      <m:r>
+                                        <m:rPr>
+                                          <m:sty m:val="p"/>
+                                        </m:rPr>
+                                        <a:rPr lang="en-US">
+                                          <a:solidFill>
+                                            <a:srgbClr val="FF0000"/>
+                                          </a:solidFill>
+                                          <a:latin typeface="Cambria Math" panose="02040503050406030204" pitchFamily="18" charset="0"/>
+                                        </a:rPr>
+                                        <m:t>T</m:t>
+                                      </m:r>
+                                    </m:sub>
+                                  </m:sSub>
+                                </m:den>
+                              </m:f>
+                              <m:r>
+                                <a:rPr lang="en-US" i="1">
+                                  <a:solidFill>
+                                    <a:schemeClr val="tx1"/>
+                                  </a:solidFill>
+                                  <a:latin typeface="Cambria Math" panose="02040503050406030204" pitchFamily="18" charset="0"/>
+                                </a:rPr>
+                                <m:t>⋅</m:t>
+                              </m:r>
+                              <m:sSub>
+                                <m:sSubPr>
+                                  <m:ctrlPr>
+                                    <a:rPr lang="en-US" i="1">
+                                      <a:solidFill>
+                                        <a:schemeClr val="tx1"/>
+                                      </a:solidFill>
+                                      <a:latin typeface="Cambria Math" panose="02040503050406030204" pitchFamily="18" charset="0"/>
+                                    </a:rPr>
+                                  </m:ctrlPr>
+                                </m:sSubPr>
+                                <m:e>
+                                  <m:r>
+                                    <m:rPr>
+                                      <m:sty m:val="p"/>
+                                    </m:rPr>
+                                    <a:rPr lang="en-US">
+                                      <a:solidFill>
+                                        <a:schemeClr val="tx1"/>
+                                      </a:solidFill>
+                                      <a:latin typeface="Cambria Math" panose="02040503050406030204" pitchFamily="18" charset="0"/>
+                                    </a:rPr>
+                                    <m:t>Factor</m:t>
+                                  </m:r>
+                                </m:e>
+                                <m:sub>
+                                  <m:r>
+                                    <m:rPr>
+                                      <m:sty m:val="p"/>
+                                    </m:rPr>
+                                    <a:rPr lang="en-US">
+                                      <a:solidFill>
+                                        <a:schemeClr val="tx1"/>
+                                      </a:solidFill>
+                                      <a:latin typeface="Cambria Math" panose="02040503050406030204" pitchFamily="18" charset="0"/>
+                                    </a:rPr>
+                                    <m:t>LA</m:t>
+                                  </m:r>
+                                </m:sub>
+                              </m:sSub>
+                            </m:e>
+                          </m:d>
+                        </m:den>
+                      </m:f>
+                    </m:oMath>
+                  </m:oMathPara>
+                </a14:m>
+                <a:endParaRPr lang="en-US" dirty="0">
+                  <a:solidFill>
+                    <a:schemeClr val="tx1"/>
+                  </a:solidFill>
+                </a:endParaRPr>
+              </a:p>
+              <a:p>
+                <a:r>
+                  <a:rPr lang="en-US" dirty="0"/>
+                  <a:t>To adjust the loss ratio in LA to be equivalent to the weighted-average loss ratio, we must multiply the current factor by </a:t>
+                </a:r>
+                <a14:m>
+                  <m:oMath xmlns:m="http://schemas.openxmlformats.org/officeDocument/2006/math">
+                    <m:f>
+                      <m:fPr>
+                        <m:ctrlPr>
+                          <a:rPr lang="en-US" i="1">
+                            <a:solidFill>
+                              <a:schemeClr val="tx1"/>
+                            </a:solidFill>
+                            <a:latin typeface="Cambria Math" panose="02040503050406030204" pitchFamily="18" charset="0"/>
+                          </a:rPr>
+                        </m:ctrlPr>
+                      </m:fPr>
+                      <m:num>
+                        <m:sSub>
+                          <m:sSubPr>
+                            <m:ctrlPr>
+                              <a:rPr lang="en-US" i="1">
+                                <a:solidFill>
+                                  <a:schemeClr val="tx1"/>
+                                </a:solidFill>
+                                <a:latin typeface="Cambria Math" panose="02040503050406030204" pitchFamily="18" charset="0"/>
+                              </a:rPr>
+                            </m:ctrlPr>
+                          </m:sSubPr>
+                          <m:e>
+                            <m:r>
+                              <m:rPr>
+                                <m:sty m:val="p"/>
+                              </m:rPr>
+                              <a:rPr lang="en-US">
+                                <a:solidFill>
+                                  <a:schemeClr val="tx1"/>
+                                </a:solidFill>
+                                <a:latin typeface="Cambria Math" panose="02040503050406030204" pitchFamily="18" charset="0"/>
+                              </a:rPr>
+                              <m:t>LR</m:t>
+                            </m:r>
+                          </m:e>
+                          <m:sub>
+                            <m:r>
+                              <m:rPr>
+                                <m:sty m:val="p"/>
+                              </m:rPr>
+                              <a:rPr lang="en-US">
+                                <a:solidFill>
+                                  <a:schemeClr val="tx1"/>
+                                </a:solidFill>
+                                <a:latin typeface="Cambria Math" panose="02040503050406030204" pitchFamily="18" charset="0"/>
+                              </a:rPr>
+                              <m:t>LA</m:t>
+                            </m:r>
+                          </m:sub>
+                        </m:sSub>
+                      </m:num>
+                      <m:den>
+                        <m:sSub>
+                          <m:sSubPr>
+                            <m:ctrlPr>
+                              <a:rPr lang="en-US" b="0" i="1" smtClean="0">
+                                <a:solidFill>
+                                  <a:schemeClr val="tx1"/>
+                                </a:solidFill>
+                                <a:latin typeface="Cambria Math" panose="02040503050406030204" pitchFamily="18" charset="0"/>
+                              </a:rPr>
+                            </m:ctrlPr>
+                          </m:sSubPr>
+                          <m:e>
+                            <m:r>
+                              <m:rPr>
+                                <m:sty m:val="p"/>
+                              </m:rPr>
+                              <a:rPr lang="en-US" i="0">
+                                <a:solidFill>
+                                  <a:schemeClr val="tx1"/>
+                                </a:solidFill>
+                                <a:latin typeface="Cambria Math" panose="02040503050406030204" pitchFamily="18" charset="0"/>
+                              </a:rPr>
+                              <m:t>LR</m:t>
+                            </m:r>
+                          </m:e>
+                          <m:sub>
+                            <m:r>
+                              <m:rPr>
+                                <m:sty m:val="p"/>
+                              </m:rPr>
+                              <a:rPr lang="en-US" b="0" i="0" smtClean="0">
+                                <a:solidFill>
+                                  <a:schemeClr val="tx1"/>
+                                </a:solidFill>
+                                <a:latin typeface="Cambria Math" panose="02040503050406030204" pitchFamily="18" charset="0"/>
+                              </a:rPr>
+                              <m:t>T</m:t>
+                            </m:r>
+                          </m:sub>
+                        </m:sSub>
+                      </m:den>
+                    </m:f>
+                  </m:oMath>
+                </a14:m>
+                <a:r>
+                  <a:rPr lang="en-US" dirty="0"/>
+                  <a:t>.</a:t>
+                </a:r>
+                <a:endParaRPr lang="en-US" i="1" dirty="0">
+                  <a:solidFill>
+                    <a:schemeClr val="tx1"/>
+                  </a:solidFill>
+                  <a:latin typeface="Cambria Math" panose="02040503050406030204" pitchFamily="18" charset="0"/>
+                </a:endParaRPr>
+              </a:p>
+            </p:txBody>
+          </p:sp>
+        </mc:Choice>
+        <mc:Fallback xmlns="">
+          <p:sp>
+            <p:nvSpPr>
+              <p:cNvPr id="6" name="Content Placeholder 5">
+                <a:extLst>
+                  <a:ext uri="{FF2B5EF4-FFF2-40B4-BE49-F238E27FC236}">
+                    <a16:creationId xmlns:a16="http://schemas.microsoft.com/office/drawing/2014/main" id="{0BE337FF-7B6F-4FE1-AB3D-07BF761B3AEF}"/>
+                  </a:ext>
+                </a:extLst>
+              </p:cNvPr>
+              <p:cNvSpPr>
+                <a:spLocks noGrp="1" noRot="1" noChangeAspect="1" noMove="1" noResize="1" noEditPoints="1" noAdjustHandles="1" noChangeArrowheads="1" noChangeShapeType="1" noTextEdit="1"/>
+              </p:cNvSpPr>
+              <p:nvPr>
+                <p:ph idx="1"/>
+              </p:nvPr>
+            </p:nvSpPr>
+            <p:spPr>
+              <a:blipFill>
+                <a:blip r:embed="rId2"/>
+                <a:stretch>
+                  <a:fillRect l="-552" t="-166" r="-884"/>
+                </a:stretch>
+              </a:blipFill>
+            </p:spPr>
+            <p:txBody>
+              <a:bodyPr/>
+              <a:lstStyle/>
+              <a:p>
+                <a:r>
+                  <a:rPr lang="en-US">
+                    <a:noFill/>
+                  </a:rPr>
+                  <a:t> </a:t>
+                </a:r>
+              </a:p>
+            </p:txBody>
+          </p:sp>
+        </mc:Fallback>
+      </mc:AlternateContent>
+    </p:spTree>
+    <p:extLst>
+      <p:ext uri="{BB962C8B-B14F-4D97-AF65-F5344CB8AC3E}">
+        <p14:creationId xmlns:p14="http://schemas.microsoft.com/office/powerpoint/2010/main" val="1932355522"/>
+      </p:ext>
+    </p:extLst>
+  </p:cSld>
+  <p:clrMapOvr>
+    <a:masterClrMapping/>
+  </p:clrMapOvr>
+</p:sld>
+</file>
+
+<file path=ppt/slides/slide26.xml><?xml version="1.0" encoding="utf-8"?>
+<p:sld xmlns:a="http://schemas.openxmlformats.org/drawingml/2006/main" xmlns:r="http://schemas.openxmlformats.org/officeDocument/2006/relationships" xmlns:p="http://schemas.openxmlformats.org/presentationml/2006/main">
+  <p:cSld>
+    <p:spTree>
+      <p:nvGrpSpPr>
+        <p:cNvPr id="1" name=""/>
+        <p:cNvGrpSpPr/>
+        <p:nvPr/>
+      </p:nvGrpSpPr>
+      <p:grpSpPr>
+        <a:xfrm>
+          <a:off x="0" y="0"/>
+          <a:ext cx="0" cy="0"/>
+          <a:chOff x="0" y="0"/>
+          <a:chExt cx="0" cy="0"/>
+        </a:xfrm>
+      </p:grpSpPr>
+      <p:sp>
+        <p:nvSpPr>
+          <p:cNvPr id="5" name="Title 4">
+            <a:extLst>
+              <a:ext uri="{FF2B5EF4-FFF2-40B4-BE49-F238E27FC236}">
+                <a16:creationId xmlns:a16="http://schemas.microsoft.com/office/drawing/2014/main" id="{1CE9D5BD-5FA8-49ED-B6DF-AD8A82FB02A7}"/>
+              </a:ext>
+            </a:extLst>
+          </p:cNvPr>
+          <p:cNvSpPr>
+            <a:spLocks noGrp="1"/>
+          </p:cNvSpPr>
+          <p:nvPr>
+            <p:ph type="title"/>
+          </p:nvPr>
+        </p:nvSpPr>
+        <p:spPr/>
+        <p:txBody>
+          <a:bodyPr/>
+          <a:lstStyle/>
+          <a:p>
+            <a:r>
+              <a:rPr lang="en-US" dirty="0"/>
+              <a:t>Adjusting the loss ratios</a:t>
+            </a:r>
+          </a:p>
+        </p:txBody>
+      </p:sp>
+      <mc:AlternateContent xmlns:mc="http://schemas.openxmlformats.org/markup-compatibility/2006" xmlns:a14="http://schemas.microsoft.com/office/drawing/2010/main">
+        <mc:Choice Requires="a14">
+          <p:sp>
+            <p:nvSpPr>
+              <p:cNvPr id="6" name="Content Placeholder 5">
+                <a:extLst>
+                  <a:ext uri="{FF2B5EF4-FFF2-40B4-BE49-F238E27FC236}">
+                    <a16:creationId xmlns:a16="http://schemas.microsoft.com/office/drawing/2014/main" id="{0BE337FF-7B6F-4FE1-AB3D-07BF761B3AEF}"/>
+                  </a:ext>
+                </a:extLst>
+              </p:cNvPr>
+              <p:cNvSpPr>
+                <a:spLocks noGrp="1"/>
+              </p:cNvSpPr>
+              <p:nvPr>
+                <p:ph idx="1"/>
+              </p:nvPr>
+            </p:nvSpPr>
+            <p:spPr/>
+            <p:txBody>
+              <a:bodyPr>
+                <a:normAutofit lnSpcReduction="10000"/>
+              </a:bodyPr>
+              <a:lstStyle/>
+              <a:p>
+                <a:pPr marL="0" indent="0">
+                  <a:buNone/>
+                </a:pPr>
+                <a14:m>
+                  <m:oMathPara xmlns:m="http://schemas.openxmlformats.org/officeDocument/2006/math">
+                    <m:oMathParaPr>
+                      <m:jc m:val="centerGroup"/>
+                    </m:oMathParaPr>
+                    <m:oMath xmlns:m="http://schemas.openxmlformats.org/officeDocument/2006/math">
+                      <m:sSub>
+                        <m:sSubPr>
+                          <m:ctrlPr>
+                            <a:rPr lang="en-US" i="1" smtClean="0">
+                              <a:solidFill>
+                                <a:schemeClr val="tx1"/>
+                              </a:solidFill>
+                              <a:latin typeface="Cambria Math" panose="02040503050406030204" pitchFamily="18" charset="0"/>
+                            </a:rPr>
+                          </m:ctrlPr>
+                        </m:sSubPr>
+                        <m:e>
+                          <m:r>
+                            <m:rPr>
+                              <m:sty m:val="p"/>
+                            </m:rPr>
+                            <a:rPr lang="en-US">
+                              <a:solidFill>
+                                <a:schemeClr val="tx1"/>
+                              </a:solidFill>
+                              <a:latin typeface="Cambria Math" panose="02040503050406030204" pitchFamily="18" charset="0"/>
+                            </a:rPr>
+                            <m:t>LR</m:t>
+                          </m:r>
+                        </m:e>
+                        <m:sub>
+                          <m:r>
+                            <m:rPr>
+                              <m:sty m:val="p"/>
+                            </m:rPr>
+                            <a:rPr lang="en-US">
+                              <a:solidFill>
+                                <a:schemeClr val="tx1"/>
+                              </a:solidFill>
+                              <a:latin typeface="Cambria Math" panose="02040503050406030204" pitchFamily="18" charset="0"/>
+                            </a:rPr>
+                            <m:t>LA</m:t>
+                          </m:r>
+                        </m:sub>
+                      </m:sSub>
+                      <m:r>
+                        <a:rPr lang="en-US">
+                          <a:solidFill>
+                            <a:schemeClr val="tx1"/>
+                          </a:solidFill>
+                          <a:latin typeface="Cambria Math" panose="02040503050406030204" pitchFamily="18" charset="0"/>
+                        </a:rPr>
+                        <m:t>=</m:t>
+                      </m:r>
+                      <m:f>
+                        <m:fPr>
+                          <m:ctrlPr>
+                            <a:rPr lang="en-US" i="1">
+                              <a:solidFill>
+                                <a:schemeClr val="tx1"/>
+                              </a:solidFill>
+                              <a:latin typeface="Cambria Math" panose="02040503050406030204" pitchFamily="18" charset="0"/>
+                            </a:rPr>
+                          </m:ctrlPr>
+                        </m:fPr>
+                        <m:num>
+                          <m:sSub>
+                            <m:sSubPr>
+                              <m:ctrlPr>
+                                <a:rPr lang="en-US" i="1">
+                                  <a:solidFill>
+                                    <a:schemeClr val="tx1"/>
+                                  </a:solidFill>
+                                  <a:latin typeface="Cambria Math" panose="02040503050406030204" pitchFamily="18" charset="0"/>
+                                </a:rPr>
+                              </m:ctrlPr>
+                            </m:sSubPr>
+                            <m:e>
+                              <m:r>
+                                <a:rPr lang="en-US" i="1">
+                                  <a:solidFill>
+                                    <a:schemeClr val="tx1"/>
+                                  </a:solidFill>
+                                  <a:latin typeface="Cambria Math" panose="02040503050406030204" pitchFamily="18" charset="0"/>
+                                </a:rPr>
+                                <m:t>∑</m:t>
+                              </m:r>
+                              <m:r>
+                                <m:rPr>
+                                  <m:sty m:val="p"/>
+                                </m:rPr>
+                                <a:rPr lang="en-US">
+                                  <a:solidFill>
+                                    <a:schemeClr val="tx1"/>
+                                  </a:solidFill>
+                                  <a:latin typeface="Cambria Math" panose="02040503050406030204" pitchFamily="18" charset="0"/>
+                                </a:rPr>
+                                <m:t>Claims</m:t>
+                              </m:r>
+                            </m:e>
+                            <m:sub>
+                              <m:r>
+                                <m:rPr>
+                                  <m:sty m:val="p"/>
+                                </m:rPr>
+                                <a:rPr lang="en-US">
+                                  <a:solidFill>
+                                    <a:schemeClr val="tx1"/>
+                                  </a:solidFill>
+                                  <a:latin typeface="Cambria Math" panose="02040503050406030204" pitchFamily="18" charset="0"/>
+                                </a:rPr>
+                                <m:t>LA</m:t>
+                              </m:r>
+                            </m:sub>
+                          </m:sSub>
+                        </m:num>
+                        <m:den>
+                          <m:r>
+                            <m:rPr>
+                              <m:sty m:val="p"/>
+                            </m:rPr>
+                            <a:rPr lang="en-US">
+                              <a:solidFill>
+                                <a:schemeClr val="tx1"/>
+                              </a:solidFill>
+                              <a:latin typeface="Cambria Math" panose="02040503050406030204" pitchFamily="18" charset="0"/>
+                            </a:rPr>
+                            <m:t>BaseRate</m:t>
+                          </m:r>
+                          <m:r>
+                            <a:rPr lang="en-US" i="1">
+                              <a:solidFill>
+                                <a:schemeClr val="tx1"/>
+                              </a:solidFill>
+                              <a:latin typeface="Cambria Math" panose="02040503050406030204" pitchFamily="18" charset="0"/>
+                            </a:rPr>
+                            <m:t>⋅∑</m:t>
+                          </m:r>
+                          <m:sSub>
+                            <m:sSubPr>
+                              <m:ctrlPr>
+                                <a:rPr lang="en-US" i="1">
+                                  <a:solidFill>
+                                    <a:schemeClr val="tx1"/>
+                                  </a:solidFill>
+                                  <a:latin typeface="Cambria Math" panose="02040503050406030204" pitchFamily="18" charset="0"/>
+                                </a:rPr>
+                              </m:ctrlPr>
+                            </m:sSubPr>
+                            <m:e>
+                              <m:r>
+                                <m:rPr>
+                                  <m:sty m:val="p"/>
+                                </m:rPr>
+                                <a:rPr lang="en-US">
+                                  <a:solidFill>
+                                    <a:schemeClr val="tx1"/>
+                                  </a:solidFill>
+                                  <a:latin typeface="Cambria Math" panose="02040503050406030204" pitchFamily="18" charset="0"/>
+                                </a:rPr>
+                                <m:t>Factor</m:t>
+                              </m:r>
+                            </m:e>
+                            <m:sub>
+                              <m:r>
+                                <m:rPr>
+                                  <m:sty m:val="p"/>
+                                </m:rPr>
+                                <a:rPr lang="en-US">
+                                  <a:solidFill>
+                                    <a:schemeClr val="tx1"/>
+                                  </a:solidFill>
+                                  <a:latin typeface="Cambria Math" panose="02040503050406030204" pitchFamily="18" charset="0"/>
+                                </a:rPr>
+                                <m:t>LA</m:t>
+                              </m:r>
+                            </m:sub>
+                          </m:sSub>
+                        </m:den>
+                      </m:f>
+                    </m:oMath>
+                  </m:oMathPara>
+                </a14:m>
+                <a:endParaRPr lang="en-US" b="0" i="0" dirty="0">
+                  <a:solidFill>
+                    <a:schemeClr val="tx1"/>
+                  </a:solidFill>
+                  <a:latin typeface="Cambria Math" panose="02040503050406030204" pitchFamily="18" charset="0"/>
+                </a:endParaRPr>
+              </a:p>
+              <a:p>
+                <a:pPr marL="0" indent="0">
+                  <a:buNone/>
+                </a:pPr>
+                <a14:m>
+                  <m:oMathPara xmlns:m="http://schemas.openxmlformats.org/officeDocument/2006/math">
+                    <m:oMathParaPr>
+                      <m:jc m:val="centerGroup"/>
+                    </m:oMathParaPr>
+                    <m:oMath xmlns:m="http://schemas.openxmlformats.org/officeDocument/2006/math">
+                      <m:sSub>
+                        <m:sSubPr>
+                          <m:ctrlPr>
+                            <a:rPr lang="en-US" b="0" i="1" smtClean="0">
+                              <a:solidFill>
+                                <a:schemeClr val="tx1"/>
+                              </a:solidFill>
+                              <a:latin typeface="Cambria Math" panose="02040503050406030204" pitchFamily="18" charset="0"/>
+                            </a:rPr>
+                          </m:ctrlPr>
+                        </m:sSubPr>
+                        <m:e>
+                          <m:r>
+                            <m:rPr>
+                              <m:sty m:val="p"/>
+                            </m:rPr>
+                            <a:rPr lang="en-US" b="0" i="0" smtClean="0">
+                              <a:solidFill>
+                                <a:schemeClr val="tx1"/>
+                              </a:solidFill>
+                              <a:latin typeface="Cambria Math" panose="02040503050406030204" pitchFamily="18" charset="0"/>
+                            </a:rPr>
+                            <m:t>LR</m:t>
+                          </m:r>
+                        </m:e>
+                        <m:sub>
+                          <m:r>
+                            <m:rPr>
+                              <m:sty m:val="p"/>
+                            </m:rPr>
+                            <a:rPr lang="en-US" b="0" i="0" smtClean="0">
+                              <a:solidFill>
+                                <a:schemeClr val="tx1"/>
+                              </a:solidFill>
+                              <a:latin typeface="Cambria Math" panose="02040503050406030204" pitchFamily="18" charset="0"/>
+                            </a:rPr>
+                            <m:t>T</m:t>
+                          </m:r>
+                        </m:sub>
+                      </m:sSub>
+                      <m:r>
+                        <a:rPr lang="en-US" b="0" i="1" smtClean="0">
+                          <a:solidFill>
+                            <a:schemeClr val="tx1"/>
+                          </a:solidFill>
+                          <a:latin typeface="Cambria Math" panose="02040503050406030204" pitchFamily="18" charset="0"/>
+                        </a:rPr>
+                        <m:t>=</m:t>
+                      </m:r>
+                      <m:f>
+                        <m:fPr>
+                          <m:ctrlPr>
+                            <a:rPr lang="en-US" i="1">
+                              <a:solidFill>
+                                <a:schemeClr val="tx1"/>
+                              </a:solidFill>
+                              <a:latin typeface="Cambria Math" panose="02040503050406030204" pitchFamily="18" charset="0"/>
+                            </a:rPr>
+                          </m:ctrlPr>
+                        </m:fPr>
+                        <m:num>
+                          <m:sSub>
+                            <m:sSubPr>
+                              <m:ctrlPr>
+                                <a:rPr lang="en-US" i="1">
+                                  <a:solidFill>
+                                    <a:schemeClr val="tx1"/>
+                                  </a:solidFill>
+                                  <a:latin typeface="Cambria Math" panose="02040503050406030204" pitchFamily="18" charset="0"/>
+                                </a:rPr>
+                              </m:ctrlPr>
+                            </m:sSubPr>
+                            <m:e>
+                              <m:r>
+                                <a:rPr lang="en-US" i="1">
+                                  <a:solidFill>
+                                    <a:schemeClr val="tx1"/>
+                                  </a:solidFill>
+                                  <a:latin typeface="Cambria Math" panose="02040503050406030204" pitchFamily="18" charset="0"/>
+                                </a:rPr>
+                                <m:t>∑</m:t>
+                              </m:r>
+                              <m:r>
+                                <m:rPr>
+                                  <m:sty m:val="p"/>
+                                </m:rPr>
+                                <a:rPr lang="en-US">
+                                  <a:solidFill>
+                                    <a:schemeClr val="tx1"/>
+                                  </a:solidFill>
+                                  <a:latin typeface="Cambria Math" panose="02040503050406030204" pitchFamily="18" charset="0"/>
+                                </a:rPr>
+                                <m:t>Claims</m:t>
+                              </m:r>
+                            </m:e>
+                            <m:sub>
+                              <m:r>
+                                <m:rPr>
+                                  <m:sty m:val="p"/>
+                                </m:rPr>
+                                <a:rPr lang="en-US">
+                                  <a:solidFill>
+                                    <a:schemeClr val="tx1"/>
+                                  </a:solidFill>
+                                  <a:latin typeface="Cambria Math" panose="02040503050406030204" pitchFamily="18" charset="0"/>
+                                </a:rPr>
+                                <m:t>LA</m:t>
+                              </m:r>
+                            </m:sub>
+                          </m:sSub>
+                        </m:num>
+                        <m:den>
+                          <m:r>
+                            <m:rPr>
+                              <m:sty m:val="p"/>
+                            </m:rPr>
+                            <a:rPr lang="en-US">
+                              <a:solidFill>
+                                <a:schemeClr val="tx1"/>
+                              </a:solidFill>
+                              <a:latin typeface="Cambria Math" panose="02040503050406030204" pitchFamily="18" charset="0"/>
+                            </a:rPr>
+                            <m:t>BaseRate</m:t>
+                          </m:r>
+                          <m:r>
+                            <a:rPr lang="en-US" i="1">
+                              <a:solidFill>
+                                <a:schemeClr val="tx1"/>
+                              </a:solidFill>
+                              <a:latin typeface="Cambria Math" panose="02040503050406030204" pitchFamily="18" charset="0"/>
+                            </a:rPr>
+                            <m:t>⋅</m:t>
+                          </m:r>
+                          <m:r>
+                            <a:rPr lang="en-US" b="0" i="1" smtClean="0">
+                              <a:solidFill>
+                                <a:schemeClr val="tx1"/>
+                              </a:solidFill>
+                              <a:latin typeface="Cambria Math" panose="02040503050406030204" pitchFamily="18" charset="0"/>
+                            </a:rPr>
+                            <m:t>∑</m:t>
+                          </m:r>
+                          <m:d>
+                            <m:dPr>
+                              <m:ctrlPr>
+                                <a:rPr lang="en-US" b="0" i="1" smtClean="0">
+                                  <a:solidFill>
+                                    <a:schemeClr val="tx1"/>
+                                  </a:solidFill>
+                                  <a:latin typeface="Cambria Math" panose="02040503050406030204" pitchFamily="18" charset="0"/>
+                                </a:rPr>
+                              </m:ctrlPr>
+                            </m:dPr>
+                            <m:e>
+                              <m:f>
+                                <m:fPr>
+                                  <m:ctrlPr>
+                                    <a:rPr lang="en-US" i="1">
+                                      <a:solidFill>
+                                        <a:srgbClr val="FF0000"/>
+                                      </a:solidFill>
+                                      <a:latin typeface="Cambria Math" panose="02040503050406030204" pitchFamily="18" charset="0"/>
+                                    </a:rPr>
+                                  </m:ctrlPr>
+                                </m:fPr>
+                                <m:num>
+                                  <m:sSub>
+                                    <m:sSubPr>
+                                      <m:ctrlPr>
+                                        <a:rPr lang="en-US" i="1">
+                                          <a:solidFill>
+                                            <a:srgbClr val="FF0000"/>
+                                          </a:solidFill>
+                                          <a:latin typeface="Cambria Math" panose="02040503050406030204" pitchFamily="18" charset="0"/>
+                                        </a:rPr>
+                                      </m:ctrlPr>
+                                    </m:sSubPr>
+                                    <m:e>
+                                      <m:r>
+                                        <m:rPr>
+                                          <m:sty m:val="p"/>
+                                        </m:rPr>
+                                        <a:rPr lang="en-US">
+                                          <a:solidFill>
+                                            <a:srgbClr val="FF0000"/>
+                                          </a:solidFill>
+                                          <a:latin typeface="Cambria Math" panose="02040503050406030204" pitchFamily="18" charset="0"/>
+                                        </a:rPr>
+                                        <m:t>LR</m:t>
+                                      </m:r>
+                                    </m:e>
+                                    <m:sub>
+                                      <m:r>
+                                        <m:rPr>
+                                          <m:sty m:val="p"/>
+                                        </m:rPr>
+                                        <a:rPr lang="en-US">
+                                          <a:solidFill>
+                                            <a:srgbClr val="FF0000"/>
+                                          </a:solidFill>
+                                          <a:latin typeface="Cambria Math" panose="02040503050406030204" pitchFamily="18" charset="0"/>
+                                        </a:rPr>
+                                        <m:t>LA</m:t>
+                                      </m:r>
+                                    </m:sub>
+                                  </m:sSub>
+                                </m:num>
+                                <m:den>
+                                  <m:sSub>
+                                    <m:sSubPr>
+                                      <m:ctrlPr>
+                                        <a:rPr lang="en-US" b="0" i="1" smtClean="0">
+                                          <a:solidFill>
+                                            <a:srgbClr val="FF0000"/>
+                                          </a:solidFill>
+                                          <a:latin typeface="Cambria Math" panose="02040503050406030204" pitchFamily="18" charset="0"/>
+                                        </a:rPr>
+                                      </m:ctrlPr>
+                                    </m:sSubPr>
+                                    <m:e>
+                                      <m:r>
+                                        <m:rPr>
+                                          <m:sty m:val="p"/>
+                                        </m:rPr>
+                                        <a:rPr lang="en-US" i="0">
+                                          <a:solidFill>
+                                            <a:srgbClr val="FF0000"/>
+                                          </a:solidFill>
+                                          <a:latin typeface="Cambria Math" panose="02040503050406030204" pitchFamily="18" charset="0"/>
+                                        </a:rPr>
+                                        <m:t>LR</m:t>
+                                      </m:r>
+                                    </m:e>
+                                    <m:sub>
+                                      <m:r>
+                                        <m:rPr>
+                                          <m:sty m:val="p"/>
+                                        </m:rPr>
+                                        <a:rPr lang="en-US" b="0" i="0" smtClean="0">
+                                          <a:solidFill>
+                                            <a:srgbClr val="FF0000"/>
+                                          </a:solidFill>
+                                          <a:latin typeface="Cambria Math" panose="02040503050406030204" pitchFamily="18" charset="0"/>
+                                        </a:rPr>
+                                        <m:t>T</m:t>
+                                      </m:r>
+                                    </m:sub>
+                                  </m:sSub>
+                                </m:den>
+                              </m:f>
+                              <m:r>
+                                <a:rPr lang="en-US" i="1">
+                                  <a:solidFill>
+                                    <a:schemeClr val="tx1"/>
+                                  </a:solidFill>
+                                  <a:latin typeface="Cambria Math" panose="02040503050406030204" pitchFamily="18" charset="0"/>
+                                </a:rPr>
+                                <m:t>⋅</m:t>
+                              </m:r>
+                              <m:sSub>
+                                <m:sSubPr>
+                                  <m:ctrlPr>
+                                    <a:rPr lang="en-US" i="1">
+                                      <a:solidFill>
+                                        <a:schemeClr val="tx1"/>
+                                      </a:solidFill>
+                                      <a:latin typeface="Cambria Math" panose="02040503050406030204" pitchFamily="18" charset="0"/>
+                                    </a:rPr>
+                                  </m:ctrlPr>
+                                </m:sSubPr>
+                                <m:e>
+                                  <m:r>
+                                    <m:rPr>
+                                      <m:sty m:val="p"/>
+                                    </m:rPr>
+                                    <a:rPr lang="en-US">
+                                      <a:solidFill>
+                                        <a:schemeClr val="tx1"/>
+                                      </a:solidFill>
+                                      <a:latin typeface="Cambria Math" panose="02040503050406030204" pitchFamily="18" charset="0"/>
+                                    </a:rPr>
+                                    <m:t>Factor</m:t>
+                                  </m:r>
+                                </m:e>
+                                <m:sub>
+                                  <m:r>
+                                    <m:rPr>
+                                      <m:sty m:val="p"/>
+                                    </m:rPr>
+                                    <a:rPr lang="en-US">
+                                      <a:solidFill>
+                                        <a:schemeClr val="tx1"/>
+                                      </a:solidFill>
+                                      <a:latin typeface="Cambria Math" panose="02040503050406030204" pitchFamily="18" charset="0"/>
+                                    </a:rPr>
+                                    <m:t>LA</m:t>
+                                  </m:r>
+                                </m:sub>
+                              </m:sSub>
+                            </m:e>
+                          </m:d>
+                        </m:den>
+                      </m:f>
+                    </m:oMath>
+                  </m:oMathPara>
+                </a14:m>
+                <a:endParaRPr lang="en-US" dirty="0">
+                  <a:solidFill>
+                    <a:schemeClr val="tx1"/>
+                  </a:solidFill>
+                </a:endParaRPr>
+              </a:p>
+              <a:p>
+                <a:r>
+                  <a:rPr lang="en-US" dirty="0"/>
+                  <a:t>We can choose any target loss ratio we want, but we will use the weighted-average loss ratio in this example.</a:t>
+                </a:r>
+                <a:endParaRPr lang="en-US" dirty="0">
+                  <a:solidFill>
+                    <a:schemeClr val="tx1"/>
+                  </a:solidFill>
+                </a:endParaRPr>
+              </a:p>
+              <a:p>
+                <a:r>
+                  <a:rPr lang="en-US" dirty="0"/>
+                  <a:t>Regardless of our choice, our final premiums will be the same after base rate modifications.</a:t>
+                </a:r>
+              </a:p>
+            </p:txBody>
+          </p:sp>
+        </mc:Choice>
+        <mc:Fallback xmlns="">
+          <p:sp>
+            <p:nvSpPr>
+              <p:cNvPr id="6" name="Content Placeholder 5">
+                <a:extLst>
+                  <a:ext uri="{FF2B5EF4-FFF2-40B4-BE49-F238E27FC236}">
+                    <a16:creationId xmlns:a16="http://schemas.microsoft.com/office/drawing/2014/main" id="{0BE337FF-7B6F-4FE1-AB3D-07BF761B3AEF}"/>
+                  </a:ext>
+                </a:extLst>
+              </p:cNvPr>
+              <p:cNvSpPr>
+                <a:spLocks noGrp="1" noRot="1" noChangeAspect="1" noMove="1" noResize="1" noEditPoints="1" noAdjustHandles="1" noChangeArrowheads="1" noChangeShapeType="1" noTextEdit="1"/>
+              </p:cNvSpPr>
+              <p:nvPr>
+                <p:ph idx="1"/>
+              </p:nvPr>
+            </p:nvSpPr>
+            <p:spPr>
+              <a:blipFill>
+                <a:blip r:embed="rId2"/>
+                <a:stretch>
+                  <a:fillRect l="-552" r="-55" b="-1493"/>
+                </a:stretch>
+              </a:blipFill>
+            </p:spPr>
+            <p:txBody>
+              <a:bodyPr/>
+              <a:lstStyle/>
+              <a:p>
+                <a:r>
+                  <a:rPr lang="en-US">
+                    <a:noFill/>
+                  </a:rPr>
+                  <a:t> </a:t>
+                </a:r>
+              </a:p>
+            </p:txBody>
+          </p:sp>
+        </mc:Fallback>
+      </mc:AlternateContent>
+    </p:spTree>
+    <p:extLst>
+      <p:ext uri="{BB962C8B-B14F-4D97-AF65-F5344CB8AC3E}">
+        <p14:creationId xmlns:p14="http://schemas.microsoft.com/office/powerpoint/2010/main" val="3400583143"/>
+      </p:ext>
+    </p:extLst>
+  </p:cSld>
+  <p:clrMapOvr>
+    <a:masterClrMapping/>
+  </p:clrMapOvr>
+</p:sld>
+</file>
+
 <file path=ppt/slides/slide3.xml><?xml version="1.0" encoding="utf-8"?>
 <p:sld xmlns:a="http://schemas.openxmlformats.org/drawingml/2006/main" xmlns:r="http://schemas.openxmlformats.org/officeDocument/2006/relationships" xmlns:p="http://schemas.openxmlformats.org/presentationml/2006/main">
   <p:cSld>
@@ -11126,18 +14616,66 @@
       </p:grpSpPr>
       <p:sp>
         <p:nvSpPr>
-          <p:cNvPr id="2" name="Title 1">
+          <p:cNvPr id="2" name="Title 1"/>
+          <p:cNvSpPr>
+            <a:spLocks noGrp="1"/>
+          </p:cNvSpPr>
+          <p:nvPr>
+            <p:ph type="title"/>
+          </p:nvPr>
+        </p:nvSpPr>
+        <p:spPr/>
+        <p:txBody>
+          <a:bodyPr/>
+          <a:lstStyle/>
+          <a:p>
+            <a:r>
+              <a:rPr lang="en-US" dirty="0"/>
+              <a:t>Relative Cell References</a:t>
+            </a:r>
+          </a:p>
+        </p:txBody>
+      </p:sp>
+      <p:pic>
+        <p:nvPicPr>
+          <p:cNvPr id="6" name="Content Placeholder 35">
             <a:extLst>
               <a:ext uri="{FF2B5EF4-FFF2-40B4-BE49-F238E27FC236}">
-                <a16:creationId xmlns:a16="http://schemas.microsoft.com/office/drawing/2014/main" id="{6EC00940-47C3-48D3-8D1C-7F94B1383235}"/>
+                <a16:creationId xmlns:a16="http://schemas.microsoft.com/office/drawing/2014/main" id="{6788353C-B352-478A-ACC2-87E0F6F13376}"/>
               </a:ext>
             </a:extLst>
           </p:cNvPr>
-          <p:cNvSpPr>
-            <a:spLocks noGrp="1"/>
-          </p:cNvSpPr>
-          <p:nvPr>
-            <p:ph type="title"/>
+          <p:cNvPicPr>
+            <a:picLocks noGrp="1" noChangeAspect="1"/>
+          </p:cNvPicPr>
+          <p:nvPr>
+            <p:ph idx="1"/>
+          </p:nvPr>
+        </p:nvPicPr>
+        <p:blipFill>
+          <a:blip r:embed="rId2"/>
+          <a:stretch>
+            <a:fillRect/>
+          </a:stretch>
+        </p:blipFill>
+        <p:spPr>
+          <a:xfrm>
+            <a:off x="2127160" y="2645577"/>
+            <a:ext cx="7937680" cy="2749534"/>
+          </a:xfrm>
+          <a:prstGeom prst="rect">
+            <a:avLst/>
+          </a:prstGeom>
+        </p:spPr>
+      </p:pic>
+      <p:sp>
+        <p:nvSpPr>
+          <p:cNvPr id="4" name="Slide Number Placeholder 3"/>
+          <p:cNvSpPr>
+            <a:spLocks noGrp="1"/>
+          </p:cNvSpPr>
+          <p:nvPr>
+            <p:ph type="sldNum" sz="quarter" idx="12"/>
           </p:nvPr>
         </p:nvSpPr>
         <p:spPr/>
@@ -11145,65 +14683,19 @@
           <a:bodyPr/>
           <a:lstStyle/>
           <a:p>
-            <a:r>
-              <a:rPr lang="en-US" dirty="0"/>
-              <a:t>Background</a:t>
-            </a:r>
-          </a:p>
-        </p:txBody>
-      </p:sp>
-      <p:sp>
-        <p:nvSpPr>
-          <p:cNvPr id="3" name="Content Placeholder 2">
-            <a:extLst>
-              <a:ext uri="{FF2B5EF4-FFF2-40B4-BE49-F238E27FC236}">
-                <a16:creationId xmlns:a16="http://schemas.microsoft.com/office/drawing/2014/main" id="{A6408B2F-DD41-45EC-9146-F31C84DA624E}"/>
-              </a:ext>
-            </a:extLst>
-          </p:cNvPr>
-          <p:cNvSpPr>
-            <a:spLocks noGrp="1"/>
-          </p:cNvSpPr>
-          <p:nvPr>
-            <p:ph idx="1"/>
-          </p:nvPr>
-        </p:nvSpPr>
-        <p:spPr/>
-        <p:txBody>
-          <a:bodyPr>
-            <a:normAutofit/>
-          </a:bodyPr>
-          <a:lstStyle/>
-          <a:p>
-            <a:r>
-              <a:rPr lang="en-US" dirty="0"/>
-              <a:t>It is January 1st, 2019. Through your discussions, you discover that sufficiently many claims for a given calendar year will be reported in 3 years.</a:t>
-            </a:r>
-          </a:p>
-          <a:p>
-            <a:r>
-              <a:rPr lang="en-US" dirty="0"/>
-              <a:t>Therefore, you have enough reliable data to analyze 2014 and 2015. However, volume of claims and policy in 2014 are fairly low.</a:t>
-            </a:r>
-          </a:p>
-          <a:p>
-            <a:r>
-              <a:rPr lang="en-US" dirty="0"/>
-              <a:t>Thus, you are to conduct an analysis of premiums and claims for policy year 2015.</a:t>
-            </a:r>
-          </a:p>
-          <a:p>
-            <a:r>
-              <a:rPr lang="en-US" dirty="0"/>
-              <a:t>For your convenience, the relevant policy data and claims data have been extracted from the full data tables.</a:t>
-            </a:r>
+            <a:fld id="{D57F1E4F-1CFF-5643-939E-217C01CDF565}" type="slidenum">
+              <a:rPr lang="en-US" smtClean="0"/>
+              <a:pPr/>
+              <a:t>3</a:t>
+            </a:fld>
+            <a:endParaRPr lang="en-US" dirty="0"/>
           </a:p>
         </p:txBody>
       </p:sp>
     </p:spTree>
     <p:extLst>
       <p:ext uri="{BB962C8B-B14F-4D97-AF65-F5344CB8AC3E}">
-        <p14:creationId xmlns:p14="http://schemas.microsoft.com/office/powerpoint/2010/main" val="2978352188"/>
+        <p14:creationId xmlns:p14="http://schemas.microsoft.com/office/powerpoint/2010/main" val="1822786140"/>
       </p:ext>
     </p:extLst>
   </p:cSld>
@@ -11232,18 +14724,66 @@
       </p:grpSpPr>
       <p:sp>
         <p:nvSpPr>
-          <p:cNvPr id="2" name="Title 1">
+          <p:cNvPr id="2" name="Title 1"/>
+          <p:cNvSpPr>
+            <a:spLocks noGrp="1"/>
+          </p:cNvSpPr>
+          <p:nvPr>
+            <p:ph type="title"/>
+          </p:nvPr>
+        </p:nvSpPr>
+        <p:spPr/>
+        <p:txBody>
+          <a:bodyPr/>
+          <a:lstStyle/>
+          <a:p>
+            <a:r>
+              <a:rPr lang="en-US" dirty="0"/>
+              <a:t>Absolute Cell References</a:t>
+            </a:r>
+          </a:p>
+        </p:txBody>
+      </p:sp>
+      <p:pic>
+        <p:nvPicPr>
+          <p:cNvPr id="6" name="Content Placeholder 23">
             <a:extLst>
               <a:ext uri="{FF2B5EF4-FFF2-40B4-BE49-F238E27FC236}">
-                <a16:creationId xmlns:a16="http://schemas.microsoft.com/office/drawing/2014/main" id="{6EC00940-47C3-48D3-8D1C-7F94B1383235}"/>
+                <a16:creationId xmlns:a16="http://schemas.microsoft.com/office/drawing/2014/main" id="{36125757-CA92-4CF5-AC59-9FAFE8ED99D6}"/>
               </a:ext>
             </a:extLst>
           </p:cNvPr>
-          <p:cNvSpPr>
-            <a:spLocks noGrp="1"/>
-          </p:cNvSpPr>
-          <p:nvPr>
-            <p:ph type="title"/>
+          <p:cNvPicPr>
+            <a:picLocks noGrp="1" noChangeAspect="1"/>
+          </p:cNvPicPr>
+          <p:nvPr>
+            <p:ph idx="1"/>
+          </p:nvPr>
+        </p:nvPicPr>
+        <p:blipFill>
+          <a:blip r:embed="rId2"/>
+          <a:stretch>
+            <a:fillRect/>
+          </a:stretch>
+        </p:blipFill>
+        <p:spPr>
+          <a:xfrm>
+            <a:off x="2114967" y="2657770"/>
+            <a:ext cx="7962066" cy="2725148"/>
+          </a:xfrm>
+          <a:prstGeom prst="rect">
+            <a:avLst/>
+          </a:prstGeom>
+        </p:spPr>
+      </p:pic>
+      <p:sp>
+        <p:nvSpPr>
+          <p:cNvPr id="4" name="Slide Number Placeholder 3"/>
+          <p:cNvSpPr>
+            <a:spLocks noGrp="1"/>
+          </p:cNvSpPr>
+          <p:nvPr>
+            <p:ph type="sldNum" sz="quarter" idx="12"/>
           </p:nvPr>
         </p:nvSpPr>
         <p:spPr/>
@@ -11251,69 +14791,19 @@
           <a:bodyPr/>
           <a:lstStyle/>
           <a:p>
-            <a:r>
-              <a:rPr lang="en-US" dirty="0"/>
-              <a:t>Background</a:t>
-            </a:r>
-          </a:p>
-        </p:txBody>
-      </p:sp>
-      <p:sp>
-        <p:nvSpPr>
-          <p:cNvPr id="3" name="Content Placeholder 2">
-            <a:extLst>
-              <a:ext uri="{FF2B5EF4-FFF2-40B4-BE49-F238E27FC236}">
-                <a16:creationId xmlns:a16="http://schemas.microsoft.com/office/drawing/2014/main" id="{A6408B2F-DD41-45EC-9146-F31C84DA624E}"/>
-              </a:ext>
-            </a:extLst>
-          </p:cNvPr>
-          <p:cNvSpPr>
-            <a:spLocks noGrp="1"/>
-          </p:cNvSpPr>
-          <p:nvPr>
-            <p:ph idx="1"/>
-          </p:nvPr>
-        </p:nvSpPr>
-        <p:spPr/>
-        <p:txBody>
-          <a:bodyPr>
-            <a:normAutofit/>
-          </a:bodyPr>
-          <a:lstStyle/>
-          <a:p>
-            <a:r>
-              <a:rPr lang="en-US" dirty="0"/>
-              <a:t>Management's target loss ratio is 85%.</a:t>
-            </a:r>
-          </a:p>
-          <a:p>
-            <a:r>
-              <a:rPr lang="en-US" dirty="0"/>
-              <a:t>Conduct an analysis of 2015 data and, based on your results, recommend an alternative rating algorithm to use in the future, if claims in 2016-2018 are similar to those in 2015.</a:t>
-            </a:r>
-          </a:p>
-          <a:p>
-            <a:r>
-              <a:rPr lang="en-US" dirty="0" err="1"/>
-              <a:t>Backtest</a:t>
-            </a:r>
-            <a:r>
-              <a:rPr lang="en-US" dirty="0"/>
-              <a:t> your new rating algorithm on data from 2014.</a:t>
-            </a:r>
-          </a:p>
-          <a:p>
-            <a:r>
-              <a:rPr lang="en-US" dirty="0"/>
-              <a:t>Determine whether the rates you have set are feasible on the data from policy year 2014, and state the overall loss ratio on that sheet.</a:t>
-            </a:r>
+            <a:fld id="{D57F1E4F-1CFF-5643-939E-217C01CDF565}" type="slidenum">
+              <a:rPr lang="en-US" smtClean="0"/>
+              <a:pPr/>
+              <a:t>4</a:t>
+            </a:fld>
+            <a:endParaRPr lang="en-US" dirty="0"/>
           </a:p>
         </p:txBody>
       </p:sp>
     </p:spTree>
     <p:extLst>
       <p:ext uri="{BB962C8B-B14F-4D97-AF65-F5344CB8AC3E}">
-        <p14:creationId xmlns:p14="http://schemas.microsoft.com/office/powerpoint/2010/main" val="3939379380"/>
+        <p14:creationId xmlns:p14="http://schemas.microsoft.com/office/powerpoint/2010/main" val="3698569537"/>
       </p:ext>
     </p:extLst>
   </p:cSld>
@@ -11342,13 +14832,7 @@
       </p:grpSpPr>
       <p:sp>
         <p:nvSpPr>
-          <p:cNvPr id="2" name="Title 1">
-            <a:extLst>
-              <a:ext uri="{FF2B5EF4-FFF2-40B4-BE49-F238E27FC236}">
-                <a16:creationId xmlns:a16="http://schemas.microsoft.com/office/drawing/2014/main" id="{FCD1466A-BF20-4380-A083-3D22E73ACEFE}"/>
-              </a:ext>
-            </a:extLst>
-          </p:cNvPr>
+          <p:cNvPr id="2" name="Title 1"/>
           <p:cNvSpPr>
             <a:spLocks noGrp="1"/>
           </p:cNvSpPr>
@@ -11363,49 +14847,19 @@
           <a:p>
             <a:r>
               <a:rPr lang="en-US" dirty="0"/>
-              <a:t>IF(</a:t>
-            </a:r>
-            <a:r>
-              <a:rPr lang="en-US" dirty="0" err="1"/>
-              <a:t>logical_test</a:t>
-            </a:r>
-            <a:r>
-              <a:rPr lang="en-US" dirty="0"/>
-              <a:t>, [</a:t>
-            </a:r>
-            <a:r>
-              <a:rPr lang="en-US" dirty="0" err="1"/>
-              <a:t>value_if_true</a:t>
-            </a:r>
-            <a:r>
-              <a:rPr lang="en-US" dirty="0"/>
-              <a:t>], [</a:t>
-            </a:r>
-            <a:r>
-              <a:rPr lang="en-US" dirty="0" err="1"/>
-              <a:t>value_if_false</a:t>
-            </a:r>
-            <a:r>
-              <a:rPr lang="en-US" dirty="0"/>
-              <a:t>])</a:t>
+              <a:t>Mixed Cell References</a:t>
             </a:r>
           </a:p>
         </p:txBody>
       </p:sp>
       <p:pic>
         <p:nvPicPr>
-          <p:cNvPr id="4" name="Content Placeholder 3">
-            <a:extLst>
-              <a:ext uri="{FF2B5EF4-FFF2-40B4-BE49-F238E27FC236}">
-                <a16:creationId xmlns:a16="http://schemas.microsoft.com/office/drawing/2014/main" id="{089A6205-1C95-42F2-85C0-19D361952AE2}"/>
-              </a:ext>
-            </a:extLst>
-          </p:cNvPr>
+          <p:cNvPr id="17" name="Content Placeholder 16"/>
           <p:cNvPicPr>
             <a:picLocks noGrp="1" noChangeAspect="1"/>
           </p:cNvPicPr>
           <p:nvPr>
-            <p:ph sz="half" idx="1"/>
+            <p:ph idx="1"/>
           </p:nvPr>
         </p:nvPicPr>
         <p:blipFill>
@@ -11416,8 +14870,8 @@
         </p:blipFill>
         <p:spPr>
           <a:xfrm>
-            <a:off x="892175" y="2639219"/>
-            <a:ext cx="4800600" cy="2809875"/>
+            <a:off x="2114967" y="2624239"/>
+            <a:ext cx="7962066" cy="2792210"/>
           </a:xfrm>
           <a:prstGeom prst="rect">
             <a:avLst/>
@@ -11426,128 +14880,61 @@
       </p:pic>
       <p:sp>
         <p:nvSpPr>
-          <p:cNvPr id="5" name="Content Placeholder 4">
-            <a:extLst>
-              <a:ext uri="{FF2B5EF4-FFF2-40B4-BE49-F238E27FC236}">
-                <a16:creationId xmlns:a16="http://schemas.microsoft.com/office/drawing/2014/main" id="{C7986401-9D21-49D0-ABE0-FCB49BC7CDB2}"/>
-              </a:ext>
-            </a:extLst>
-          </p:cNvPr>
-          <p:cNvSpPr>
-            <a:spLocks noGrp="1"/>
-          </p:cNvSpPr>
-          <p:nvPr>
-            <p:ph sz="half" idx="2"/>
+          <p:cNvPr id="4" name="Slide Number Placeholder 3"/>
+          <p:cNvSpPr>
+            <a:spLocks noGrp="1"/>
+          </p:cNvSpPr>
+          <p:nvPr>
+            <p:ph type="sldNum" sz="quarter" idx="12"/>
           </p:nvPr>
         </p:nvSpPr>
         <p:spPr/>
         <p:txBody>
-          <a:bodyPr>
-            <a:normAutofit/>
+          <a:bodyPr/>
+          <a:lstStyle/>
+          <a:p>
+            <a:fld id="{D57F1E4F-1CFF-5643-939E-217C01CDF565}" type="slidenum">
+              <a:rPr lang="en-US" smtClean="0"/>
+              <a:pPr/>
+              <a:t>5</a:t>
+            </a:fld>
+            <a:endParaRPr lang="en-US" dirty="0"/>
+          </a:p>
+        </p:txBody>
+      </p:sp>
+      <p:sp>
+        <p:nvSpPr>
+          <p:cNvPr id="15" name="TextBox 14"/>
+          <p:cNvSpPr txBox="1"/>
+          <p:nvPr/>
+        </p:nvSpPr>
+        <p:spPr>
+          <a:xfrm>
+            <a:off x="1154953" y="5709920"/>
+            <a:ext cx="10035786" cy="369332"/>
+          </a:xfrm>
+          <a:prstGeom prst="rect">
+            <a:avLst/>
+          </a:prstGeom>
+          <a:noFill/>
+        </p:spPr>
+        <p:txBody>
+          <a:bodyPr wrap="square" rtlCol="0">
+            <a:spAutoFit/>
           </a:bodyPr>
           <a:lstStyle/>
           <a:p>
             <a:r>
               <a:rPr lang="en-US" dirty="0"/>
-              <a:t>If </a:t>
+              <a:t>Here, the black arrow does not indicate a relative shift, but an </a:t>
             </a:r>
             <a:r>
               <a:rPr lang="en-US" b="1" dirty="0"/>
-              <a:t>[</a:t>
-            </a:r>
-            <a:r>
-              <a:rPr lang="en-US" b="1" dirty="0" err="1"/>
-              <a:t>value_if_true</a:t>
-            </a:r>
-            <a:r>
-              <a:rPr lang="en-US" b="1" dirty="0"/>
-              <a:t>]</a:t>
+              <a:t>absolute</a:t>
             </a:r>
             <a:r>
               <a:rPr lang="en-US" dirty="0"/>
-              <a:t> or </a:t>
-            </a:r>
-            <a:r>
-              <a:rPr lang="en-US" b="1" dirty="0"/>
-              <a:t>[</a:t>
-            </a:r>
-            <a:r>
-              <a:rPr lang="en-US" b="1" dirty="0" err="1"/>
-              <a:t>value_if_false</a:t>
-            </a:r>
-            <a:r>
-              <a:rPr lang="en-US" b="1" dirty="0"/>
-              <a:t>] </a:t>
-            </a:r>
-            <a:r>
-              <a:rPr lang="en-US" dirty="0"/>
-              <a:t>are not given, they default to TRUE and FALSE</a:t>
-            </a:r>
-          </a:p>
-          <a:p>
-            <a:r>
-              <a:rPr lang="en-US" dirty="0"/>
-              <a:t>If </a:t>
-            </a:r>
-            <a:r>
-              <a:rPr lang="en-US" b="1" dirty="0" err="1"/>
-              <a:t>logical_test</a:t>
-            </a:r>
-            <a:r>
-              <a:rPr lang="en-US" b="1" dirty="0"/>
-              <a:t> </a:t>
-            </a:r>
-            <a:r>
-              <a:rPr lang="en-US" dirty="0"/>
-              <a:t>is true, output is </a:t>
-            </a:r>
-            <a:r>
-              <a:rPr lang="en-US" b="1" dirty="0"/>
-              <a:t>[</a:t>
-            </a:r>
-            <a:r>
-              <a:rPr lang="en-US" b="1" dirty="0" err="1"/>
-              <a:t>value_if_true</a:t>
-            </a:r>
-            <a:r>
-              <a:rPr lang="en-US" b="1" dirty="0"/>
-              <a:t>]</a:t>
-            </a:r>
-          </a:p>
-          <a:p>
-            <a:r>
-              <a:rPr lang="en-US" dirty="0"/>
-              <a:t>If </a:t>
-            </a:r>
-            <a:r>
-              <a:rPr lang="en-US" b="1" dirty="0" err="1"/>
-              <a:t>logical_test</a:t>
-            </a:r>
-            <a:r>
-              <a:rPr lang="en-US" b="1" dirty="0"/>
-              <a:t> </a:t>
-            </a:r>
-            <a:r>
-              <a:rPr lang="en-US" dirty="0"/>
-              <a:t>is false, output is </a:t>
-            </a:r>
-            <a:r>
-              <a:rPr lang="en-US" b="1" dirty="0"/>
-              <a:t>[</a:t>
-            </a:r>
-            <a:r>
-              <a:rPr lang="en-US" b="1" dirty="0" err="1"/>
-              <a:t>value_if_false</a:t>
-            </a:r>
-            <a:r>
-              <a:rPr lang="en-US" b="1" dirty="0"/>
-              <a:t>]</a:t>
-            </a:r>
-          </a:p>
-          <a:p>
-            <a:r>
-              <a:rPr lang="en-US" dirty="0"/>
-              <a:t>IF statements can be nested</a:t>
+              <a:t> shift to row 3.</a:t>
             </a:r>
           </a:p>
         </p:txBody>
@@ -11555,7 +14942,7 @@
     </p:spTree>
     <p:extLst>
       <p:ext uri="{BB962C8B-B14F-4D97-AF65-F5344CB8AC3E}">
-        <p14:creationId xmlns:p14="http://schemas.microsoft.com/office/powerpoint/2010/main" val="3669012229"/>
+        <p14:creationId xmlns:p14="http://schemas.microsoft.com/office/powerpoint/2010/main" val="4172560231"/>
       </p:ext>
     </p:extLst>
   </p:cSld>
@@ -11599,17 +14986,17 @@
           <a:p>
             <a:r>
               <a:rPr lang="en-US" dirty="0"/>
-              <a:t>Relative Cell References</a:t>
+              <a:t>Mixed Cell References</a:t>
             </a:r>
           </a:p>
         </p:txBody>
       </p:sp>
       <p:pic>
         <p:nvPicPr>
-          <p:cNvPr id="6" name="Content Placeholder 35">
+          <p:cNvPr id="7" name="Content Placeholder 25">
             <a:extLst>
               <a:ext uri="{FF2B5EF4-FFF2-40B4-BE49-F238E27FC236}">
-                <a16:creationId xmlns:a16="http://schemas.microsoft.com/office/drawing/2014/main" id="{6788353C-B352-478A-ACC2-87E0F6F13376}"/>
+                <a16:creationId xmlns:a16="http://schemas.microsoft.com/office/drawing/2014/main" id="{89A32C09-2165-49A6-A7FE-ED2BDF77FED6}"/>
               </a:ext>
             </a:extLst>
           </p:cNvPr>
@@ -11628,8 +15015,8 @@
         </p:blipFill>
         <p:spPr>
           <a:xfrm>
-            <a:off x="2127160" y="2645577"/>
-            <a:ext cx="7937680" cy="2749534"/>
+            <a:off x="2072291" y="2627287"/>
+            <a:ext cx="8047417" cy="2786113"/>
           </a:xfrm>
           <a:prstGeom prst="rect">
             <a:avLst/>
@@ -11660,10 +15047,47 @@
           </a:p>
         </p:txBody>
       </p:sp>
+      <p:sp>
+        <p:nvSpPr>
+          <p:cNvPr id="15" name="TextBox 14"/>
+          <p:cNvSpPr txBox="1"/>
+          <p:nvPr/>
+        </p:nvSpPr>
+        <p:spPr>
+          <a:xfrm>
+            <a:off x="1016001" y="5689600"/>
+            <a:ext cx="10174738" cy="369332"/>
+          </a:xfrm>
+          <a:prstGeom prst="rect">
+            <a:avLst/>
+          </a:prstGeom>
+          <a:noFill/>
+        </p:spPr>
+        <p:txBody>
+          <a:bodyPr wrap="square" rtlCol="0">
+            <a:spAutoFit/>
+          </a:bodyPr>
+          <a:lstStyle/>
+          <a:p>
+            <a:r>
+              <a:rPr lang="en-US" dirty="0"/>
+              <a:t>Here, the black/gray arrows do not indicate relative shifts, but </a:t>
+            </a:r>
+            <a:r>
+              <a:rPr lang="en-US" b="1" dirty="0"/>
+              <a:t>absolute</a:t>
+            </a:r>
+            <a:r>
+              <a:rPr lang="en-US" dirty="0"/>
+              <a:t> shifts to column D.</a:t>
+            </a:r>
+          </a:p>
+        </p:txBody>
+      </p:sp>
     </p:spTree>
     <p:extLst>
       <p:ext uri="{BB962C8B-B14F-4D97-AF65-F5344CB8AC3E}">
-        <p14:creationId xmlns:p14="http://schemas.microsoft.com/office/powerpoint/2010/main" val="1822786140"/>
+        <p14:creationId xmlns:p14="http://schemas.microsoft.com/office/powerpoint/2010/main" val="4095489140"/>
       </p:ext>
     </p:extLst>
   </p:cSld>
@@ -11692,7 +15116,13 @@
       </p:grpSpPr>
       <p:sp>
         <p:nvSpPr>
-          <p:cNvPr id="2" name="Title 1"/>
+          <p:cNvPr id="2" name="Title 1">
+            <a:extLst>
+              <a:ext uri="{FF2B5EF4-FFF2-40B4-BE49-F238E27FC236}">
+                <a16:creationId xmlns:a16="http://schemas.microsoft.com/office/drawing/2014/main" id="{295CC7CC-D629-43BB-9648-23A27CA67927}"/>
+              </a:ext>
+            </a:extLst>
+          </p:cNvPr>
           <p:cNvSpPr>
             <a:spLocks noGrp="1"/>
           </p:cNvSpPr>
@@ -11702,22 +15132,31 @@
         </p:nvSpPr>
         <p:spPr/>
         <p:txBody>
-          <a:bodyPr/>
+          <a:bodyPr>
+            <a:normAutofit fontScale="90000"/>
+          </a:bodyPr>
           <a:lstStyle/>
           <a:p>
             <a:r>
               <a:rPr lang="en-US" dirty="0"/>
-              <a:t>Absolute Cell References</a:t>
+              <a:t>SUM(number1, [number2], …)</a:t>
+            </a:r>
+            <a:br>
+              <a:rPr lang="en-US" dirty="0"/>
+            </a:br>
+            <a:r>
+              <a:rPr lang="en-US" dirty="0"/>
+              <a:t>PRODUCT(number1, [number2], …)</a:t>
             </a:r>
           </a:p>
         </p:txBody>
       </p:sp>
       <p:pic>
         <p:nvPicPr>
-          <p:cNvPr id="6" name="Content Placeholder 23">
+          <p:cNvPr id="9" name="Content Placeholder 8">
             <a:extLst>
               <a:ext uri="{FF2B5EF4-FFF2-40B4-BE49-F238E27FC236}">
-                <a16:creationId xmlns:a16="http://schemas.microsoft.com/office/drawing/2014/main" id="{36125757-CA92-4CF5-AC59-9FAFE8ED99D6}"/>
+                <a16:creationId xmlns:a16="http://schemas.microsoft.com/office/drawing/2014/main" id="{889C851A-E085-4D80-B866-175675303805}"/>
               </a:ext>
             </a:extLst>
           </p:cNvPr>
@@ -11725,7 +15164,7 @@
             <a:picLocks noGrp="1" noChangeAspect="1"/>
           </p:cNvPicPr>
           <p:nvPr>
-            <p:ph idx="1"/>
+            <p:ph sz="half" idx="1"/>
           </p:nvPr>
         </p:nvPicPr>
         <p:blipFill>
@@ -11736,8 +15175,8 @@
         </p:blipFill>
         <p:spPr>
           <a:xfrm>
-            <a:off x="2114967" y="2657770"/>
-            <a:ext cx="7962066" cy="2725148"/>
+            <a:off x="581025" y="2912007"/>
+            <a:ext cx="5422900" cy="2264298"/>
           </a:xfrm>
           <a:prstGeom prst="rect">
             <a:avLst/>
@@ -11746,12 +15185,18 @@
       </p:pic>
       <p:sp>
         <p:nvSpPr>
-          <p:cNvPr id="4" name="Slide Number Placeholder 3"/>
-          <p:cNvSpPr>
-            <a:spLocks noGrp="1"/>
-          </p:cNvSpPr>
-          <p:nvPr>
-            <p:ph type="sldNum" sz="quarter" idx="12"/>
+          <p:cNvPr id="5" name="Content Placeholder 4">
+            <a:extLst>
+              <a:ext uri="{FF2B5EF4-FFF2-40B4-BE49-F238E27FC236}">
+                <a16:creationId xmlns:a16="http://schemas.microsoft.com/office/drawing/2014/main" id="{2E6B0D21-88F3-4FB7-B053-715B364F51B2}"/>
+              </a:ext>
+            </a:extLst>
+          </p:cNvPr>
+          <p:cNvSpPr>
+            <a:spLocks noGrp="1"/>
+          </p:cNvSpPr>
+          <p:nvPr>
+            <p:ph sz="half" idx="2"/>
           </p:nvPr>
         </p:nvSpPr>
         <p:spPr/>
@@ -11759,19 +15204,25 @@
           <a:bodyPr/>
           <a:lstStyle/>
           <a:p>
-            <a:fld id="{D57F1E4F-1CFF-5643-939E-217C01CDF565}" type="slidenum">
-              <a:rPr lang="en-US" smtClean="0"/>
-              <a:pPr/>
-              <a:t>7</a:t>
-            </a:fld>
-            <a:endParaRPr lang="en-US" dirty="0"/>
+            <a:r>
+              <a:rPr lang="en-US" dirty="0"/>
+              <a:t>Each of the </a:t>
+            </a:r>
+            <a:r>
+              <a:rPr lang="en-US" b="1" dirty="0"/>
+              <a:t>number</a:t>
+            </a:r>
+            <a:r>
+              <a:rPr lang="en-US" dirty="0"/>
+              <a:t>s can be either a reference to a single cell or to a range</a:t>
+            </a:r>
           </a:p>
         </p:txBody>
       </p:sp>
     </p:spTree>
     <p:extLst>
       <p:ext uri="{BB962C8B-B14F-4D97-AF65-F5344CB8AC3E}">
-        <p14:creationId xmlns:p14="http://schemas.microsoft.com/office/powerpoint/2010/main" val="3698569537"/>
+        <p14:creationId xmlns:p14="http://schemas.microsoft.com/office/powerpoint/2010/main" val="642418792"/>
       </p:ext>
     </p:extLst>
   </p:cSld>
@@ -11800,7 +15251,13 @@
       </p:grpSpPr>
       <p:sp>
         <p:nvSpPr>
-          <p:cNvPr id="2" name="Title 1"/>
+          <p:cNvPr id="2" name="Title 1">
+            <a:extLst>
+              <a:ext uri="{FF2B5EF4-FFF2-40B4-BE49-F238E27FC236}">
+                <a16:creationId xmlns:a16="http://schemas.microsoft.com/office/drawing/2014/main" id="{436F8FE5-4FF3-42C3-926F-8DC2533C00C2}"/>
+              </a:ext>
+            </a:extLst>
+          </p:cNvPr>
           <p:cNvSpPr>
             <a:spLocks noGrp="1"/>
           </p:cNvSpPr>
@@ -11810,99 +15267,129 @@
         </p:nvSpPr>
         <p:spPr/>
         <p:txBody>
-          <a:bodyPr/>
-          <a:lstStyle/>
-          <a:p>
-            <a:r>
-              <a:rPr lang="en-US" dirty="0"/>
-              <a:t>Mixed Cell References</a:t>
-            </a:r>
-          </a:p>
-        </p:txBody>
-      </p:sp>
-      <p:pic>
-        <p:nvPicPr>
-          <p:cNvPr id="17" name="Content Placeholder 16"/>
-          <p:cNvPicPr>
-            <a:picLocks noGrp="1" noChangeAspect="1"/>
-          </p:cNvPicPr>
-          <p:nvPr>
-            <p:ph idx="1"/>
-          </p:nvPr>
-        </p:nvPicPr>
-        <p:blipFill>
-          <a:blip r:embed="rId2"/>
-          <a:stretch>
-            <a:fillRect/>
-          </a:stretch>
-        </p:blipFill>
-        <p:spPr>
-          <a:xfrm>
-            <a:off x="2114967" y="2624239"/>
-            <a:ext cx="7962066" cy="2792210"/>
-          </a:xfrm>
-          <a:prstGeom prst="rect">
-            <a:avLst/>
-          </a:prstGeom>
-        </p:spPr>
-      </p:pic>
-      <p:sp>
-        <p:nvSpPr>
-          <p:cNvPr id="4" name="Slide Number Placeholder 3"/>
-          <p:cNvSpPr>
-            <a:spLocks noGrp="1"/>
-          </p:cNvSpPr>
-          <p:nvPr>
-            <p:ph type="sldNum" sz="quarter" idx="12"/>
-          </p:nvPr>
-        </p:nvSpPr>
-        <p:spPr/>
-        <p:txBody>
-          <a:bodyPr/>
-          <a:lstStyle/>
-          <a:p>
-            <a:fld id="{D57F1E4F-1CFF-5643-939E-217C01CDF565}" type="slidenum">
-              <a:rPr lang="en-US" smtClean="0"/>
-              <a:pPr/>
-              <a:t>8</a:t>
-            </a:fld>
-            <a:endParaRPr lang="en-US" dirty="0"/>
-          </a:p>
-        </p:txBody>
-      </p:sp>
-      <p:sp>
-        <p:nvSpPr>
-          <p:cNvPr id="15" name="TextBox 14"/>
-          <p:cNvSpPr txBox="1"/>
-          <p:nvPr/>
-        </p:nvSpPr>
-        <p:spPr>
-          <a:xfrm>
-            <a:off x="1154953" y="5709920"/>
-            <a:ext cx="10035786" cy="369332"/>
-          </a:xfrm>
-          <a:prstGeom prst="rect">
-            <a:avLst/>
-          </a:prstGeom>
-          <a:noFill/>
-        </p:spPr>
-        <p:txBody>
-          <a:bodyPr wrap="square" rtlCol="0">
-            <a:spAutoFit/>
+          <a:bodyPr>
+            <a:normAutofit fontScale="90000"/>
           </a:bodyPr>
           <a:lstStyle/>
           <a:p>
             <a:r>
               <a:rPr lang="en-US" dirty="0"/>
-              <a:t>Here, the black arrow does not indicate a relative shift, but an </a:t>
+              <a:t>VLOOKUP(</a:t>
+            </a:r>
+            <a:r>
+              <a:rPr lang="en-US" dirty="0" err="1"/>
+              <a:t>lookup_value</a:t>
+            </a:r>
+            <a:r>
+              <a:rPr lang="en-US" dirty="0"/>
+              <a:t>, </a:t>
+            </a:r>
+            <a:r>
+              <a:rPr lang="en-US" dirty="0" err="1"/>
+              <a:t>table_array</a:t>
+            </a:r>
+            <a:r>
+              <a:rPr lang="en-US" dirty="0"/>
+              <a:t>, </a:t>
+            </a:r>
+            <a:r>
+              <a:rPr lang="en-US" dirty="0" err="1"/>
+              <a:t>col_index_num</a:t>
+            </a:r>
+            <a:r>
+              <a:rPr lang="en-US" dirty="0"/>
+              <a:t>, [</a:t>
+            </a:r>
+            <a:r>
+              <a:rPr lang="en-US" dirty="0" err="1"/>
+              <a:t>range_lookup</a:t>
+            </a:r>
+            <a:r>
+              <a:rPr lang="en-US" dirty="0"/>
+              <a:t>])</a:t>
+            </a:r>
+          </a:p>
+        </p:txBody>
+      </p:sp>
+      <p:sp>
+        <p:nvSpPr>
+          <p:cNvPr id="5" name="Content Placeholder 4">
+            <a:extLst>
+              <a:ext uri="{FF2B5EF4-FFF2-40B4-BE49-F238E27FC236}">
+                <a16:creationId xmlns:a16="http://schemas.microsoft.com/office/drawing/2014/main" id="{243C17C3-7666-4E03-BBA5-963BF35FDB79}"/>
+              </a:ext>
+            </a:extLst>
+          </p:cNvPr>
+          <p:cNvSpPr>
+            <a:spLocks noGrp="1"/>
+          </p:cNvSpPr>
+          <p:nvPr>
+            <p:ph idx="1"/>
+          </p:nvPr>
+        </p:nvSpPr>
+        <p:spPr/>
+        <p:txBody>
+          <a:bodyPr>
+            <a:normAutofit/>
+          </a:bodyPr>
+          <a:lstStyle/>
+          <a:p>
+            <a:r>
+              <a:rPr lang="en-US" dirty="0"/>
+              <a:t>Looks for </a:t>
+            </a:r>
+            <a:r>
+              <a:rPr lang="en-US" b="1" dirty="0" err="1"/>
+              <a:t>lookup_value</a:t>
             </a:r>
             <a:r>
               <a:rPr lang="en-US" b="1" dirty="0"/>
-              <a:t>absolute</a:t>
+              <a:t> </a:t>
             </a:r>
             <a:r>
               <a:rPr lang="en-US" dirty="0"/>
-              <a:t> shift to row 3.</a:t>
+              <a:t>in the first column of </a:t>
+            </a:r>
+            <a:r>
+              <a:rPr lang="en-US" b="1" dirty="0" err="1"/>
+              <a:t>table_array</a:t>
+            </a:r>
+            <a:endParaRPr lang="en-US" b="1" dirty="0"/>
+          </a:p>
+          <a:p>
+            <a:r>
+              <a:rPr lang="en-US" dirty="0"/>
+              <a:t>Returns the value in the column number indicated by </a:t>
+            </a:r>
+            <a:r>
+              <a:rPr lang="en-US" b="1" dirty="0" err="1"/>
+              <a:t>col_index_num</a:t>
+            </a:r>
+            <a:endParaRPr lang="en-US" b="1" dirty="0"/>
+          </a:p>
+          <a:p>
+            <a:r>
+              <a:rPr lang="en-US" b="1" dirty="0"/>
+              <a:t>[</a:t>
+            </a:r>
+            <a:r>
+              <a:rPr lang="en-US" b="1" dirty="0" err="1"/>
+              <a:t>range_lookup</a:t>
+            </a:r>
+            <a:r>
+              <a:rPr lang="en-US" b="1" dirty="0"/>
+              <a:t>]</a:t>
+            </a:r>
+            <a:r>
+              <a:rPr lang="en-US" dirty="0"/>
+              <a:t>: Default is TRUE (approximate match). FALSE means you want an exact match.</a:t>
+            </a:r>
+          </a:p>
+          <a:p>
+            <a:pPr lvl="1"/>
+            <a:r>
+              <a:rPr lang="en-US" dirty="0"/>
+              <a:t>For approximate match, data must be sorted in ascending order.</a:t>
             </a:r>
           </a:p>
         </p:txBody>
@@ -11910,7 +15397,7 @@
     </p:spTree>
     <p:extLst>
       <p:ext uri="{BB962C8B-B14F-4D97-AF65-F5344CB8AC3E}">
-        <p14:creationId xmlns:p14="http://schemas.microsoft.com/office/powerpoint/2010/main" val="4172560231"/>
+        <p14:creationId xmlns:p14="http://schemas.microsoft.com/office/powerpoint/2010/main" val="2121257376"/>
       </p:ext>
     </p:extLst>
   </p:cSld>
@@ -11939,7 +15426,13 @@
       </p:grpSpPr>
       <p:sp>
         <p:nvSpPr>
-          <p:cNvPr id="2" name="Title 1"/>
+          <p:cNvPr id="2" name="Title 1">
+            <a:extLst>
+              <a:ext uri="{FF2B5EF4-FFF2-40B4-BE49-F238E27FC236}">
+                <a16:creationId xmlns:a16="http://schemas.microsoft.com/office/drawing/2014/main" id="{436F8FE5-4FF3-42C3-926F-8DC2533C00C2}"/>
+              </a:ext>
+            </a:extLst>
+          </p:cNvPr>
           <p:cNvSpPr>
             <a:spLocks noGrp="1"/>
           </p:cNvSpPr>
@@ -11949,22 +15442,56 @@
         </p:nvSpPr>
         <p:spPr/>
         <p:txBody>
-          <a:bodyPr/>
+          <a:bodyPr>
+            <a:normAutofit fontScale="90000"/>
+          </a:bodyPr>
           <a:lstStyle/>
           <a:p>
             <a:r>
               <a:rPr lang="en-US" dirty="0"/>
-              <a:t>Mixed Cell References</a:t>
+              <a:t>VLOOKUP(</a:t>
+            </a:r>
+            <a:r>
+              <a:rPr lang="en-US" dirty="0" err="1"/>
+              <a:t>lookup_value</a:t>
+            </a:r>
+            <a:r>
+              <a:rPr lang="en-US" dirty="0"/>
+              <a:t>, </a:t>
+            </a:r>
+            <a:r>
+              <a:rPr lang="en-US" dirty="0" err="1"/>
+              <a:t>table_array</a:t>
+            </a:r>
+            <a:r>
+              <a:rPr lang="en-US" dirty="0"/>
+              <a:t>, </a:t>
+            </a:r>
+            <a:r>
+              <a:rPr lang="en-US" dirty="0" err="1"/>
+              <a:t>col_index_num</a:t>
+            </a:r>
+            <a:r>
+              <a:rPr lang="en-US" dirty="0"/>
+              <a:t>, [</a:t>
+            </a:r>
+            <a:r>
+              <a:rPr lang="en-US" dirty="0" err="1"/>
+              <a:t>range_lookup</a:t>
+            </a:r>
+            <a:r>
+              <a:rPr lang="en-US" dirty="0"/>
+              <a:t>])</a:t>
             </a:r>
           </a:p>
         </p:txBody>
       </p:sp>
       <p:pic>
         <p:nvPicPr>
-          <p:cNvPr id="7" name="Content Placeholder 25">
+          <p:cNvPr id="11" name="Content Placeholder 10">
             <a:extLst>
               <a:ext uri="{FF2B5EF4-FFF2-40B4-BE49-F238E27FC236}">
-                <a16:creationId xmlns:a16="http://schemas.microsoft.com/office/drawing/2014/main" id="{89A32C09-2165-49A6-A7FE-ED2BDF77FED6}"/>
+                <a16:creationId xmlns:a16="http://schemas.microsoft.com/office/drawing/2014/main" id="{667351E3-6BF1-4D76-B0B1-CEC291A12573}"/>
               </a:ext>
             </a:extLst>
           </p:cNvPr>
@@ -11983,79 +15510,18 @@
         </p:blipFill>
         <p:spPr>
           <a:xfrm>
-            <a:off x="2072291" y="2627287"/>
-            <a:ext cx="8047417" cy="2786113"/>
+            <a:off x="1404937" y="3101181"/>
+            <a:ext cx="9382125" cy="1838325"/>
           </a:xfrm>
           <a:prstGeom prst="rect">
             <a:avLst/>
           </a:prstGeom>
         </p:spPr>
       </p:pic>
-      <p:sp>
-        <p:nvSpPr>
-          <p:cNvPr id="4" name="Slide Number Placeholder 3"/>
-          <p:cNvSpPr>
-            <a:spLocks noGrp="1"/>
-          </p:cNvSpPr>
-          <p:nvPr>
-            <p:ph type="sldNum" sz="quarter" idx="12"/>
-          </p:nvPr>
-        </p:nvSpPr>
-        <p:spPr/>
-        <p:txBody>
-          <a:bodyPr/>
-          <a:lstStyle/>
-          <a:p>
-            <a:fld id="{D57F1E4F-1CFF-5643-939E-217C01CDF565}" type="slidenum">
-              <a:rPr lang="en-US" smtClean="0"/>
-              <a:pPr/>
-              <a:t>9</a:t>
-            </a:fld>
-            <a:endParaRPr lang="en-US" dirty="0"/>
-          </a:p>
-        </p:txBody>
-      </p:sp>
-      <p:sp>
-        <p:nvSpPr>
-          <p:cNvPr id="15" name="TextBox 14"/>
-          <p:cNvSpPr txBox="1"/>
-          <p:nvPr/>
-        </p:nvSpPr>
-        <p:spPr>
-          <a:xfrm>
-            <a:off x="1016001" y="5689600"/>
-            <a:ext cx="10174738" cy="369332"/>
-          </a:xfrm>
-          <a:prstGeom prst="rect">
-            <a:avLst/>
-          </a:prstGeom>
-          <a:noFill/>
-        </p:spPr>
-        <p:txBody>
-          <a:bodyPr wrap="square" rtlCol="0">
-            <a:spAutoFit/>
-          </a:bodyPr>
-          <a:lstStyle/>
-          <a:p>
-            <a:r>
-              <a:rPr lang="en-US" dirty="0"/>
-              <a:t>Here, the black/gray arrows do not indicate relative shifts, but </a:t>
-            </a:r>
-            <a:r>
-              <a:rPr lang="en-US" b="1" dirty="0"/>
-              <a:t>absolute</a:t>
-            </a:r>
-            <a:r>
-              <a:rPr lang="en-US" dirty="0"/>
-              <a:t> shifts to column D.</a:t>
-            </a:r>
-          </a:p>
-        </p:txBody>
-      </p:sp>
     </p:spTree>
     <p:extLst>
       <p:ext uri="{BB962C8B-B14F-4D97-AF65-F5344CB8AC3E}">
-        <p14:creationId xmlns:p14="http://schemas.microsoft.com/office/powerpoint/2010/main" val="4095489140"/>
+        <p14:creationId xmlns:p14="http://schemas.microsoft.com/office/powerpoint/2010/main" val="526551944"/>
       </p:ext>
     </p:extLst>
   </p:cSld>
